--- a/slides/Microservices Workshop.pptx
+++ b/slides/Microservices Workshop.pptx
@@ -21,11 +21,15 @@
     <p:sldId id="272" r:id="rId15"/>
     <p:sldId id="273" r:id="rId16"/>
     <p:sldId id="274" r:id="rId17"/>
-    <p:sldId id="275" r:id="rId18"/>
-    <p:sldId id="276" r:id="rId19"/>
-    <p:sldId id="278" r:id="rId20"/>
-    <p:sldId id="279" r:id="rId21"/>
-    <p:sldId id="277" r:id="rId22"/>
+    <p:sldId id="280" r:id="rId18"/>
+    <p:sldId id="275" r:id="rId19"/>
+    <p:sldId id="276" r:id="rId20"/>
+    <p:sldId id="281" r:id="rId21"/>
+    <p:sldId id="282" r:id="rId22"/>
+    <p:sldId id="283" r:id="rId23"/>
+    <p:sldId id="278" r:id="rId24"/>
+    <p:sldId id="279" r:id="rId25"/>
+    <p:sldId id="277" r:id="rId26"/>
   </p:sldIdLst>
   <p:sldSz cx="12192000" cy="6858000"/>
   <p:notesSz cx="6858000" cy="9144000"/>
@@ -279,7 +283,7 @@
           <a:p>
             <a:fld id="{9A5B694D-EE49-4269-92E1-C9449B8F9556}" type="datetimeFigureOut">
               <a:rPr lang="en-US" smtClean="0"/>
-              <a:t>2/22/2018</a:t>
+              <a:t>3/5/2018</a:t>
             </a:fld>
             <a:endParaRPr lang="en-US"/>
           </a:p>
@@ -477,7 +481,7 @@
           <a:p>
             <a:fld id="{9A5B694D-EE49-4269-92E1-C9449B8F9556}" type="datetimeFigureOut">
               <a:rPr lang="en-US" smtClean="0"/>
-              <a:t>2/22/2018</a:t>
+              <a:t>3/5/2018</a:t>
             </a:fld>
             <a:endParaRPr lang="en-US"/>
           </a:p>
@@ -685,7 +689,7 @@
           <a:p>
             <a:fld id="{9A5B694D-EE49-4269-92E1-C9449B8F9556}" type="datetimeFigureOut">
               <a:rPr lang="en-US" smtClean="0"/>
-              <a:t>2/22/2018</a:t>
+              <a:t>3/5/2018</a:t>
             </a:fld>
             <a:endParaRPr lang="en-US"/>
           </a:p>
@@ -883,7 +887,7 @@
           <a:p>
             <a:fld id="{9A5B694D-EE49-4269-92E1-C9449B8F9556}" type="datetimeFigureOut">
               <a:rPr lang="en-US" smtClean="0"/>
-              <a:t>2/22/2018</a:t>
+              <a:t>3/5/2018</a:t>
             </a:fld>
             <a:endParaRPr lang="en-US"/>
           </a:p>
@@ -1158,7 +1162,7 @@
           <a:p>
             <a:fld id="{9A5B694D-EE49-4269-92E1-C9449B8F9556}" type="datetimeFigureOut">
               <a:rPr lang="en-US" smtClean="0"/>
-              <a:t>2/22/2018</a:t>
+              <a:t>3/5/2018</a:t>
             </a:fld>
             <a:endParaRPr lang="en-US"/>
           </a:p>
@@ -1423,7 +1427,7 @@
           <a:p>
             <a:fld id="{9A5B694D-EE49-4269-92E1-C9449B8F9556}" type="datetimeFigureOut">
               <a:rPr lang="en-US" smtClean="0"/>
-              <a:t>2/22/2018</a:t>
+              <a:t>3/5/2018</a:t>
             </a:fld>
             <a:endParaRPr lang="en-US"/>
           </a:p>
@@ -1835,7 +1839,7 @@
           <a:p>
             <a:fld id="{9A5B694D-EE49-4269-92E1-C9449B8F9556}" type="datetimeFigureOut">
               <a:rPr lang="en-US" smtClean="0"/>
-              <a:t>2/22/2018</a:t>
+              <a:t>3/5/2018</a:t>
             </a:fld>
             <a:endParaRPr lang="en-US"/>
           </a:p>
@@ -1976,7 +1980,7 @@
           <a:p>
             <a:fld id="{9A5B694D-EE49-4269-92E1-C9449B8F9556}" type="datetimeFigureOut">
               <a:rPr lang="en-US" smtClean="0"/>
-              <a:t>2/22/2018</a:t>
+              <a:t>3/5/2018</a:t>
             </a:fld>
             <a:endParaRPr lang="en-US"/>
           </a:p>
@@ -2089,7 +2093,7 @@
           <a:p>
             <a:fld id="{9A5B694D-EE49-4269-92E1-C9449B8F9556}" type="datetimeFigureOut">
               <a:rPr lang="en-US" smtClean="0"/>
-              <a:t>2/22/2018</a:t>
+              <a:t>3/5/2018</a:t>
             </a:fld>
             <a:endParaRPr lang="en-US"/>
           </a:p>
@@ -2400,7 +2404,7 @@
           <a:p>
             <a:fld id="{9A5B694D-EE49-4269-92E1-C9449B8F9556}" type="datetimeFigureOut">
               <a:rPr lang="en-US" smtClean="0"/>
-              <a:t>2/22/2018</a:t>
+              <a:t>3/5/2018</a:t>
             </a:fld>
             <a:endParaRPr lang="en-US"/>
           </a:p>
@@ -2688,7 +2692,7 @@
           <a:p>
             <a:fld id="{9A5B694D-EE49-4269-92E1-C9449B8F9556}" type="datetimeFigureOut">
               <a:rPr lang="en-US" smtClean="0"/>
-              <a:t>2/22/2018</a:t>
+              <a:t>3/5/2018</a:t>
             </a:fld>
             <a:endParaRPr lang="en-US"/>
           </a:p>
@@ -2929,7 +2933,7 @@
           <a:p>
             <a:fld id="{9A5B694D-EE49-4269-92E1-C9449B8F9556}" type="datetimeFigureOut">
               <a:rPr lang="en-US" smtClean="0"/>
-              <a:t>2/22/2018</a:t>
+              <a:t>3/5/2018</a:t>
             </a:fld>
             <a:endParaRPr lang="en-US"/>
           </a:p>
@@ -8310,234 +8314,214 @@
           <a:p>
             <a:r>
               <a:rPr lang="en-US" sz="3600" dirty="0"/>
-              <a:t>Feign (Declarative REST client)</a:t>
+              <a:t>Ribbon (Client side load balancing)</a:t>
             </a:r>
           </a:p>
         </p:txBody>
       </p:sp>
       <p:sp>
         <p:nvSpPr>
-          <p:cNvPr id="5" name="Rectangle 4">
-            <a:extLst>
-              <a:ext uri="{FF2B5EF4-FFF2-40B4-BE49-F238E27FC236}">
-                <a16:creationId xmlns:a16="http://schemas.microsoft.com/office/drawing/2014/main" id="{1D5245DD-5E4F-40C1-BE57-40661EC73173}"/>
-              </a:ext>
-            </a:extLst>
-          </p:cNvPr>
-          <p:cNvSpPr/>
+          <p:cNvPr id="6" name="Subtitle 2">
+            <a:extLst>
+              <a:ext uri="{FF2B5EF4-FFF2-40B4-BE49-F238E27FC236}">
+                <a16:creationId xmlns:a16="http://schemas.microsoft.com/office/drawing/2014/main" id="{F4A1D70D-11C1-4EF0-A60E-3B77AEDDB333}"/>
+              </a:ext>
+            </a:extLst>
+          </p:cNvPr>
+          <p:cNvSpPr txBox="1">
+            <a:spLocks/>
+          </p:cNvSpPr>
           <p:nvPr/>
         </p:nvSpPr>
         <p:spPr>
           <a:xfrm>
-            <a:off x="1977481" y="1084560"/>
-            <a:ext cx="8203581" cy="1200329"/>
+            <a:off x="1523999" y="3429000"/>
+            <a:ext cx="9144000" cy="2168719"/>
           </a:xfrm>
           <a:prstGeom prst="rect">
             <a:avLst/>
           </a:prstGeom>
         </p:spPr>
         <p:txBody>
-          <a:bodyPr wrap="square">
-            <a:spAutoFit/>
+          <a:bodyPr vert="horz" lIns="91440" tIns="45720" rIns="91440" bIns="45720" rtlCol="0">
+            <a:normAutofit/>
           </a:bodyPr>
-          <a:lstStyle/>
-          <a:p>
-            <a:r>
-              <a:rPr lang="en-US" dirty="0">
-                <a:solidFill>
-                  <a:srgbClr val="008080"/>
-                </a:solidFill>
-                <a:latin typeface="Consolas" panose="020B0609020204030204" pitchFamily="49" charset="0"/>
-              </a:rPr>
-              <a:t>&lt;</a:t>
-            </a:r>
-            <a:r>
-              <a:rPr lang="en-US" dirty="0">
-                <a:solidFill>
-                  <a:srgbClr val="3F7F7F"/>
-                </a:solidFill>
-                <a:latin typeface="Consolas" panose="020B0609020204030204" pitchFamily="49" charset="0"/>
-              </a:rPr>
-              <a:t>dependency</a:t>
-            </a:r>
-            <a:r>
-              <a:rPr lang="en-US" dirty="0">
-                <a:solidFill>
-                  <a:srgbClr val="008080"/>
-                </a:solidFill>
-                <a:latin typeface="Consolas" panose="020B0609020204030204" pitchFamily="49" charset="0"/>
-              </a:rPr>
-              <a:t>&gt;</a:t>
-            </a:r>
-          </a:p>
-          <a:p>
-            <a:r>
-              <a:rPr lang="en-US" dirty="0">
-                <a:solidFill>
-                  <a:srgbClr val="008080"/>
-                </a:solidFill>
-                <a:latin typeface="Consolas" panose="020B0609020204030204" pitchFamily="49" charset="0"/>
-              </a:rPr>
-              <a:t>	&lt;</a:t>
-            </a:r>
-            <a:r>
-              <a:rPr lang="en-US" dirty="0" err="1">
-                <a:solidFill>
-                  <a:srgbClr val="3F7F7F"/>
-                </a:solidFill>
-                <a:latin typeface="Consolas" panose="020B0609020204030204" pitchFamily="49" charset="0"/>
-              </a:rPr>
-              <a:t>groupId</a:t>
-            </a:r>
-            <a:r>
-              <a:rPr lang="en-US" dirty="0">
-                <a:solidFill>
-                  <a:srgbClr val="008080"/>
-                </a:solidFill>
-                <a:latin typeface="Consolas" panose="020B0609020204030204" pitchFamily="49" charset="0"/>
-              </a:rPr>
-              <a:t>&gt;</a:t>
-            </a:r>
-            <a:r>
-              <a:rPr lang="en-US" dirty="0" err="1">
-                <a:solidFill>
-                  <a:srgbClr val="000000"/>
-                </a:solidFill>
-                <a:latin typeface="Consolas" panose="020B0609020204030204" pitchFamily="49" charset="0"/>
-              </a:rPr>
-              <a:t>org.springframework.cloud</a:t>
-            </a:r>
-            <a:r>
-              <a:rPr lang="en-US" dirty="0">
-                <a:solidFill>
-                  <a:srgbClr val="008080"/>
-                </a:solidFill>
-                <a:latin typeface="Consolas" panose="020B0609020204030204" pitchFamily="49" charset="0"/>
-              </a:rPr>
-              <a:t>&lt;/</a:t>
-            </a:r>
-            <a:r>
-              <a:rPr lang="en-US" dirty="0" err="1">
-                <a:solidFill>
-                  <a:srgbClr val="3F7F7F"/>
-                </a:solidFill>
-                <a:latin typeface="Consolas" panose="020B0609020204030204" pitchFamily="49" charset="0"/>
-              </a:rPr>
-              <a:t>groupId</a:t>
-            </a:r>
-            <a:r>
-              <a:rPr lang="en-US" dirty="0">
-                <a:solidFill>
-                  <a:srgbClr val="008080"/>
-                </a:solidFill>
-                <a:latin typeface="Consolas" panose="020B0609020204030204" pitchFamily="49" charset="0"/>
-              </a:rPr>
-              <a:t>&gt;</a:t>
-            </a:r>
-          </a:p>
-          <a:p>
-            <a:r>
-              <a:rPr lang="en-US" dirty="0">
-                <a:solidFill>
-                  <a:srgbClr val="008080"/>
-                </a:solidFill>
-                <a:latin typeface="Consolas" panose="020B0609020204030204" pitchFamily="49" charset="0"/>
-              </a:rPr>
-              <a:t>	&lt;</a:t>
-            </a:r>
-            <a:r>
-              <a:rPr lang="en-US" dirty="0" err="1">
-                <a:solidFill>
-                  <a:srgbClr val="3F7F7F"/>
-                </a:solidFill>
-                <a:latin typeface="Consolas" panose="020B0609020204030204" pitchFamily="49" charset="0"/>
-              </a:rPr>
-              <a:t>artifactId</a:t>
-            </a:r>
-            <a:r>
-              <a:rPr lang="en-US" dirty="0">
-                <a:solidFill>
-                  <a:srgbClr val="008080"/>
-                </a:solidFill>
-                <a:latin typeface="Consolas" panose="020B0609020204030204" pitchFamily="49" charset="0"/>
-              </a:rPr>
-              <a:t>&gt;</a:t>
-            </a:r>
-            <a:r>
-              <a:rPr lang="en-US" dirty="0">
-                <a:solidFill>
-                  <a:srgbClr val="000000"/>
-                </a:solidFill>
-                <a:latin typeface="Consolas" panose="020B0609020204030204" pitchFamily="49" charset="0"/>
-              </a:rPr>
-              <a:t>spring-cloud-starter-feign</a:t>
-            </a:r>
-            <a:r>
-              <a:rPr lang="en-US" dirty="0">
-                <a:solidFill>
-                  <a:srgbClr val="008080"/>
-                </a:solidFill>
-                <a:latin typeface="Consolas" panose="020B0609020204030204" pitchFamily="49" charset="0"/>
-              </a:rPr>
-              <a:t>&lt;/</a:t>
-            </a:r>
-            <a:r>
-              <a:rPr lang="en-US" dirty="0" err="1">
-                <a:solidFill>
-                  <a:srgbClr val="3F7F7F"/>
-                </a:solidFill>
-                <a:latin typeface="Consolas" panose="020B0609020204030204" pitchFamily="49" charset="0"/>
-              </a:rPr>
-              <a:t>artifactId</a:t>
-            </a:r>
-            <a:r>
-              <a:rPr lang="en-US" dirty="0">
-                <a:solidFill>
-                  <a:srgbClr val="008080"/>
-                </a:solidFill>
-                <a:latin typeface="Consolas" panose="020B0609020204030204" pitchFamily="49" charset="0"/>
-              </a:rPr>
-              <a:t>&gt;</a:t>
-            </a:r>
-          </a:p>
-          <a:p>
-            <a:r>
-              <a:rPr lang="en-US" dirty="0">
-                <a:solidFill>
-                  <a:srgbClr val="008080"/>
-                </a:solidFill>
-                <a:latin typeface="Consolas" panose="020B0609020204030204" pitchFamily="49" charset="0"/>
-              </a:rPr>
-              <a:t>&lt;/</a:t>
-            </a:r>
-            <a:r>
-              <a:rPr lang="en-US" dirty="0">
-                <a:solidFill>
-                  <a:srgbClr val="3F7F7F"/>
-                </a:solidFill>
-                <a:latin typeface="Consolas" panose="020B0609020204030204" pitchFamily="49" charset="0"/>
-              </a:rPr>
-              <a:t>dependency</a:t>
-            </a:r>
-            <a:r>
-              <a:rPr lang="en-US" dirty="0">
-                <a:solidFill>
-                  <a:srgbClr val="008080"/>
-                </a:solidFill>
-                <a:latin typeface="Consolas" panose="020B0609020204030204" pitchFamily="49" charset="0"/>
-              </a:rPr>
-              <a:t>&gt;</a:t>
-            </a:r>
-            <a:endParaRPr lang="en-US" dirty="0"/>
+          <a:lstStyle>
+            <a:lvl1pPr marL="0" indent="0" algn="ctr" defTabSz="914400" rtl="0" eaLnBrk="1" latinLnBrk="0" hangingPunct="1">
+              <a:lnSpc>
+                <a:spcPct val="90000"/>
+              </a:lnSpc>
+              <a:spcBef>
+                <a:spcPts val="1000"/>
+              </a:spcBef>
+              <a:buFont typeface="Arial" panose="020B0604020202020204" pitchFamily="34" charset="0"/>
+              <a:buNone/>
+              <a:defRPr sz="2400" kern="1200">
+                <a:solidFill>
+                  <a:schemeClr val="tx1"/>
+                </a:solidFill>
+                <a:latin typeface="+mn-lt"/>
+                <a:ea typeface="+mn-ea"/>
+                <a:cs typeface="+mn-cs"/>
+              </a:defRPr>
+            </a:lvl1pPr>
+            <a:lvl2pPr marL="457200" indent="0" algn="ctr" defTabSz="914400" rtl="0" eaLnBrk="1" latinLnBrk="0" hangingPunct="1">
+              <a:lnSpc>
+                <a:spcPct val="90000"/>
+              </a:lnSpc>
+              <a:spcBef>
+                <a:spcPts val="500"/>
+              </a:spcBef>
+              <a:buFont typeface="Arial" panose="020B0604020202020204" pitchFamily="34" charset="0"/>
+              <a:buNone/>
+              <a:defRPr sz="2000" kern="1200">
+                <a:solidFill>
+                  <a:schemeClr val="tx1"/>
+                </a:solidFill>
+                <a:latin typeface="+mn-lt"/>
+                <a:ea typeface="+mn-ea"/>
+                <a:cs typeface="+mn-cs"/>
+              </a:defRPr>
+            </a:lvl2pPr>
+            <a:lvl3pPr marL="914400" indent="0" algn="ctr" defTabSz="914400" rtl="0" eaLnBrk="1" latinLnBrk="0" hangingPunct="1">
+              <a:lnSpc>
+                <a:spcPct val="90000"/>
+              </a:lnSpc>
+              <a:spcBef>
+                <a:spcPts val="500"/>
+              </a:spcBef>
+              <a:buFont typeface="Arial" panose="020B0604020202020204" pitchFamily="34" charset="0"/>
+              <a:buNone/>
+              <a:defRPr sz="1800" kern="1200">
+                <a:solidFill>
+                  <a:schemeClr val="tx1"/>
+                </a:solidFill>
+                <a:latin typeface="+mn-lt"/>
+                <a:ea typeface="+mn-ea"/>
+                <a:cs typeface="+mn-cs"/>
+              </a:defRPr>
+            </a:lvl3pPr>
+            <a:lvl4pPr marL="1371600" indent="0" algn="ctr" defTabSz="914400" rtl="0" eaLnBrk="1" latinLnBrk="0" hangingPunct="1">
+              <a:lnSpc>
+                <a:spcPct val="90000"/>
+              </a:lnSpc>
+              <a:spcBef>
+                <a:spcPts val="500"/>
+              </a:spcBef>
+              <a:buFont typeface="Arial" panose="020B0604020202020204" pitchFamily="34" charset="0"/>
+              <a:buNone/>
+              <a:defRPr sz="1600" kern="1200">
+                <a:solidFill>
+                  <a:schemeClr val="tx1"/>
+                </a:solidFill>
+                <a:latin typeface="+mn-lt"/>
+                <a:ea typeface="+mn-ea"/>
+                <a:cs typeface="+mn-cs"/>
+              </a:defRPr>
+            </a:lvl4pPr>
+            <a:lvl5pPr marL="1828800" indent="0" algn="ctr" defTabSz="914400" rtl="0" eaLnBrk="1" latinLnBrk="0" hangingPunct="1">
+              <a:lnSpc>
+                <a:spcPct val="90000"/>
+              </a:lnSpc>
+              <a:spcBef>
+                <a:spcPts val="500"/>
+              </a:spcBef>
+              <a:buFont typeface="Arial" panose="020B0604020202020204" pitchFamily="34" charset="0"/>
+              <a:buNone/>
+              <a:defRPr sz="1600" kern="1200">
+                <a:solidFill>
+                  <a:schemeClr val="tx1"/>
+                </a:solidFill>
+                <a:latin typeface="+mn-lt"/>
+                <a:ea typeface="+mn-ea"/>
+                <a:cs typeface="+mn-cs"/>
+              </a:defRPr>
+            </a:lvl5pPr>
+            <a:lvl6pPr marL="2286000" indent="0" algn="ctr" defTabSz="914400" rtl="0" eaLnBrk="1" latinLnBrk="0" hangingPunct="1">
+              <a:lnSpc>
+                <a:spcPct val="90000"/>
+              </a:lnSpc>
+              <a:spcBef>
+                <a:spcPts val="500"/>
+              </a:spcBef>
+              <a:buFont typeface="Arial" panose="020B0604020202020204" pitchFamily="34" charset="0"/>
+              <a:buNone/>
+              <a:defRPr sz="1600" kern="1200">
+                <a:solidFill>
+                  <a:schemeClr val="tx1"/>
+                </a:solidFill>
+                <a:latin typeface="+mn-lt"/>
+                <a:ea typeface="+mn-ea"/>
+                <a:cs typeface="+mn-cs"/>
+              </a:defRPr>
+            </a:lvl6pPr>
+            <a:lvl7pPr marL="2743200" indent="0" algn="ctr" defTabSz="914400" rtl="0" eaLnBrk="1" latinLnBrk="0" hangingPunct="1">
+              <a:lnSpc>
+                <a:spcPct val="90000"/>
+              </a:lnSpc>
+              <a:spcBef>
+                <a:spcPts val="500"/>
+              </a:spcBef>
+              <a:buFont typeface="Arial" panose="020B0604020202020204" pitchFamily="34" charset="0"/>
+              <a:buNone/>
+              <a:defRPr sz="1600" kern="1200">
+                <a:solidFill>
+                  <a:schemeClr val="tx1"/>
+                </a:solidFill>
+                <a:latin typeface="+mn-lt"/>
+                <a:ea typeface="+mn-ea"/>
+                <a:cs typeface="+mn-cs"/>
+              </a:defRPr>
+            </a:lvl7pPr>
+            <a:lvl8pPr marL="3200400" indent="0" algn="ctr" defTabSz="914400" rtl="0" eaLnBrk="1" latinLnBrk="0" hangingPunct="1">
+              <a:lnSpc>
+                <a:spcPct val="90000"/>
+              </a:lnSpc>
+              <a:spcBef>
+                <a:spcPts val="500"/>
+              </a:spcBef>
+              <a:buFont typeface="Arial" panose="020B0604020202020204" pitchFamily="34" charset="0"/>
+              <a:buNone/>
+              <a:defRPr sz="1600" kern="1200">
+                <a:solidFill>
+                  <a:schemeClr val="tx1"/>
+                </a:solidFill>
+                <a:latin typeface="+mn-lt"/>
+                <a:ea typeface="+mn-ea"/>
+                <a:cs typeface="+mn-cs"/>
+              </a:defRPr>
+            </a:lvl8pPr>
+            <a:lvl9pPr marL="3657600" indent="0" algn="ctr" defTabSz="914400" rtl="0" eaLnBrk="1" latinLnBrk="0" hangingPunct="1">
+              <a:lnSpc>
+                <a:spcPct val="90000"/>
+              </a:lnSpc>
+              <a:spcBef>
+                <a:spcPts val="500"/>
+              </a:spcBef>
+              <a:buFont typeface="Arial" panose="020B0604020202020204" pitchFamily="34" charset="0"/>
+              <a:buNone/>
+              <a:defRPr sz="1600" kern="1200">
+                <a:solidFill>
+                  <a:schemeClr val="tx1"/>
+                </a:solidFill>
+                <a:latin typeface="+mn-lt"/>
+                <a:ea typeface="+mn-ea"/>
+                <a:cs typeface="+mn-cs"/>
+              </a:defRPr>
+            </a:lvl9pPr>
+          </a:lstStyle>
+          <a:p>
+            <a:pPr algn="l"/>
+            <a:endParaRPr lang="en-US" sz="2000" dirty="0"/>
           </a:p>
         </p:txBody>
       </p:sp>
       <p:sp>
         <p:nvSpPr>
-          <p:cNvPr id="10" name="Rectangle 9">
-            <a:extLst>
-              <a:ext uri="{FF2B5EF4-FFF2-40B4-BE49-F238E27FC236}">
-                <a16:creationId xmlns:a16="http://schemas.microsoft.com/office/drawing/2014/main" id="{55F98E56-3EE0-41D0-AA12-79B582AF3B47}"/>
+          <p:cNvPr id="5" name="Rectangle: Rounded Corners 4">
+            <a:extLst>
+              <a:ext uri="{FF2B5EF4-FFF2-40B4-BE49-F238E27FC236}">
+                <a16:creationId xmlns:a16="http://schemas.microsoft.com/office/drawing/2014/main" id="{0B7B4786-91E0-4428-BD19-0281C18A5DF9}"/>
               </a:ext>
             </a:extLst>
           </p:cNvPr>
@@ -8546,121 +8530,57 @@
         </p:nvSpPr>
         <p:spPr>
           <a:xfrm>
-            <a:off x="1977481" y="4109444"/>
-            <a:ext cx="6096000" cy="646331"/>
+            <a:off x="1393904" y="1784195"/>
+            <a:ext cx="3100039" cy="1237785"/>
           </a:xfrm>
-          <a:prstGeom prst="rect">
+          <a:prstGeom prst="roundRect">
             <a:avLst/>
           </a:prstGeom>
+          <a:solidFill>
+            <a:schemeClr val="accent3">
+              <a:lumMod val="40000"/>
+              <a:lumOff val="60000"/>
+            </a:schemeClr>
+          </a:solidFill>
         </p:spPr>
+        <p:style>
+          <a:lnRef idx="2">
+            <a:schemeClr val="accent1">
+              <a:shade val="50000"/>
+            </a:schemeClr>
+          </a:lnRef>
+          <a:fillRef idx="1">
+            <a:schemeClr val="accent1"/>
+          </a:fillRef>
+          <a:effectRef idx="0">
+            <a:schemeClr val="accent1"/>
+          </a:effectRef>
+          <a:fontRef idx="minor">
+            <a:schemeClr val="lt1"/>
+          </a:fontRef>
+        </p:style>
         <p:txBody>
-          <a:bodyPr>
-            <a:spAutoFit/>
-          </a:bodyPr>
+          <a:bodyPr rtlCol="0" anchor="t"/>
           <a:lstStyle/>
           <a:p>
-            <a:r>
-              <a:rPr lang="en-US" dirty="0">
-                <a:solidFill>
-                  <a:srgbClr val="646464"/>
-                </a:solidFill>
-                <a:latin typeface="Consolas" panose="020B0609020204030204" pitchFamily="49" charset="0"/>
-              </a:rPr>
-              <a:t>@</a:t>
-            </a:r>
-            <a:r>
-              <a:rPr lang="en-US" dirty="0" err="1">
-                <a:solidFill>
-                  <a:srgbClr val="646464"/>
-                </a:solidFill>
-                <a:latin typeface="Consolas" panose="020B0609020204030204" pitchFamily="49" charset="0"/>
-              </a:rPr>
-              <a:t>FeignClient</a:t>
-            </a:r>
-            <a:r>
-              <a:rPr lang="en-US" dirty="0">
-                <a:solidFill>
-                  <a:srgbClr val="000000"/>
-                </a:solidFill>
-                <a:latin typeface="Consolas" panose="020B0609020204030204" pitchFamily="49" charset="0"/>
-              </a:rPr>
-              <a:t>(</a:t>
-            </a:r>
-            <a:r>
-              <a:rPr lang="en-US" dirty="0">
-                <a:solidFill>
-                  <a:srgbClr val="2A00FF"/>
-                </a:solidFill>
-                <a:latin typeface="Consolas" panose="020B0609020204030204" pitchFamily="49" charset="0"/>
-              </a:rPr>
-              <a:t>"TRNG-ADMIN-SERVICE"</a:t>
-            </a:r>
-            <a:r>
-              <a:rPr lang="en-US" dirty="0">
-                <a:solidFill>
-                  <a:srgbClr val="000000"/>
-                </a:solidFill>
-                <a:latin typeface="Consolas" panose="020B0609020204030204" pitchFamily="49" charset="0"/>
-              </a:rPr>
-              <a:t>)</a:t>
-            </a:r>
-          </a:p>
-          <a:p>
-            <a:r>
-              <a:rPr lang="en-US" dirty="0">
-                <a:solidFill>
-                  <a:srgbClr val="000000"/>
-                </a:solidFill>
-                <a:latin typeface="Consolas" panose="020B0609020204030204" pitchFamily="49" charset="0"/>
-              </a:rPr>
-              <a:t>    </a:t>
-            </a:r>
-            <a:r>
-              <a:rPr lang="en-US" b="1" dirty="0">
-                <a:solidFill>
-                  <a:srgbClr val="7F0055"/>
-                </a:solidFill>
-                <a:latin typeface="Consolas" panose="020B0609020204030204" pitchFamily="49" charset="0"/>
-              </a:rPr>
-              <a:t>interface</a:t>
-            </a:r>
-            <a:r>
-              <a:rPr lang="en-US" b="1" dirty="0">
-                <a:solidFill>
-                  <a:srgbClr val="000000"/>
-                </a:solidFill>
-                <a:latin typeface="Consolas" panose="020B0609020204030204" pitchFamily="49" charset="0"/>
-              </a:rPr>
-              <a:t> </a:t>
-            </a:r>
-            <a:r>
-              <a:rPr lang="en-US" b="1" dirty="0" err="1">
-                <a:solidFill>
-                  <a:srgbClr val="000000"/>
-                </a:solidFill>
-                <a:latin typeface="Consolas" panose="020B0609020204030204" pitchFamily="49" charset="0"/>
-              </a:rPr>
-              <a:t>AdminClient</a:t>
-            </a:r>
-            <a:r>
-              <a:rPr lang="en-US" b="1" dirty="0">
-                <a:solidFill>
-                  <a:srgbClr val="000000"/>
-                </a:solidFill>
-                <a:latin typeface="Consolas" panose="020B0609020204030204" pitchFamily="49" charset="0"/>
-              </a:rPr>
-              <a:t> {</a:t>
-            </a:r>
-            <a:endParaRPr lang="en-US" dirty="0"/>
+            <a:pPr algn="ctr"/>
+            <a:r>
+              <a:rPr lang="en-US" dirty="0">
+                <a:solidFill>
+                  <a:schemeClr val="tx1"/>
+                </a:solidFill>
+              </a:rPr>
+              <a:t>Microservice A</a:t>
+            </a:r>
           </a:p>
         </p:txBody>
       </p:sp>
       <p:sp>
         <p:nvSpPr>
-          <p:cNvPr id="11" name="Rectangle 10">
-            <a:extLst>
-              <a:ext uri="{FF2B5EF4-FFF2-40B4-BE49-F238E27FC236}">
-                <a16:creationId xmlns:a16="http://schemas.microsoft.com/office/drawing/2014/main" id="{C5D0E978-6816-4ADC-93D7-820D23830849}"/>
+          <p:cNvPr id="10" name="Rectangle: Rounded Corners 9">
+            <a:extLst>
+              <a:ext uri="{FF2B5EF4-FFF2-40B4-BE49-F238E27FC236}">
+                <a16:creationId xmlns:a16="http://schemas.microsoft.com/office/drawing/2014/main" id="{5A5AC53C-CF4A-4267-9526-288566CFF0F5}"/>
               </a:ext>
             </a:extLst>
           </p:cNvPr>
@@ -8669,121 +8589,56 @@
         </p:nvSpPr>
         <p:spPr>
           <a:xfrm>
-            <a:off x="1977481" y="5365288"/>
-            <a:ext cx="6096000" cy="646331"/>
+            <a:off x="1745167" y="2495013"/>
+            <a:ext cx="2397512" cy="401444"/>
           </a:xfrm>
-          <a:prstGeom prst="rect">
+          <a:prstGeom prst="roundRect">
             <a:avLst/>
           </a:prstGeom>
+          <a:solidFill>
+            <a:schemeClr val="bg2">
+              <a:lumMod val="75000"/>
+            </a:schemeClr>
+          </a:solidFill>
         </p:spPr>
+        <p:style>
+          <a:lnRef idx="2">
+            <a:schemeClr val="accent1">
+              <a:shade val="50000"/>
+            </a:schemeClr>
+          </a:lnRef>
+          <a:fillRef idx="1">
+            <a:schemeClr val="accent1"/>
+          </a:fillRef>
+          <a:effectRef idx="0">
+            <a:schemeClr val="accent1"/>
+          </a:effectRef>
+          <a:fontRef idx="minor">
+            <a:schemeClr val="lt1"/>
+          </a:fontRef>
+        </p:style>
         <p:txBody>
-          <a:bodyPr>
-            <a:spAutoFit/>
-          </a:bodyPr>
+          <a:bodyPr rtlCol="0" anchor="ctr"/>
           <a:lstStyle/>
           <a:p>
-            <a:r>
-              <a:rPr lang="en-US" dirty="0">
-                <a:solidFill>
-                  <a:srgbClr val="646464"/>
-                </a:solidFill>
-                <a:latin typeface="Consolas" panose="020B0609020204030204" pitchFamily="49" charset="0"/>
-              </a:rPr>
-              <a:t>@</a:t>
-            </a:r>
-            <a:r>
-              <a:rPr lang="en-US" dirty="0" err="1">
-                <a:solidFill>
-                  <a:srgbClr val="646464"/>
-                </a:solidFill>
-                <a:latin typeface="Consolas" panose="020B0609020204030204" pitchFamily="49" charset="0"/>
-              </a:rPr>
-              <a:t>FeignClient</a:t>
-            </a:r>
-            <a:r>
-              <a:rPr lang="en-US" dirty="0">
-                <a:solidFill>
-                  <a:srgbClr val="000000"/>
-                </a:solidFill>
-                <a:latin typeface="Consolas" panose="020B0609020204030204" pitchFamily="49" charset="0"/>
-              </a:rPr>
-              <a:t>(</a:t>
-            </a:r>
-            <a:r>
-              <a:rPr lang="en-US" dirty="0">
-                <a:solidFill>
-                  <a:srgbClr val="2A00FF"/>
-                </a:solidFill>
-                <a:latin typeface="Consolas" panose="020B0609020204030204" pitchFamily="49" charset="0"/>
-              </a:rPr>
-              <a:t>"TRNG-SALARY-SERVICE"</a:t>
-            </a:r>
-            <a:r>
-              <a:rPr lang="en-US" dirty="0">
-                <a:solidFill>
-                  <a:srgbClr val="000000"/>
-                </a:solidFill>
-                <a:latin typeface="Consolas" panose="020B0609020204030204" pitchFamily="49" charset="0"/>
-              </a:rPr>
-              <a:t>)</a:t>
-            </a:r>
-          </a:p>
-          <a:p>
-            <a:r>
-              <a:rPr lang="en-US" dirty="0">
-                <a:solidFill>
-                  <a:srgbClr val="000000"/>
-                </a:solidFill>
-                <a:latin typeface="Consolas" panose="020B0609020204030204" pitchFamily="49" charset="0"/>
-              </a:rPr>
-              <a:t>    </a:t>
-            </a:r>
-            <a:r>
-              <a:rPr lang="en-US" b="1" dirty="0">
-                <a:solidFill>
-                  <a:srgbClr val="7F0055"/>
-                </a:solidFill>
-                <a:latin typeface="Consolas" panose="020B0609020204030204" pitchFamily="49" charset="0"/>
-              </a:rPr>
-              <a:t>interface</a:t>
-            </a:r>
-            <a:r>
-              <a:rPr lang="en-US" b="1" dirty="0">
-                <a:solidFill>
-                  <a:srgbClr val="000000"/>
-                </a:solidFill>
-                <a:latin typeface="Consolas" panose="020B0609020204030204" pitchFamily="49" charset="0"/>
-              </a:rPr>
-              <a:t> </a:t>
-            </a:r>
-            <a:r>
-              <a:rPr lang="en-US" b="1" dirty="0" err="1">
-                <a:solidFill>
-                  <a:srgbClr val="000000"/>
-                </a:solidFill>
-                <a:latin typeface="Consolas" panose="020B0609020204030204" pitchFamily="49" charset="0"/>
-              </a:rPr>
-              <a:t>SalaryClient</a:t>
-            </a:r>
-            <a:r>
-              <a:rPr lang="en-US" b="1" dirty="0">
-                <a:solidFill>
-                  <a:srgbClr val="000000"/>
-                </a:solidFill>
-                <a:latin typeface="Consolas" panose="020B0609020204030204" pitchFamily="49" charset="0"/>
-              </a:rPr>
-              <a:t> {</a:t>
-            </a:r>
-            <a:endParaRPr lang="en-US" dirty="0"/>
+            <a:pPr algn="ctr"/>
+            <a:r>
+              <a:rPr lang="en-US" dirty="0">
+                <a:solidFill>
+                  <a:schemeClr val="tx1"/>
+                </a:solidFill>
+              </a:rPr>
+              <a:t>Ribbon Client</a:t>
+            </a:r>
           </a:p>
         </p:txBody>
       </p:sp>
       <p:sp>
         <p:nvSpPr>
-          <p:cNvPr id="12" name="Rectangle 11">
-            <a:extLst>
-              <a:ext uri="{FF2B5EF4-FFF2-40B4-BE49-F238E27FC236}">
-                <a16:creationId xmlns:a16="http://schemas.microsoft.com/office/drawing/2014/main" id="{AEBDAD87-AFAD-4764-8912-DE11AF4561EC}"/>
+          <p:cNvPr id="11" name="Rectangle: Rounded Corners 10">
+            <a:extLst>
+              <a:ext uri="{FF2B5EF4-FFF2-40B4-BE49-F238E27FC236}">
+                <a16:creationId xmlns:a16="http://schemas.microsoft.com/office/drawing/2014/main" id="{90646D4D-322A-4953-8B8D-3ECEF3980511}"/>
               </a:ext>
             </a:extLst>
           </p:cNvPr>
@@ -8792,32 +8647,68 @@
         </p:nvSpPr>
         <p:spPr>
           <a:xfrm>
-            <a:off x="1888272" y="6280150"/>
-            <a:ext cx="7311483" cy="369332"/>
+            <a:off x="475785" y="5508702"/>
+            <a:ext cx="1832518" cy="921832"/>
           </a:xfrm>
-          <a:prstGeom prst="rect">
+          <a:prstGeom prst="roundRect">
             <a:avLst/>
           </a:prstGeom>
+          <a:solidFill>
+            <a:schemeClr val="accent3">
+              <a:lumMod val="40000"/>
+              <a:lumOff val="60000"/>
+            </a:schemeClr>
+          </a:solidFill>
         </p:spPr>
+        <p:style>
+          <a:lnRef idx="2">
+            <a:schemeClr val="accent1">
+              <a:shade val="50000"/>
+            </a:schemeClr>
+          </a:lnRef>
+          <a:fillRef idx="1">
+            <a:schemeClr val="accent1"/>
+          </a:fillRef>
+          <a:effectRef idx="0">
+            <a:schemeClr val="accent1"/>
+          </a:effectRef>
+          <a:fontRef idx="minor">
+            <a:schemeClr val="lt1"/>
+          </a:fontRef>
+        </p:style>
         <p:txBody>
-          <a:bodyPr wrap="square">
-            <a:spAutoFit/>
-          </a:bodyPr>
+          <a:bodyPr rtlCol="0" anchor="t"/>
           <a:lstStyle/>
           <a:p>
-            <a:r>
-              <a:rPr lang="en-US" dirty="0"/>
-              <a:t>http://localhost:8814/feign/detail?name=Goutham</a:t>
+            <a:pPr algn="ctr"/>
+            <a:r>
+              <a:rPr lang="en-US" dirty="0">
+                <a:solidFill>
+                  <a:schemeClr val="tx1"/>
+                </a:solidFill>
+              </a:rPr>
+              <a:t>Microservice B</a:t>
+            </a:r>
+          </a:p>
+          <a:p>
+            <a:pPr algn="ctr"/>
+            <a:r>
+              <a:rPr lang="en-US" dirty="0">
+                <a:solidFill>
+                  <a:schemeClr val="tx1"/>
+                </a:solidFill>
+              </a:rPr>
+              <a:t>Instance #1</a:t>
             </a:r>
           </a:p>
         </p:txBody>
       </p:sp>
       <p:sp>
         <p:nvSpPr>
-          <p:cNvPr id="13" name="Rectangle 12">
-            <a:extLst>
-              <a:ext uri="{FF2B5EF4-FFF2-40B4-BE49-F238E27FC236}">
-                <a16:creationId xmlns:a16="http://schemas.microsoft.com/office/drawing/2014/main" id="{F8E1D48E-BD3A-4E0D-8C5E-543B8FFD7054}"/>
+          <p:cNvPr id="12" name="Rectangle: Rounded Corners 11">
+            <a:extLst>
+              <a:ext uri="{FF2B5EF4-FFF2-40B4-BE49-F238E27FC236}">
+                <a16:creationId xmlns:a16="http://schemas.microsoft.com/office/drawing/2014/main" id="{F2F44AD9-8B9A-4005-B281-F5B0DC514DA8}"/>
               </a:ext>
             </a:extLst>
           </p:cNvPr>
@@ -8826,159 +8717,851 @@
         </p:nvSpPr>
         <p:spPr>
           <a:xfrm>
-            <a:off x="1977481" y="2566321"/>
-            <a:ext cx="6096000" cy="1200329"/>
+            <a:off x="3639010" y="5504987"/>
+            <a:ext cx="1832518" cy="921832"/>
           </a:xfrm>
-          <a:prstGeom prst="rect">
+          <a:prstGeom prst="roundRect">
             <a:avLst/>
           </a:prstGeom>
+          <a:solidFill>
+            <a:schemeClr val="accent3">
+              <a:lumMod val="40000"/>
+              <a:lumOff val="60000"/>
+            </a:schemeClr>
+          </a:solidFill>
         </p:spPr>
+        <p:style>
+          <a:lnRef idx="2">
+            <a:schemeClr val="accent1">
+              <a:shade val="50000"/>
+            </a:schemeClr>
+          </a:lnRef>
+          <a:fillRef idx="1">
+            <a:schemeClr val="accent1"/>
+          </a:fillRef>
+          <a:effectRef idx="0">
+            <a:schemeClr val="accent1"/>
+          </a:effectRef>
+          <a:fontRef idx="minor">
+            <a:schemeClr val="lt1"/>
+          </a:fontRef>
+        </p:style>
         <p:txBody>
-          <a:bodyPr>
-            <a:spAutoFit/>
-          </a:bodyPr>
+          <a:bodyPr rtlCol="0" anchor="t"/>
           <a:lstStyle/>
           <a:p>
-            <a:r>
-              <a:rPr lang="en-US" dirty="0">
-                <a:solidFill>
-                  <a:srgbClr val="646464"/>
-                </a:solidFill>
-                <a:latin typeface="Consolas" panose="020B0609020204030204" pitchFamily="49" charset="0"/>
-              </a:rPr>
-              <a:t>@</a:t>
-            </a:r>
-            <a:r>
-              <a:rPr lang="en-US" dirty="0" err="1">
-                <a:solidFill>
-                  <a:srgbClr val="646464"/>
-                </a:solidFill>
-                <a:latin typeface="Consolas" panose="020B0609020204030204" pitchFamily="49" charset="0"/>
-              </a:rPr>
-              <a:t>SpringBootApplication</a:t>
-            </a:r>
-            <a:endParaRPr lang="en-US" dirty="0">
-              <a:solidFill>
-                <a:srgbClr val="646464"/>
-              </a:solidFill>
-              <a:latin typeface="Consolas" panose="020B0609020204030204" pitchFamily="49" charset="0"/>
-            </a:endParaRPr>
-          </a:p>
-          <a:p>
-            <a:r>
-              <a:rPr lang="en-US" dirty="0">
-                <a:solidFill>
-                  <a:srgbClr val="646464"/>
-                </a:solidFill>
-                <a:latin typeface="Consolas" panose="020B0609020204030204" pitchFamily="49" charset="0"/>
-              </a:rPr>
-              <a:t>@</a:t>
-            </a:r>
-            <a:r>
-              <a:rPr lang="en-US" dirty="0" err="1">
-                <a:solidFill>
-                  <a:srgbClr val="646464"/>
-                </a:solidFill>
-                <a:latin typeface="Consolas" panose="020B0609020204030204" pitchFamily="49" charset="0"/>
-              </a:rPr>
-              <a:t>EnableDiscoveryClient</a:t>
-            </a:r>
-            <a:endParaRPr lang="en-US" dirty="0">
-              <a:solidFill>
-                <a:srgbClr val="646464"/>
-              </a:solidFill>
-              <a:latin typeface="Consolas" panose="020B0609020204030204" pitchFamily="49" charset="0"/>
-            </a:endParaRPr>
-          </a:p>
-          <a:p>
-            <a:r>
-              <a:rPr lang="en-US" dirty="0">
-                <a:solidFill>
-                  <a:srgbClr val="646464"/>
-                </a:solidFill>
-                <a:latin typeface="Consolas" panose="020B0609020204030204" pitchFamily="49" charset="0"/>
-              </a:rPr>
-              <a:t>@</a:t>
-            </a:r>
-            <a:r>
-              <a:rPr lang="en-US" dirty="0" err="1">
-                <a:solidFill>
-                  <a:srgbClr val="646464"/>
-                </a:solidFill>
-                <a:latin typeface="Consolas" panose="020B0609020204030204" pitchFamily="49" charset="0"/>
-              </a:rPr>
-              <a:t>EnableFeignClients</a:t>
-            </a:r>
-            <a:endParaRPr lang="en-US" dirty="0">
-              <a:solidFill>
-                <a:srgbClr val="646464"/>
-              </a:solidFill>
-              <a:latin typeface="Consolas" panose="020B0609020204030204" pitchFamily="49" charset="0"/>
-            </a:endParaRPr>
-          </a:p>
-          <a:p>
-            <a:r>
-              <a:rPr lang="en-US" b="1" dirty="0">
-                <a:solidFill>
-                  <a:srgbClr val="7F0055"/>
-                </a:solidFill>
-                <a:latin typeface="Consolas" panose="020B0609020204030204" pitchFamily="49" charset="0"/>
-              </a:rPr>
-              <a:t>public</a:t>
-            </a:r>
-            <a:r>
-              <a:rPr lang="en-US" b="1" dirty="0">
-                <a:solidFill>
-                  <a:srgbClr val="000000"/>
-                </a:solidFill>
-                <a:latin typeface="Consolas" panose="020B0609020204030204" pitchFamily="49" charset="0"/>
-              </a:rPr>
-              <a:t> </a:t>
-            </a:r>
-            <a:r>
-              <a:rPr lang="en-US" b="1" dirty="0">
-                <a:solidFill>
-                  <a:srgbClr val="7F0055"/>
-                </a:solidFill>
-                <a:latin typeface="Consolas" panose="020B0609020204030204" pitchFamily="49" charset="0"/>
-              </a:rPr>
-              <a:t>class</a:t>
-            </a:r>
-            <a:r>
-              <a:rPr lang="en-US" b="1" dirty="0">
-                <a:solidFill>
-                  <a:srgbClr val="000000"/>
-                </a:solidFill>
-                <a:latin typeface="Consolas" panose="020B0609020204030204" pitchFamily="49" charset="0"/>
-              </a:rPr>
-              <a:t> </a:t>
-            </a:r>
-            <a:r>
-              <a:rPr lang="en-US" b="1" dirty="0" err="1">
-                <a:solidFill>
-                  <a:srgbClr val="000000"/>
-                </a:solidFill>
-                <a:latin typeface="Consolas" panose="020B0609020204030204" pitchFamily="49" charset="0"/>
-              </a:rPr>
-              <a:t>TrngFeignClientApplication</a:t>
-            </a:r>
-            <a:r>
-              <a:rPr lang="en-US" b="1" dirty="0">
-                <a:solidFill>
-                  <a:srgbClr val="000000"/>
-                </a:solidFill>
-                <a:latin typeface="Consolas" panose="020B0609020204030204" pitchFamily="49" charset="0"/>
-              </a:rPr>
-              <a:t> {</a:t>
-            </a:r>
-            <a:endParaRPr lang="en-US" dirty="0"/>
+            <a:pPr algn="ctr"/>
+            <a:r>
+              <a:rPr lang="en-US" dirty="0">
+                <a:solidFill>
+                  <a:schemeClr val="tx1"/>
+                </a:solidFill>
+              </a:rPr>
+              <a:t>Microservice B</a:t>
+            </a:r>
+          </a:p>
+          <a:p>
+            <a:pPr algn="ctr"/>
+            <a:r>
+              <a:rPr lang="en-US" dirty="0">
+                <a:solidFill>
+                  <a:schemeClr val="tx1"/>
+                </a:solidFill>
+              </a:rPr>
+              <a:t>Instance #2</a:t>
+            </a:r>
           </a:p>
         </p:txBody>
       </p:sp>
+      <p:sp>
+        <p:nvSpPr>
+          <p:cNvPr id="13" name="Rectangle: Rounded Corners 12">
+            <a:extLst>
+              <a:ext uri="{FF2B5EF4-FFF2-40B4-BE49-F238E27FC236}">
+                <a16:creationId xmlns:a16="http://schemas.microsoft.com/office/drawing/2014/main" id="{59303E44-69AA-4B39-AAC7-CF947D9D9DAC}"/>
+              </a:ext>
+            </a:extLst>
+          </p:cNvPr>
+          <p:cNvSpPr/>
+          <p:nvPr/>
+        </p:nvSpPr>
+        <p:spPr>
+          <a:xfrm>
+            <a:off x="2236751" y="4379545"/>
+            <a:ext cx="1414343" cy="401444"/>
+          </a:xfrm>
+          <a:prstGeom prst="roundRect">
+            <a:avLst/>
+          </a:prstGeom>
+          <a:solidFill>
+            <a:srgbClr val="FFC000"/>
+          </a:solidFill>
+        </p:spPr>
+        <p:style>
+          <a:lnRef idx="2">
+            <a:schemeClr val="accent1">
+              <a:shade val="50000"/>
+            </a:schemeClr>
+          </a:lnRef>
+          <a:fillRef idx="1">
+            <a:schemeClr val="accent1"/>
+          </a:fillRef>
+          <a:effectRef idx="0">
+            <a:schemeClr val="accent1"/>
+          </a:effectRef>
+          <a:fontRef idx="minor">
+            <a:schemeClr val="lt1"/>
+          </a:fontRef>
+        </p:style>
+        <p:txBody>
+          <a:bodyPr rtlCol="0" anchor="ctr"/>
+          <a:lstStyle/>
+          <a:p>
+            <a:pPr algn="ctr"/>
+            <a:r>
+              <a:rPr lang="en-US" dirty="0">
+                <a:solidFill>
+                  <a:schemeClr val="tx1"/>
+                </a:solidFill>
+              </a:rPr>
+              <a:t>Eureka</a:t>
+            </a:r>
+          </a:p>
+        </p:txBody>
+      </p:sp>
+      <p:cxnSp>
+        <p:nvCxnSpPr>
+          <p:cNvPr id="15" name="Straight Connector 14">
+            <a:extLst>
+              <a:ext uri="{FF2B5EF4-FFF2-40B4-BE49-F238E27FC236}">
+                <a16:creationId xmlns:a16="http://schemas.microsoft.com/office/drawing/2014/main" id="{FBFF74AE-0CB3-4B0E-8B33-01E2F9E03252}"/>
+              </a:ext>
+            </a:extLst>
+          </p:cNvPr>
+          <p:cNvCxnSpPr>
+            <a:stCxn id="5" idx="2"/>
+            <a:endCxn id="13" idx="0"/>
+          </p:cNvCxnSpPr>
+          <p:nvPr/>
+        </p:nvCxnSpPr>
+        <p:spPr>
+          <a:xfrm flipH="1">
+            <a:off x="2943923" y="3021980"/>
+            <a:ext cx="1" cy="1357565"/>
+          </a:xfrm>
+          <a:prstGeom prst="line">
+            <a:avLst/>
+          </a:prstGeom>
+          <a:ln w="19050">
+            <a:prstDash val="sysDash"/>
+          </a:ln>
+        </p:spPr>
+        <p:style>
+          <a:lnRef idx="1">
+            <a:schemeClr val="accent1"/>
+          </a:lnRef>
+          <a:fillRef idx="0">
+            <a:schemeClr val="accent1"/>
+          </a:fillRef>
+          <a:effectRef idx="0">
+            <a:schemeClr val="accent1"/>
+          </a:effectRef>
+          <a:fontRef idx="minor">
+            <a:schemeClr val="tx1"/>
+          </a:fontRef>
+        </p:style>
+      </p:cxnSp>
+      <p:cxnSp>
+        <p:nvCxnSpPr>
+          <p:cNvPr id="16" name="Straight Connector 15">
+            <a:extLst>
+              <a:ext uri="{FF2B5EF4-FFF2-40B4-BE49-F238E27FC236}">
+                <a16:creationId xmlns:a16="http://schemas.microsoft.com/office/drawing/2014/main" id="{8CD5E825-F48F-4886-92A6-0AF12C27F4FF}"/>
+              </a:ext>
+            </a:extLst>
+          </p:cNvPr>
+          <p:cNvCxnSpPr>
+            <a:cxnSpLocks/>
+          </p:cNvCxnSpPr>
+          <p:nvPr/>
+        </p:nvCxnSpPr>
+        <p:spPr>
+          <a:xfrm>
+            <a:off x="2943922" y="4794830"/>
+            <a:ext cx="1" cy="1209909"/>
+          </a:xfrm>
+          <a:prstGeom prst="line">
+            <a:avLst/>
+          </a:prstGeom>
+          <a:ln w="19050">
+            <a:prstDash val="sysDash"/>
+          </a:ln>
+        </p:spPr>
+        <p:style>
+          <a:lnRef idx="1">
+            <a:schemeClr val="accent1"/>
+          </a:lnRef>
+          <a:fillRef idx="0">
+            <a:schemeClr val="accent1"/>
+          </a:fillRef>
+          <a:effectRef idx="0">
+            <a:schemeClr val="accent1"/>
+          </a:effectRef>
+          <a:fontRef idx="minor">
+            <a:schemeClr val="tx1"/>
+          </a:fontRef>
+        </p:style>
+      </p:cxnSp>
+      <p:cxnSp>
+        <p:nvCxnSpPr>
+          <p:cNvPr id="17" name="Straight Connector 16">
+            <a:extLst>
+              <a:ext uri="{FF2B5EF4-FFF2-40B4-BE49-F238E27FC236}">
+                <a16:creationId xmlns:a16="http://schemas.microsoft.com/office/drawing/2014/main" id="{9FFEA353-47F1-421F-B768-83B2E4F28CD2}"/>
+              </a:ext>
+            </a:extLst>
+          </p:cNvPr>
+          <p:cNvCxnSpPr>
+            <a:cxnSpLocks/>
+            <a:stCxn id="12" idx="1"/>
+            <a:endCxn id="11" idx="3"/>
+          </p:cNvCxnSpPr>
+          <p:nvPr/>
+        </p:nvCxnSpPr>
+        <p:spPr>
+          <a:xfrm flipH="1">
+            <a:off x="2308303" y="5965903"/>
+            <a:ext cx="1330707" cy="3715"/>
+          </a:xfrm>
+          <a:prstGeom prst="line">
+            <a:avLst/>
+          </a:prstGeom>
+          <a:ln w="19050">
+            <a:prstDash val="sysDash"/>
+          </a:ln>
+        </p:spPr>
+        <p:style>
+          <a:lnRef idx="1">
+            <a:schemeClr val="accent1"/>
+          </a:lnRef>
+          <a:fillRef idx="0">
+            <a:schemeClr val="accent1"/>
+          </a:fillRef>
+          <a:effectRef idx="0">
+            <a:schemeClr val="accent1"/>
+          </a:effectRef>
+          <a:fontRef idx="minor">
+            <a:schemeClr val="tx1"/>
+          </a:fontRef>
+        </p:style>
+      </p:cxnSp>
+      <p:cxnSp>
+        <p:nvCxnSpPr>
+          <p:cNvPr id="23" name="Straight Arrow Connector 22">
+            <a:extLst>
+              <a:ext uri="{FF2B5EF4-FFF2-40B4-BE49-F238E27FC236}">
+                <a16:creationId xmlns:a16="http://schemas.microsoft.com/office/drawing/2014/main" id="{3A2283B0-46C4-4E73-A63E-3F144E1926F1}"/>
+              </a:ext>
+            </a:extLst>
+          </p:cNvPr>
+          <p:cNvCxnSpPr>
+            <a:cxnSpLocks/>
+          </p:cNvCxnSpPr>
+          <p:nvPr/>
+        </p:nvCxnSpPr>
+        <p:spPr>
+          <a:xfrm flipH="1">
+            <a:off x="1159727" y="3021980"/>
+            <a:ext cx="1773046" cy="2483007"/>
+          </a:xfrm>
+          <a:prstGeom prst="straightConnector1">
+            <a:avLst/>
+          </a:prstGeom>
+          <a:ln>
+            <a:tailEnd type="triangle"/>
+          </a:ln>
+        </p:spPr>
+        <p:style>
+          <a:lnRef idx="1">
+            <a:schemeClr val="accent1"/>
+          </a:lnRef>
+          <a:fillRef idx="0">
+            <a:schemeClr val="accent1"/>
+          </a:fillRef>
+          <a:effectRef idx="0">
+            <a:schemeClr val="accent1"/>
+          </a:effectRef>
+          <a:fontRef idx="minor">
+            <a:schemeClr val="tx1"/>
+          </a:fontRef>
+        </p:style>
+      </p:cxnSp>
+      <p:cxnSp>
+        <p:nvCxnSpPr>
+          <p:cNvPr id="25" name="Straight Arrow Connector 24">
+            <a:extLst>
+              <a:ext uri="{FF2B5EF4-FFF2-40B4-BE49-F238E27FC236}">
+                <a16:creationId xmlns:a16="http://schemas.microsoft.com/office/drawing/2014/main" id="{54CD438B-618E-41A3-BC34-0A4EC6DB7B6A}"/>
+              </a:ext>
+            </a:extLst>
+          </p:cNvPr>
+          <p:cNvCxnSpPr>
+            <a:stCxn id="5" idx="2"/>
+          </p:cNvCxnSpPr>
+          <p:nvPr/>
+        </p:nvCxnSpPr>
+        <p:spPr>
+          <a:xfrm>
+            <a:off x="2943924" y="3021980"/>
+            <a:ext cx="1750739" cy="2483007"/>
+          </a:xfrm>
+          <a:prstGeom prst="straightConnector1">
+            <a:avLst/>
+          </a:prstGeom>
+          <a:ln>
+            <a:tailEnd type="triangle"/>
+          </a:ln>
+        </p:spPr>
+        <p:style>
+          <a:lnRef idx="1">
+            <a:schemeClr val="accent1"/>
+          </a:lnRef>
+          <a:fillRef idx="0">
+            <a:schemeClr val="accent1"/>
+          </a:fillRef>
+          <a:effectRef idx="0">
+            <a:schemeClr val="accent1"/>
+          </a:effectRef>
+          <a:fontRef idx="minor">
+            <a:schemeClr val="tx1"/>
+          </a:fontRef>
+        </p:style>
+      </p:cxnSp>
+      <p:sp>
+        <p:nvSpPr>
+          <p:cNvPr id="27" name="Rectangle: Rounded Corners 26">
+            <a:extLst>
+              <a:ext uri="{FF2B5EF4-FFF2-40B4-BE49-F238E27FC236}">
+                <a16:creationId xmlns:a16="http://schemas.microsoft.com/office/drawing/2014/main" id="{E1DBD486-C699-4F18-9C94-9BBC26E6B1FE}"/>
+              </a:ext>
+            </a:extLst>
+          </p:cNvPr>
+          <p:cNvSpPr/>
+          <p:nvPr/>
+        </p:nvSpPr>
+        <p:spPr>
+          <a:xfrm>
+            <a:off x="6965788" y="1780481"/>
+            <a:ext cx="3100039" cy="1237785"/>
+          </a:xfrm>
+          <a:prstGeom prst="roundRect">
+            <a:avLst/>
+          </a:prstGeom>
+          <a:solidFill>
+            <a:schemeClr val="accent3">
+              <a:lumMod val="40000"/>
+              <a:lumOff val="60000"/>
+            </a:schemeClr>
+          </a:solidFill>
+        </p:spPr>
+        <p:style>
+          <a:lnRef idx="2">
+            <a:schemeClr val="accent1">
+              <a:shade val="50000"/>
+            </a:schemeClr>
+          </a:lnRef>
+          <a:fillRef idx="1">
+            <a:schemeClr val="accent1"/>
+          </a:fillRef>
+          <a:effectRef idx="0">
+            <a:schemeClr val="accent1"/>
+          </a:effectRef>
+          <a:fontRef idx="minor">
+            <a:schemeClr val="lt1"/>
+          </a:fontRef>
+        </p:style>
+        <p:txBody>
+          <a:bodyPr rtlCol="0" anchor="t"/>
+          <a:lstStyle/>
+          <a:p>
+            <a:pPr algn="ctr"/>
+            <a:r>
+              <a:rPr lang="en-US" dirty="0">
+                <a:solidFill>
+                  <a:schemeClr val="tx1"/>
+                </a:solidFill>
+              </a:rPr>
+              <a:t>Microservice B</a:t>
+            </a:r>
+          </a:p>
+        </p:txBody>
+      </p:sp>
+      <p:sp>
+        <p:nvSpPr>
+          <p:cNvPr id="28" name="Rectangle: Rounded Corners 27">
+            <a:extLst>
+              <a:ext uri="{FF2B5EF4-FFF2-40B4-BE49-F238E27FC236}">
+                <a16:creationId xmlns:a16="http://schemas.microsoft.com/office/drawing/2014/main" id="{3D19A097-581F-4A6B-9E05-905A1490611B}"/>
+              </a:ext>
+            </a:extLst>
+          </p:cNvPr>
+          <p:cNvSpPr/>
+          <p:nvPr/>
+        </p:nvSpPr>
+        <p:spPr>
+          <a:xfrm>
+            <a:off x="7317051" y="2491299"/>
+            <a:ext cx="2397512" cy="401444"/>
+          </a:xfrm>
+          <a:prstGeom prst="roundRect">
+            <a:avLst/>
+          </a:prstGeom>
+          <a:solidFill>
+            <a:schemeClr val="bg2">
+              <a:lumMod val="75000"/>
+            </a:schemeClr>
+          </a:solidFill>
+        </p:spPr>
+        <p:style>
+          <a:lnRef idx="2">
+            <a:schemeClr val="accent1">
+              <a:shade val="50000"/>
+            </a:schemeClr>
+          </a:lnRef>
+          <a:fillRef idx="1">
+            <a:schemeClr val="accent1"/>
+          </a:fillRef>
+          <a:effectRef idx="0">
+            <a:schemeClr val="accent1"/>
+          </a:effectRef>
+          <a:fontRef idx="minor">
+            <a:schemeClr val="lt1"/>
+          </a:fontRef>
+        </p:style>
+        <p:txBody>
+          <a:bodyPr rtlCol="0" anchor="ctr"/>
+          <a:lstStyle/>
+          <a:p>
+            <a:pPr algn="ctr"/>
+            <a:r>
+              <a:rPr lang="en-US" dirty="0">
+                <a:solidFill>
+                  <a:schemeClr val="tx1"/>
+                </a:solidFill>
+              </a:rPr>
+              <a:t>Ribbon Client</a:t>
+            </a:r>
+          </a:p>
+        </p:txBody>
+      </p:sp>
+      <p:sp>
+        <p:nvSpPr>
+          <p:cNvPr id="29" name="Rectangle: Rounded Corners 28">
+            <a:extLst>
+              <a:ext uri="{FF2B5EF4-FFF2-40B4-BE49-F238E27FC236}">
+                <a16:creationId xmlns:a16="http://schemas.microsoft.com/office/drawing/2014/main" id="{EEDCBC29-DB4D-456C-87DE-96761292D93F}"/>
+              </a:ext>
+            </a:extLst>
+          </p:cNvPr>
+          <p:cNvSpPr/>
+          <p:nvPr/>
+        </p:nvSpPr>
+        <p:spPr>
+          <a:xfrm>
+            <a:off x="6047669" y="5504988"/>
+            <a:ext cx="1832518" cy="921832"/>
+          </a:xfrm>
+          <a:prstGeom prst="roundRect">
+            <a:avLst/>
+          </a:prstGeom>
+          <a:solidFill>
+            <a:schemeClr val="accent3">
+              <a:lumMod val="40000"/>
+              <a:lumOff val="60000"/>
+            </a:schemeClr>
+          </a:solidFill>
+        </p:spPr>
+        <p:style>
+          <a:lnRef idx="2">
+            <a:schemeClr val="accent1">
+              <a:shade val="50000"/>
+            </a:schemeClr>
+          </a:lnRef>
+          <a:fillRef idx="1">
+            <a:schemeClr val="accent1"/>
+          </a:fillRef>
+          <a:effectRef idx="0">
+            <a:schemeClr val="accent1"/>
+          </a:effectRef>
+          <a:fontRef idx="minor">
+            <a:schemeClr val="lt1"/>
+          </a:fontRef>
+        </p:style>
+        <p:txBody>
+          <a:bodyPr rtlCol="0" anchor="t"/>
+          <a:lstStyle/>
+          <a:p>
+            <a:pPr algn="ctr"/>
+            <a:r>
+              <a:rPr lang="en-US" dirty="0">
+                <a:solidFill>
+                  <a:schemeClr val="tx1"/>
+                </a:solidFill>
+              </a:rPr>
+              <a:t>Microservice A</a:t>
+            </a:r>
+          </a:p>
+          <a:p>
+            <a:pPr algn="ctr"/>
+            <a:r>
+              <a:rPr lang="en-US" dirty="0">
+                <a:solidFill>
+                  <a:schemeClr val="tx1"/>
+                </a:solidFill>
+              </a:rPr>
+              <a:t>Instance #1</a:t>
+            </a:r>
+          </a:p>
+        </p:txBody>
+      </p:sp>
+      <p:sp>
+        <p:nvSpPr>
+          <p:cNvPr id="30" name="Rectangle: Rounded Corners 29">
+            <a:extLst>
+              <a:ext uri="{FF2B5EF4-FFF2-40B4-BE49-F238E27FC236}">
+                <a16:creationId xmlns:a16="http://schemas.microsoft.com/office/drawing/2014/main" id="{205B8118-73C1-4A17-89D6-331E318974CA}"/>
+              </a:ext>
+            </a:extLst>
+          </p:cNvPr>
+          <p:cNvSpPr/>
+          <p:nvPr/>
+        </p:nvSpPr>
+        <p:spPr>
+          <a:xfrm>
+            <a:off x="9210894" y="5501273"/>
+            <a:ext cx="1832518" cy="921832"/>
+          </a:xfrm>
+          <a:prstGeom prst="roundRect">
+            <a:avLst/>
+          </a:prstGeom>
+          <a:solidFill>
+            <a:schemeClr val="accent3">
+              <a:lumMod val="40000"/>
+              <a:lumOff val="60000"/>
+            </a:schemeClr>
+          </a:solidFill>
+        </p:spPr>
+        <p:style>
+          <a:lnRef idx="2">
+            <a:schemeClr val="accent1">
+              <a:shade val="50000"/>
+            </a:schemeClr>
+          </a:lnRef>
+          <a:fillRef idx="1">
+            <a:schemeClr val="accent1"/>
+          </a:fillRef>
+          <a:effectRef idx="0">
+            <a:schemeClr val="accent1"/>
+          </a:effectRef>
+          <a:fontRef idx="minor">
+            <a:schemeClr val="lt1"/>
+          </a:fontRef>
+        </p:style>
+        <p:txBody>
+          <a:bodyPr rtlCol="0" anchor="t"/>
+          <a:lstStyle/>
+          <a:p>
+            <a:pPr algn="ctr"/>
+            <a:r>
+              <a:rPr lang="en-US" dirty="0">
+                <a:solidFill>
+                  <a:schemeClr val="tx1"/>
+                </a:solidFill>
+              </a:rPr>
+              <a:t>Microservice A</a:t>
+            </a:r>
+          </a:p>
+          <a:p>
+            <a:pPr algn="ctr"/>
+            <a:r>
+              <a:rPr lang="en-US" dirty="0">
+                <a:solidFill>
+                  <a:schemeClr val="tx1"/>
+                </a:solidFill>
+              </a:rPr>
+              <a:t>Instance #2</a:t>
+            </a:r>
+          </a:p>
+        </p:txBody>
+      </p:sp>
+      <p:sp>
+        <p:nvSpPr>
+          <p:cNvPr id="31" name="Rectangle: Rounded Corners 30">
+            <a:extLst>
+              <a:ext uri="{FF2B5EF4-FFF2-40B4-BE49-F238E27FC236}">
+                <a16:creationId xmlns:a16="http://schemas.microsoft.com/office/drawing/2014/main" id="{27128264-D68B-475E-8C6F-689AA58870DC}"/>
+              </a:ext>
+            </a:extLst>
+          </p:cNvPr>
+          <p:cNvSpPr/>
+          <p:nvPr/>
+        </p:nvSpPr>
+        <p:spPr>
+          <a:xfrm>
+            <a:off x="7808635" y="4375831"/>
+            <a:ext cx="1414343" cy="401444"/>
+          </a:xfrm>
+          <a:prstGeom prst="roundRect">
+            <a:avLst/>
+          </a:prstGeom>
+          <a:solidFill>
+            <a:srgbClr val="FFC000"/>
+          </a:solidFill>
+        </p:spPr>
+        <p:style>
+          <a:lnRef idx="2">
+            <a:schemeClr val="accent1">
+              <a:shade val="50000"/>
+            </a:schemeClr>
+          </a:lnRef>
+          <a:fillRef idx="1">
+            <a:schemeClr val="accent1"/>
+          </a:fillRef>
+          <a:effectRef idx="0">
+            <a:schemeClr val="accent1"/>
+          </a:effectRef>
+          <a:fontRef idx="minor">
+            <a:schemeClr val="lt1"/>
+          </a:fontRef>
+        </p:style>
+        <p:txBody>
+          <a:bodyPr rtlCol="0" anchor="ctr"/>
+          <a:lstStyle/>
+          <a:p>
+            <a:pPr algn="ctr"/>
+            <a:r>
+              <a:rPr lang="en-US" dirty="0">
+                <a:solidFill>
+                  <a:schemeClr val="tx1"/>
+                </a:solidFill>
+              </a:rPr>
+              <a:t>Eureka</a:t>
+            </a:r>
+          </a:p>
+        </p:txBody>
+      </p:sp>
+      <p:cxnSp>
+        <p:nvCxnSpPr>
+          <p:cNvPr id="32" name="Straight Connector 31">
+            <a:extLst>
+              <a:ext uri="{FF2B5EF4-FFF2-40B4-BE49-F238E27FC236}">
+                <a16:creationId xmlns:a16="http://schemas.microsoft.com/office/drawing/2014/main" id="{1D959A02-0072-4484-A5E8-CA1BC18974D9}"/>
+              </a:ext>
+            </a:extLst>
+          </p:cNvPr>
+          <p:cNvCxnSpPr>
+            <a:stCxn id="27" idx="2"/>
+            <a:endCxn id="31" idx="0"/>
+          </p:cNvCxnSpPr>
+          <p:nvPr/>
+        </p:nvCxnSpPr>
+        <p:spPr>
+          <a:xfrm flipH="1">
+            <a:off x="8515807" y="3018266"/>
+            <a:ext cx="1" cy="1357565"/>
+          </a:xfrm>
+          <a:prstGeom prst="line">
+            <a:avLst/>
+          </a:prstGeom>
+          <a:ln w="19050">
+            <a:prstDash val="sysDash"/>
+          </a:ln>
+        </p:spPr>
+        <p:style>
+          <a:lnRef idx="1">
+            <a:schemeClr val="accent1"/>
+          </a:lnRef>
+          <a:fillRef idx="0">
+            <a:schemeClr val="accent1"/>
+          </a:fillRef>
+          <a:effectRef idx="0">
+            <a:schemeClr val="accent1"/>
+          </a:effectRef>
+          <a:fontRef idx="minor">
+            <a:schemeClr val="tx1"/>
+          </a:fontRef>
+        </p:style>
+      </p:cxnSp>
+      <p:cxnSp>
+        <p:nvCxnSpPr>
+          <p:cNvPr id="33" name="Straight Connector 32">
+            <a:extLst>
+              <a:ext uri="{FF2B5EF4-FFF2-40B4-BE49-F238E27FC236}">
+                <a16:creationId xmlns:a16="http://schemas.microsoft.com/office/drawing/2014/main" id="{D21884C4-CC87-4CBD-8B45-A51BDC26134F}"/>
+              </a:ext>
+            </a:extLst>
+          </p:cNvPr>
+          <p:cNvCxnSpPr>
+            <a:cxnSpLocks/>
+          </p:cNvCxnSpPr>
+          <p:nvPr/>
+        </p:nvCxnSpPr>
+        <p:spPr>
+          <a:xfrm>
+            <a:off x="8515806" y="4791116"/>
+            <a:ext cx="1" cy="1209909"/>
+          </a:xfrm>
+          <a:prstGeom prst="line">
+            <a:avLst/>
+          </a:prstGeom>
+          <a:ln w="19050">
+            <a:prstDash val="sysDash"/>
+          </a:ln>
+        </p:spPr>
+        <p:style>
+          <a:lnRef idx="1">
+            <a:schemeClr val="accent1"/>
+          </a:lnRef>
+          <a:fillRef idx="0">
+            <a:schemeClr val="accent1"/>
+          </a:fillRef>
+          <a:effectRef idx="0">
+            <a:schemeClr val="accent1"/>
+          </a:effectRef>
+          <a:fontRef idx="minor">
+            <a:schemeClr val="tx1"/>
+          </a:fontRef>
+        </p:style>
+      </p:cxnSp>
+      <p:cxnSp>
+        <p:nvCxnSpPr>
+          <p:cNvPr id="34" name="Straight Connector 33">
+            <a:extLst>
+              <a:ext uri="{FF2B5EF4-FFF2-40B4-BE49-F238E27FC236}">
+                <a16:creationId xmlns:a16="http://schemas.microsoft.com/office/drawing/2014/main" id="{A59E4443-DABC-4AAD-A120-9F3AAA9D78BD}"/>
+              </a:ext>
+            </a:extLst>
+          </p:cNvPr>
+          <p:cNvCxnSpPr>
+            <a:cxnSpLocks/>
+            <a:stCxn id="30" idx="1"/>
+            <a:endCxn id="29" idx="3"/>
+          </p:cNvCxnSpPr>
+          <p:nvPr/>
+        </p:nvCxnSpPr>
+        <p:spPr>
+          <a:xfrm flipH="1">
+            <a:off x="7880187" y="5962189"/>
+            <a:ext cx="1330707" cy="3715"/>
+          </a:xfrm>
+          <a:prstGeom prst="line">
+            <a:avLst/>
+          </a:prstGeom>
+          <a:ln w="19050">
+            <a:prstDash val="sysDash"/>
+          </a:ln>
+        </p:spPr>
+        <p:style>
+          <a:lnRef idx="1">
+            <a:schemeClr val="accent1"/>
+          </a:lnRef>
+          <a:fillRef idx="0">
+            <a:schemeClr val="accent1"/>
+          </a:fillRef>
+          <a:effectRef idx="0">
+            <a:schemeClr val="accent1"/>
+          </a:effectRef>
+          <a:fontRef idx="minor">
+            <a:schemeClr val="tx1"/>
+          </a:fontRef>
+        </p:style>
+      </p:cxnSp>
+      <p:cxnSp>
+        <p:nvCxnSpPr>
+          <p:cNvPr id="35" name="Straight Arrow Connector 34">
+            <a:extLst>
+              <a:ext uri="{FF2B5EF4-FFF2-40B4-BE49-F238E27FC236}">
+                <a16:creationId xmlns:a16="http://schemas.microsoft.com/office/drawing/2014/main" id="{46AD1924-538A-4BE0-B756-0EE26DF1B61C}"/>
+              </a:ext>
+            </a:extLst>
+          </p:cNvPr>
+          <p:cNvCxnSpPr>
+            <a:cxnSpLocks/>
+          </p:cNvCxnSpPr>
+          <p:nvPr/>
+        </p:nvCxnSpPr>
+        <p:spPr>
+          <a:xfrm flipH="1">
+            <a:off x="6731611" y="3018266"/>
+            <a:ext cx="1773046" cy="2483007"/>
+          </a:xfrm>
+          <a:prstGeom prst="straightConnector1">
+            <a:avLst/>
+          </a:prstGeom>
+          <a:ln>
+            <a:tailEnd type="triangle"/>
+          </a:ln>
+        </p:spPr>
+        <p:style>
+          <a:lnRef idx="1">
+            <a:schemeClr val="accent1"/>
+          </a:lnRef>
+          <a:fillRef idx="0">
+            <a:schemeClr val="accent1"/>
+          </a:fillRef>
+          <a:effectRef idx="0">
+            <a:schemeClr val="accent1"/>
+          </a:effectRef>
+          <a:fontRef idx="minor">
+            <a:schemeClr val="tx1"/>
+          </a:fontRef>
+        </p:style>
+      </p:cxnSp>
+      <p:cxnSp>
+        <p:nvCxnSpPr>
+          <p:cNvPr id="36" name="Straight Arrow Connector 35">
+            <a:extLst>
+              <a:ext uri="{FF2B5EF4-FFF2-40B4-BE49-F238E27FC236}">
+                <a16:creationId xmlns:a16="http://schemas.microsoft.com/office/drawing/2014/main" id="{195086DD-F2DE-49C3-8146-DB66F0DAF51C}"/>
+              </a:ext>
+            </a:extLst>
+          </p:cNvPr>
+          <p:cNvCxnSpPr>
+            <a:stCxn id="27" idx="2"/>
+          </p:cNvCxnSpPr>
+          <p:nvPr/>
+        </p:nvCxnSpPr>
+        <p:spPr>
+          <a:xfrm>
+            <a:off x="8515808" y="3018266"/>
+            <a:ext cx="1750739" cy="2483007"/>
+          </a:xfrm>
+          <a:prstGeom prst="straightConnector1">
+            <a:avLst/>
+          </a:prstGeom>
+          <a:ln>
+            <a:tailEnd type="triangle"/>
+          </a:ln>
+        </p:spPr>
+        <p:style>
+          <a:lnRef idx="1">
+            <a:schemeClr val="accent1"/>
+          </a:lnRef>
+          <a:fillRef idx="0">
+            <a:schemeClr val="accent1"/>
+          </a:fillRef>
+          <a:effectRef idx="0">
+            <a:schemeClr val="accent1"/>
+          </a:effectRef>
+          <a:fontRef idx="minor">
+            <a:schemeClr val="tx1"/>
+          </a:fontRef>
+        </p:style>
+      </p:cxnSp>
     </p:spTree>
     <p:extLst>
       <p:ext uri="{BB962C8B-B14F-4D97-AF65-F5344CB8AC3E}">
-        <p14:creationId xmlns:p14="http://schemas.microsoft.com/office/powerpoint/2010/main" val="4277378060"/>
+        <p14:creationId xmlns:p14="http://schemas.microsoft.com/office/powerpoint/2010/main" val="1093254171"/>
       </p:ext>
     </p:extLst>
   </p:cSld>
@@ -9034,22 +9617,18 @@
           <a:lstStyle/>
           <a:p>
             <a:r>
-              <a:rPr lang="en-US" sz="3600" dirty="0" err="1"/>
-              <a:t>Hystrix</a:t>
-            </a:r>
-            <a:r>
               <a:rPr lang="en-US" sz="3600" dirty="0"/>
-              <a:t> (Circuit Breaker)</a:t>
+              <a:t>Feign (Declarative REST client)</a:t>
             </a:r>
           </a:p>
         </p:txBody>
       </p:sp>
       <p:sp>
         <p:nvSpPr>
-          <p:cNvPr id="3" name="Rectangle 2">
-            <a:extLst>
-              <a:ext uri="{FF2B5EF4-FFF2-40B4-BE49-F238E27FC236}">
-                <a16:creationId xmlns:a16="http://schemas.microsoft.com/office/drawing/2014/main" id="{C9803123-27B5-4C86-99FB-3D994D72B4F5}"/>
+          <p:cNvPr id="5" name="Rectangle 4">
+            <a:extLst>
+              <a:ext uri="{FF2B5EF4-FFF2-40B4-BE49-F238E27FC236}">
+                <a16:creationId xmlns:a16="http://schemas.microsoft.com/office/drawing/2014/main" id="{1D5245DD-5E4F-40C1-BE57-40661EC73173}"/>
               </a:ext>
             </a:extLst>
           </p:cNvPr>
@@ -9058,8 +9637,8 @@
         </p:nvSpPr>
         <p:spPr>
           <a:xfrm>
-            <a:off x="1523999" y="1674674"/>
-            <a:ext cx="8456342" cy="2031325"/>
+            <a:off x="1977481" y="1084560"/>
+            <a:ext cx="8203581" cy="1200329"/>
           </a:xfrm>
           <a:prstGeom prst="rect">
             <a:avLst/>
@@ -9107,7 +9686,7 @@
                 </a:solidFill>
                 <a:latin typeface="Consolas" panose="020B0609020204030204" pitchFamily="49" charset="0"/>
               </a:rPr>
-              <a:t>      &lt;</a:t>
+              <a:t>	&lt;</a:t>
             </a:r>
             <a:r>
               <a:rPr lang="en-US" dirty="0" err="1">
@@ -9172,7 +9751,7 @@
                 </a:solidFill>
                 <a:latin typeface="Consolas" panose="020B0609020204030204" pitchFamily="49" charset="0"/>
               </a:rPr>
-              <a:t>      &lt;</a:t>
+              <a:t>	&lt;</a:t>
             </a:r>
             <a:r>
               <a:rPr lang="en-US" dirty="0" err="1">
@@ -9199,19 +9778,10 @@
                 </a:solidFill>
                 <a:latin typeface="Consolas" panose="020B0609020204030204" pitchFamily="49" charset="0"/>
               </a:rPr>
-              <a:t>spring-cloud-starter-</a:t>
-            </a:r>
-            <a:r>
-              <a:rPr lang="en-US" u="sng" dirty="0" err="1">
-                <a:solidFill>
-                  <a:srgbClr val="000000"/>
-                </a:solidFill>
-                <a:latin typeface="Consolas" panose="020B0609020204030204" pitchFamily="49" charset="0"/>
-              </a:rPr>
-              <a:t>hystrix</a:t>
-            </a:r>
-            <a:r>
-              <a:rPr lang="en-US" u="sng" dirty="0">
+              <a:t>spring-cloud-starter-feign</a:t>
+            </a:r>
+            <a:r>
+              <a:rPr lang="en-US" dirty="0">
                 <a:solidFill>
                   <a:srgbClr val="008080"/>
                 </a:solidFill>
@@ -9220,7 +9790,7 @@
               <a:t>&lt;/</a:t>
             </a:r>
             <a:r>
-              <a:rPr lang="en-US" u="sng" dirty="0" err="1">
+              <a:rPr lang="en-US" dirty="0" err="1">
                 <a:solidFill>
                   <a:srgbClr val="3F7F7F"/>
                 </a:solidFill>
@@ -9229,7 +9799,7 @@
               <a:t>artifactId</a:t>
             </a:r>
             <a:r>
-              <a:rPr lang="en-US" u="sng" dirty="0">
+              <a:rPr lang="en-US" dirty="0">
                 <a:solidFill>
                   <a:srgbClr val="008080"/>
                 </a:solidFill>
@@ -9266,41 +9836,16 @@
               </a:rPr>
               <a:t>&gt;</a:t>
             </a:r>
-          </a:p>
-          <a:p>
-            <a:endParaRPr lang="en-US" dirty="0">
-              <a:solidFill>
-                <a:srgbClr val="008080"/>
-              </a:solidFill>
-              <a:latin typeface="Consolas" panose="020B0609020204030204" pitchFamily="49" charset="0"/>
-            </a:endParaRPr>
-          </a:p>
-          <a:p>
-            <a:endParaRPr lang="en-US" dirty="0">
-              <a:solidFill>
-                <a:srgbClr val="008080"/>
-              </a:solidFill>
-              <a:latin typeface="Consolas" panose="020B0609020204030204" pitchFamily="49" charset="0"/>
-            </a:endParaRPr>
-          </a:p>
-          <a:p>
-            <a:r>
-              <a:rPr lang="en-US" dirty="0" err="1"/>
-              <a:t>feign.hystrix.enabled</a:t>
-            </a:r>
-            <a:r>
-              <a:rPr lang="en-US" dirty="0"/>
-              <a:t>=true</a:t>
-            </a:r>
+            <a:endParaRPr lang="en-US" dirty="0"/>
           </a:p>
         </p:txBody>
       </p:sp>
       <p:sp>
         <p:nvSpPr>
-          <p:cNvPr id="4" name="Rectangle 3">
-            <a:extLst>
-              <a:ext uri="{FF2B5EF4-FFF2-40B4-BE49-F238E27FC236}">
-                <a16:creationId xmlns:a16="http://schemas.microsoft.com/office/drawing/2014/main" id="{5B041080-8DCF-4612-A0BF-53732BE3E6BC}"/>
+          <p:cNvPr id="10" name="Rectangle 9">
+            <a:extLst>
+              <a:ext uri="{FF2B5EF4-FFF2-40B4-BE49-F238E27FC236}">
+                <a16:creationId xmlns:a16="http://schemas.microsoft.com/office/drawing/2014/main" id="{55F98E56-3EE0-41D0-AA12-79B582AF3B47}"/>
               </a:ext>
             </a:extLst>
           </p:cNvPr>
@@ -9309,15 +9854,15 @@
         </p:nvSpPr>
         <p:spPr>
           <a:xfrm>
-            <a:off x="1379032" y="4536995"/>
-            <a:ext cx="9961757" cy="646331"/>
+            <a:off x="1977481" y="4109444"/>
+            <a:ext cx="6096000" cy="646331"/>
           </a:xfrm>
           <a:prstGeom prst="rect">
             <a:avLst/>
           </a:prstGeom>
         </p:spPr>
         <p:txBody>
-          <a:bodyPr wrap="square">
+          <a:bodyPr>
             <a:spAutoFit/>
           </a:bodyPr>
           <a:lstStyle/>
@@ -9347,7 +9892,7 @@
                 </a:solidFill>
                 <a:latin typeface="Consolas" panose="020B0609020204030204" pitchFamily="49" charset="0"/>
               </a:rPr>
-              <a:t>(name=</a:t>
+              <a:t>(</a:t>
             </a:r>
             <a:r>
               <a:rPr lang="en-US" dirty="0">
@@ -9365,37 +9910,19 @@
                 </a:solidFill>
                 <a:latin typeface="Consolas" panose="020B0609020204030204" pitchFamily="49" charset="0"/>
               </a:rPr>
-              <a:t>, fallback = </a:t>
-            </a:r>
-            <a:r>
-              <a:rPr lang="en-US" dirty="0" err="1">
-                <a:solidFill>
-                  <a:srgbClr val="000000"/>
-                </a:solidFill>
-                <a:latin typeface="Consolas" panose="020B0609020204030204" pitchFamily="49" charset="0"/>
-              </a:rPr>
-              <a:t>AdminClientFallback.</a:t>
-            </a:r>
-            <a:r>
-              <a:rPr lang="en-US" b="1" dirty="0" err="1">
-                <a:solidFill>
-                  <a:srgbClr val="7F0055"/>
-                </a:solidFill>
-                <a:latin typeface="Consolas" panose="020B0609020204030204" pitchFamily="49" charset="0"/>
-              </a:rPr>
-              <a:t>class</a:t>
-            </a:r>
-            <a:r>
-              <a:rPr lang="en-US" b="1" dirty="0">
-                <a:solidFill>
-                  <a:srgbClr val="000000"/>
-                </a:solidFill>
-                <a:latin typeface="Consolas" panose="020B0609020204030204" pitchFamily="49" charset="0"/>
-              </a:rPr>
               <a:t>)</a:t>
             </a:r>
           </a:p>
           <a:p>
+            <a:r>
+              <a:rPr lang="en-US" dirty="0">
+                <a:solidFill>
+                  <a:srgbClr val="000000"/>
+                </a:solidFill>
+                <a:latin typeface="Consolas" panose="020B0609020204030204" pitchFamily="49" charset="0"/>
+              </a:rPr>
+              <a:t>    </a:t>
+            </a:r>
             <a:r>
               <a:rPr lang="en-US" b="1" dirty="0">
                 <a:solidFill>
@@ -9438,10 +9965,10 @@
       </p:sp>
       <p:sp>
         <p:nvSpPr>
-          <p:cNvPr id="15" name="Rectangle 14">
-            <a:extLst>
-              <a:ext uri="{FF2B5EF4-FFF2-40B4-BE49-F238E27FC236}">
-                <a16:creationId xmlns:a16="http://schemas.microsoft.com/office/drawing/2014/main" id="{7CB8AE79-CD6A-4D3A-940C-67BD27703664}"/>
+          <p:cNvPr id="11" name="Rectangle 10">
+            <a:extLst>
+              <a:ext uri="{FF2B5EF4-FFF2-40B4-BE49-F238E27FC236}">
+                <a16:creationId xmlns:a16="http://schemas.microsoft.com/office/drawing/2014/main" id="{C5D0E978-6816-4ADC-93D7-820D23830849}"/>
               </a:ext>
             </a:extLst>
           </p:cNvPr>
@@ -9450,7 +9977,130 @@
         </p:nvSpPr>
         <p:spPr>
           <a:xfrm>
-            <a:off x="1379032" y="6101731"/>
+            <a:off x="1977481" y="5365288"/>
+            <a:ext cx="6096000" cy="646331"/>
+          </a:xfrm>
+          <a:prstGeom prst="rect">
+            <a:avLst/>
+          </a:prstGeom>
+        </p:spPr>
+        <p:txBody>
+          <a:bodyPr>
+            <a:spAutoFit/>
+          </a:bodyPr>
+          <a:lstStyle/>
+          <a:p>
+            <a:r>
+              <a:rPr lang="en-US" dirty="0">
+                <a:solidFill>
+                  <a:srgbClr val="646464"/>
+                </a:solidFill>
+                <a:latin typeface="Consolas" panose="020B0609020204030204" pitchFamily="49" charset="0"/>
+              </a:rPr>
+              <a:t>@</a:t>
+            </a:r>
+            <a:r>
+              <a:rPr lang="en-US" dirty="0" err="1">
+                <a:solidFill>
+                  <a:srgbClr val="646464"/>
+                </a:solidFill>
+                <a:latin typeface="Consolas" panose="020B0609020204030204" pitchFamily="49" charset="0"/>
+              </a:rPr>
+              <a:t>FeignClient</a:t>
+            </a:r>
+            <a:r>
+              <a:rPr lang="en-US" dirty="0">
+                <a:solidFill>
+                  <a:srgbClr val="000000"/>
+                </a:solidFill>
+                <a:latin typeface="Consolas" panose="020B0609020204030204" pitchFamily="49" charset="0"/>
+              </a:rPr>
+              <a:t>(</a:t>
+            </a:r>
+            <a:r>
+              <a:rPr lang="en-US" dirty="0">
+                <a:solidFill>
+                  <a:srgbClr val="2A00FF"/>
+                </a:solidFill>
+                <a:latin typeface="Consolas" panose="020B0609020204030204" pitchFamily="49" charset="0"/>
+              </a:rPr>
+              <a:t>"TRNG-SALARY-SERVICE"</a:t>
+            </a:r>
+            <a:r>
+              <a:rPr lang="en-US" dirty="0">
+                <a:solidFill>
+                  <a:srgbClr val="000000"/>
+                </a:solidFill>
+                <a:latin typeface="Consolas" panose="020B0609020204030204" pitchFamily="49" charset="0"/>
+              </a:rPr>
+              <a:t>)</a:t>
+            </a:r>
+          </a:p>
+          <a:p>
+            <a:r>
+              <a:rPr lang="en-US" dirty="0">
+                <a:solidFill>
+                  <a:srgbClr val="000000"/>
+                </a:solidFill>
+                <a:latin typeface="Consolas" panose="020B0609020204030204" pitchFamily="49" charset="0"/>
+              </a:rPr>
+              <a:t>    </a:t>
+            </a:r>
+            <a:r>
+              <a:rPr lang="en-US" b="1" dirty="0">
+                <a:solidFill>
+                  <a:srgbClr val="7F0055"/>
+                </a:solidFill>
+                <a:latin typeface="Consolas" panose="020B0609020204030204" pitchFamily="49" charset="0"/>
+              </a:rPr>
+              <a:t>interface</a:t>
+            </a:r>
+            <a:r>
+              <a:rPr lang="en-US" b="1" dirty="0">
+                <a:solidFill>
+                  <a:srgbClr val="000000"/>
+                </a:solidFill>
+                <a:latin typeface="Consolas" panose="020B0609020204030204" pitchFamily="49" charset="0"/>
+              </a:rPr>
+              <a:t> </a:t>
+            </a:r>
+            <a:r>
+              <a:rPr lang="en-US" b="1" dirty="0" err="1">
+                <a:solidFill>
+                  <a:srgbClr val="000000"/>
+                </a:solidFill>
+                <a:latin typeface="Consolas" panose="020B0609020204030204" pitchFamily="49" charset="0"/>
+              </a:rPr>
+              <a:t>SalaryClient</a:t>
+            </a:r>
+            <a:r>
+              <a:rPr lang="en-US" b="1" dirty="0">
+                <a:solidFill>
+                  <a:srgbClr val="000000"/>
+                </a:solidFill>
+                <a:latin typeface="Consolas" panose="020B0609020204030204" pitchFamily="49" charset="0"/>
+              </a:rPr>
+              <a:t> {</a:t>
+            </a:r>
+            <a:endParaRPr lang="en-US" dirty="0"/>
+          </a:p>
+        </p:txBody>
+      </p:sp>
+      <p:sp>
+        <p:nvSpPr>
+          <p:cNvPr id="12" name="Rectangle 11">
+            <a:extLst>
+              <a:ext uri="{FF2B5EF4-FFF2-40B4-BE49-F238E27FC236}">
+                <a16:creationId xmlns:a16="http://schemas.microsoft.com/office/drawing/2014/main" id="{AEBDAD87-AFAD-4764-8912-DE11AF4561EC}"/>
+              </a:ext>
+            </a:extLst>
+          </p:cNvPr>
+          <p:cNvSpPr/>
+          <p:nvPr/>
+        </p:nvSpPr>
+        <p:spPr>
+          <a:xfrm>
+            <a:off x="1888272" y="6280150"/>
             <a:ext cx="7311483" cy="369332"/>
           </a:xfrm>
           <a:prstGeom prst="rect">
@@ -9465,15 +10115,178 @@
           <a:p>
             <a:r>
               <a:rPr lang="en-US" dirty="0"/>
-              <a:t>http://localhost:8815/feign/detail?name=Goutham</a:t>
-            </a:r>
+              <a:t>http://localhost:8814/feign/detail?name=Goutham</a:t>
+            </a:r>
+          </a:p>
+        </p:txBody>
+      </p:sp>
+      <p:sp>
+        <p:nvSpPr>
+          <p:cNvPr id="13" name="Rectangle 12">
+            <a:extLst>
+              <a:ext uri="{FF2B5EF4-FFF2-40B4-BE49-F238E27FC236}">
+                <a16:creationId xmlns:a16="http://schemas.microsoft.com/office/drawing/2014/main" id="{F8E1D48E-BD3A-4E0D-8C5E-543B8FFD7054}"/>
+              </a:ext>
+            </a:extLst>
+          </p:cNvPr>
+          <p:cNvSpPr/>
+          <p:nvPr/>
+        </p:nvSpPr>
+        <p:spPr>
+          <a:xfrm>
+            <a:off x="1977481" y="2566321"/>
+            <a:ext cx="6096000" cy="1200329"/>
+          </a:xfrm>
+          <a:prstGeom prst="rect">
+            <a:avLst/>
+          </a:prstGeom>
+        </p:spPr>
+        <p:txBody>
+          <a:bodyPr>
+            <a:spAutoFit/>
+          </a:bodyPr>
+          <a:lstStyle/>
+          <a:p>
+            <a:r>
+              <a:rPr lang="en-US" dirty="0">
+                <a:solidFill>
+                  <a:srgbClr val="646464"/>
+                </a:solidFill>
+                <a:latin typeface="Consolas" panose="020B0609020204030204" pitchFamily="49" charset="0"/>
+              </a:rPr>
+              <a:t>@</a:t>
+            </a:r>
+            <a:r>
+              <a:rPr lang="en-US" dirty="0" err="1">
+                <a:solidFill>
+                  <a:srgbClr val="646464"/>
+                </a:solidFill>
+                <a:latin typeface="Consolas" panose="020B0609020204030204" pitchFamily="49" charset="0"/>
+              </a:rPr>
+              <a:t>SpringBootApplication</a:t>
+            </a:r>
+            <a:endParaRPr lang="en-US" dirty="0">
+              <a:solidFill>
+                <a:srgbClr val="646464"/>
+              </a:solidFill>
+              <a:latin typeface="Consolas" panose="020B0609020204030204" pitchFamily="49" charset="0"/>
+            </a:endParaRPr>
+          </a:p>
+          <a:p>
+            <a:r>
+              <a:rPr lang="en-US" dirty="0">
+                <a:solidFill>
+                  <a:srgbClr val="646464"/>
+                </a:solidFill>
+                <a:latin typeface="Consolas" panose="020B0609020204030204" pitchFamily="49" charset="0"/>
+              </a:rPr>
+              <a:t>@</a:t>
+            </a:r>
+            <a:r>
+              <a:rPr lang="en-US" dirty="0" err="1">
+                <a:solidFill>
+                  <a:srgbClr val="646464"/>
+                </a:solidFill>
+                <a:latin typeface="Consolas" panose="020B0609020204030204" pitchFamily="49" charset="0"/>
+              </a:rPr>
+              <a:t>EnableDiscoveryClient</a:t>
+            </a:r>
+            <a:endParaRPr lang="en-US" dirty="0">
+              <a:solidFill>
+                <a:srgbClr val="646464"/>
+              </a:solidFill>
+              <a:latin typeface="Consolas" panose="020B0609020204030204" pitchFamily="49" charset="0"/>
+            </a:endParaRPr>
+          </a:p>
+          <a:p>
+            <a:r>
+              <a:rPr lang="en-US" dirty="0">
+                <a:solidFill>
+                  <a:srgbClr val="646464"/>
+                </a:solidFill>
+                <a:latin typeface="Consolas" panose="020B0609020204030204" pitchFamily="49" charset="0"/>
+              </a:rPr>
+              <a:t>@</a:t>
+            </a:r>
+            <a:r>
+              <a:rPr lang="en-US" dirty="0" err="1">
+                <a:solidFill>
+                  <a:srgbClr val="646464"/>
+                </a:solidFill>
+                <a:latin typeface="Consolas" panose="020B0609020204030204" pitchFamily="49" charset="0"/>
+              </a:rPr>
+              <a:t>EnableFeignClients</a:t>
+            </a:r>
+            <a:endParaRPr lang="en-US" dirty="0">
+              <a:solidFill>
+                <a:srgbClr val="646464"/>
+              </a:solidFill>
+              <a:latin typeface="Consolas" panose="020B0609020204030204" pitchFamily="49" charset="0"/>
+            </a:endParaRPr>
+          </a:p>
+          <a:p>
+            <a:r>
+              <a:rPr lang="en-US" b="1" dirty="0">
+                <a:solidFill>
+                  <a:srgbClr val="7F0055"/>
+                </a:solidFill>
+                <a:latin typeface="Consolas" panose="020B0609020204030204" pitchFamily="49" charset="0"/>
+              </a:rPr>
+              <a:t>public</a:t>
+            </a:r>
+            <a:r>
+              <a:rPr lang="en-US" b="1" dirty="0">
+                <a:solidFill>
+                  <a:srgbClr val="000000"/>
+                </a:solidFill>
+                <a:latin typeface="Consolas" panose="020B0609020204030204" pitchFamily="49" charset="0"/>
+              </a:rPr>
+              <a:t> </a:t>
+            </a:r>
+            <a:r>
+              <a:rPr lang="en-US" b="1" dirty="0">
+                <a:solidFill>
+                  <a:srgbClr val="7F0055"/>
+                </a:solidFill>
+                <a:latin typeface="Consolas" panose="020B0609020204030204" pitchFamily="49" charset="0"/>
+              </a:rPr>
+              <a:t>class</a:t>
+            </a:r>
+            <a:r>
+              <a:rPr lang="en-US" b="1" dirty="0">
+                <a:solidFill>
+                  <a:srgbClr val="000000"/>
+                </a:solidFill>
+                <a:latin typeface="Consolas" panose="020B0609020204030204" pitchFamily="49" charset="0"/>
+              </a:rPr>
+              <a:t> </a:t>
+            </a:r>
+            <a:r>
+              <a:rPr lang="en-US" b="1" dirty="0" err="1">
+                <a:solidFill>
+                  <a:srgbClr val="000000"/>
+                </a:solidFill>
+                <a:latin typeface="Consolas" panose="020B0609020204030204" pitchFamily="49" charset="0"/>
+              </a:rPr>
+              <a:t>TrngFeignClientApplication</a:t>
+            </a:r>
+            <a:r>
+              <a:rPr lang="en-US" b="1" dirty="0">
+                <a:solidFill>
+                  <a:srgbClr val="000000"/>
+                </a:solidFill>
+                <a:latin typeface="Consolas" panose="020B0609020204030204" pitchFamily="49" charset="0"/>
+              </a:rPr>
+              <a:t> {</a:t>
+            </a:r>
+            <a:endParaRPr lang="en-US" dirty="0"/>
           </a:p>
         </p:txBody>
       </p:sp>
     </p:spTree>
     <p:extLst>
       <p:ext uri="{BB962C8B-B14F-4D97-AF65-F5344CB8AC3E}">
-        <p14:creationId xmlns:p14="http://schemas.microsoft.com/office/powerpoint/2010/main" val="812669696"/>
+        <p14:creationId xmlns:p14="http://schemas.microsoft.com/office/powerpoint/2010/main" val="4277378060"/>
       </p:ext>
     </p:extLst>
   </p:cSld>
@@ -9530,588 +10343,131 @@
           <a:p>
             <a:r>
               <a:rPr lang="en-US" sz="3600" dirty="0"/>
-              <a:t>Config Server</a:t>
+              <a:t>Circuit Breaker Pattern</a:t>
             </a:r>
           </a:p>
         </p:txBody>
       </p:sp>
       <p:sp>
         <p:nvSpPr>
-          <p:cNvPr id="5" name="Rectangle 4">
-            <a:extLst>
-              <a:ext uri="{FF2B5EF4-FFF2-40B4-BE49-F238E27FC236}">
-                <a16:creationId xmlns:a16="http://schemas.microsoft.com/office/drawing/2014/main" id="{3DAEE585-6FD2-4CFA-8894-73469C8C8495}"/>
-              </a:ext>
-            </a:extLst>
-          </p:cNvPr>
-          <p:cNvSpPr/>
-          <p:nvPr/>
+          <p:cNvPr id="6" name="Subtitle 2">
+            <a:extLst>
+              <a:ext uri="{FF2B5EF4-FFF2-40B4-BE49-F238E27FC236}">
+                <a16:creationId xmlns:a16="http://schemas.microsoft.com/office/drawing/2014/main" id="{4BADC189-5723-44B0-8548-7A321E5B9841}"/>
+              </a:ext>
+            </a:extLst>
+          </p:cNvPr>
+          <p:cNvSpPr>
+            <a:spLocks noGrp="1"/>
+          </p:cNvSpPr>
+          <p:nvPr>
+            <p:ph type="subTitle" idx="1"/>
+          </p:nvPr>
         </p:nvSpPr>
         <p:spPr>
           <a:xfrm>
-            <a:off x="1523998" y="1208004"/>
-            <a:ext cx="8166411" cy="1200329"/>
+            <a:off x="609599" y="1260281"/>
+            <a:ext cx="9144000" cy="2168719"/>
+          </a:xfrm>
+        </p:spPr>
+        <p:txBody>
+          <a:bodyPr>
+            <a:normAutofit/>
+          </a:bodyPr>
+          <a:lstStyle/>
+          <a:p>
+            <a:pPr marL="342900" indent="-342900" algn="l">
+              <a:buFont typeface="Arial" panose="020B0604020202020204" pitchFamily="34" charset="0"/>
+              <a:buChar char="•"/>
+            </a:pPr>
+            <a:r>
+              <a:rPr lang="en-US" sz="2000" dirty="0"/>
+              <a:t>Circuit Breaker is a design pattern used in software development</a:t>
+            </a:r>
+          </a:p>
+          <a:p>
+            <a:pPr marL="342900" indent="-342900" algn="l">
+              <a:buFont typeface="Arial" panose="020B0604020202020204" pitchFamily="34" charset="0"/>
+              <a:buChar char="•"/>
+            </a:pPr>
+            <a:r>
+              <a:rPr lang="en-US" sz="2000" dirty="0"/>
+              <a:t>It is used to detect defects</a:t>
+            </a:r>
+          </a:p>
+          <a:p>
+            <a:pPr marL="342900" indent="-342900" algn="l">
+              <a:buFont typeface="Arial" panose="020B0604020202020204" pitchFamily="34" charset="0"/>
+              <a:buChar char="•"/>
+            </a:pPr>
+            <a:r>
+              <a:rPr lang="en-US" sz="2000" dirty="0"/>
+              <a:t>It is used to prevent a failure from occurring repeatedly</a:t>
+            </a:r>
+          </a:p>
+          <a:p>
+            <a:pPr marL="342900" indent="-342900" algn="l">
+              <a:buFont typeface="Arial" panose="020B0604020202020204" pitchFamily="34" charset="0"/>
+              <a:buChar char="•"/>
+            </a:pPr>
+            <a:r>
+              <a:rPr lang="en-US" sz="2000" dirty="0"/>
+              <a:t>It is used to avoid cascading effect of a failure</a:t>
+            </a:r>
+          </a:p>
+        </p:txBody>
+      </p:sp>
+      <p:pic>
+        <p:nvPicPr>
+          <p:cNvPr id="1026" name="Picture 2" descr="Image result for circuit breaker">
+            <a:extLst>
+              <a:ext uri="{FF2B5EF4-FFF2-40B4-BE49-F238E27FC236}">
+                <a16:creationId xmlns:a16="http://schemas.microsoft.com/office/drawing/2014/main" id="{F5EE72BB-1BC9-408A-8C43-6760F207FD96}"/>
+              </a:ext>
+            </a:extLst>
+          </p:cNvPr>
+          <p:cNvPicPr>
+            <a:picLocks noChangeAspect="1" noChangeArrowheads="1"/>
+          </p:cNvPicPr>
+          <p:nvPr/>
+        </p:nvPicPr>
+        <p:blipFill>
+          <a:blip r:embed="rId2">
+            <a:extLst>
+              <a:ext uri="{28A0092B-C50C-407E-A947-70E740481C1C}">
+                <a14:useLocalDpi xmlns:a14="http://schemas.microsoft.com/office/drawing/2010/main" val="0"/>
+              </a:ext>
+            </a:extLst>
+          </a:blip>
+          <a:srcRect/>
+          <a:stretch>
+            <a:fillRect/>
+          </a:stretch>
+        </p:blipFill>
+        <p:spPr bwMode="auto">
+          <a:xfrm>
+            <a:off x="7065863" y="1597342"/>
+            <a:ext cx="4516538" cy="4516538"/>
           </a:xfrm>
           <a:prstGeom prst="rect">
             <a:avLst/>
           </a:prstGeom>
+          <a:noFill/>
+          <a:extLst>
+            <a:ext uri="{909E8E84-426E-40DD-AFC4-6F175D3DCCD1}">
+              <a14:hiddenFill xmlns:a14="http://schemas.microsoft.com/office/drawing/2010/main">
+                <a:solidFill>
+                  <a:srgbClr val="FFFFFF"/>
+                </a:solidFill>
+              </a14:hiddenFill>
+            </a:ext>
+          </a:extLst>
         </p:spPr>
-        <p:txBody>
-          <a:bodyPr wrap="square">
-            <a:spAutoFit/>
-          </a:bodyPr>
-          <a:lstStyle/>
-          <a:p>
-            <a:r>
-              <a:rPr lang="en-US" dirty="0">
-                <a:solidFill>
-                  <a:srgbClr val="008080"/>
-                </a:solidFill>
-                <a:latin typeface="Consolas" panose="020B0609020204030204" pitchFamily="49" charset="0"/>
-              </a:rPr>
-              <a:t>&lt;</a:t>
-            </a:r>
-            <a:r>
-              <a:rPr lang="en-US" dirty="0">
-                <a:solidFill>
-                  <a:srgbClr val="3F7F7F"/>
-                </a:solidFill>
-                <a:latin typeface="Consolas" panose="020B0609020204030204" pitchFamily="49" charset="0"/>
-              </a:rPr>
-              <a:t>dependency</a:t>
-            </a:r>
-            <a:r>
-              <a:rPr lang="en-US" dirty="0">
-                <a:solidFill>
-                  <a:srgbClr val="008080"/>
-                </a:solidFill>
-                <a:latin typeface="Consolas" panose="020B0609020204030204" pitchFamily="49" charset="0"/>
-              </a:rPr>
-              <a:t>&gt;</a:t>
-            </a:r>
-          </a:p>
-          <a:p>
-            <a:r>
-              <a:rPr lang="en-US" dirty="0">
-                <a:solidFill>
-                  <a:srgbClr val="008080"/>
-                </a:solidFill>
-                <a:latin typeface="Consolas" panose="020B0609020204030204" pitchFamily="49" charset="0"/>
-              </a:rPr>
-              <a:t>&lt;</a:t>
-            </a:r>
-            <a:r>
-              <a:rPr lang="en-US" dirty="0" err="1">
-                <a:solidFill>
-                  <a:srgbClr val="3F7F7F"/>
-                </a:solidFill>
-                <a:latin typeface="Consolas" panose="020B0609020204030204" pitchFamily="49" charset="0"/>
-              </a:rPr>
-              <a:t>groupId</a:t>
-            </a:r>
-            <a:r>
-              <a:rPr lang="en-US" dirty="0">
-                <a:solidFill>
-                  <a:srgbClr val="008080"/>
-                </a:solidFill>
-                <a:latin typeface="Consolas" panose="020B0609020204030204" pitchFamily="49" charset="0"/>
-              </a:rPr>
-              <a:t>&gt;</a:t>
-            </a:r>
-            <a:r>
-              <a:rPr lang="en-US" dirty="0" err="1">
-                <a:solidFill>
-                  <a:srgbClr val="000000"/>
-                </a:solidFill>
-                <a:latin typeface="Consolas" panose="020B0609020204030204" pitchFamily="49" charset="0"/>
-              </a:rPr>
-              <a:t>org.springframework.cloud</a:t>
-            </a:r>
-            <a:r>
-              <a:rPr lang="en-US" dirty="0">
-                <a:solidFill>
-                  <a:srgbClr val="008080"/>
-                </a:solidFill>
-                <a:latin typeface="Consolas" panose="020B0609020204030204" pitchFamily="49" charset="0"/>
-              </a:rPr>
-              <a:t>&lt;/</a:t>
-            </a:r>
-            <a:r>
-              <a:rPr lang="en-US" dirty="0" err="1">
-                <a:solidFill>
-                  <a:srgbClr val="3F7F7F"/>
-                </a:solidFill>
-                <a:latin typeface="Consolas" panose="020B0609020204030204" pitchFamily="49" charset="0"/>
-              </a:rPr>
-              <a:t>groupId</a:t>
-            </a:r>
-            <a:r>
-              <a:rPr lang="en-US" dirty="0">
-                <a:solidFill>
-                  <a:srgbClr val="008080"/>
-                </a:solidFill>
-                <a:latin typeface="Consolas" panose="020B0609020204030204" pitchFamily="49" charset="0"/>
-              </a:rPr>
-              <a:t>&gt;</a:t>
-            </a:r>
-          </a:p>
-          <a:p>
-            <a:r>
-              <a:rPr lang="en-US" dirty="0">
-                <a:solidFill>
-                  <a:srgbClr val="008080"/>
-                </a:solidFill>
-                <a:latin typeface="Consolas" panose="020B0609020204030204" pitchFamily="49" charset="0"/>
-              </a:rPr>
-              <a:t>&lt;</a:t>
-            </a:r>
-            <a:r>
-              <a:rPr lang="en-US" dirty="0" err="1">
-                <a:solidFill>
-                  <a:srgbClr val="3F7F7F"/>
-                </a:solidFill>
-                <a:latin typeface="Consolas" panose="020B0609020204030204" pitchFamily="49" charset="0"/>
-              </a:rPr>
-              <a:t>artifactId</a:t>
-            </a:r>
-            <a:r>
-              <a:rPr lang="en-US" dirty="0">
-                <a:solidFill>
-                  <a:srgbClr val="008080"/>
-                </a:solidFill>
-                <a:latin typeface="Consolas" panose="020B0609020204030204" pitchFamily="49" charset="0"/>
-              </a:rPr>
-              <a:t>&gt;</a:t>
-            </a:r>
-            <a:r>
-              <a:rPr lang="en-US" dirty="0">
-                <a:solidFill>
-                  <a:srgbClr val="000000"/>
-                </a:solidFill>
-                <a:latin typeface="Consolas" panose="020B0609020204030204" pitchFamily="49" charset="0"/>
-              </a:rPr>
-              <a:t>spring-cloud-</a:t>
-            </a:r>
-            <a:r>
-              <a:rPr lang="en-US" u="sng" dirty="0">
-                <a:solidFill>
-                  <a:srgbClr val="000000"/>
-                </a:solidFill>
-                <a:latin typeface="Consolas" panose="020B0609020204030204" pitchFamily="49" charset="0"/>
-              </a:rPr>
-              <a:t>config-server</a:t>
-            </a:r>
-            <a:r>
-              <a:rPr lang="en-US" u="sng" dirty="0">
-                <a:solidFill>
-                  <a:srgbClr val="008080"/>
-                </a:solidFill>
-                <a:latin typeface="Consolas" panose="020B0609020204030204" pitchFamily="49" charset="0"/>
-              </a:rPr>
-              <a:t>&lt;/</a:t>
-            </a:r>
-            <a:r>
-              <a:rPr lang="en-US" u="sng" dirty="0" err="1">
-                <a:solidFill>
-                  <a:srgbClr val="3F7F7F"/>
-                </a:solidFill>
-                <a:latin typeface="Consolas" panose="020B0609020204030204" pitchFamily="49" charset="0"/>
-              </a:rPr>
-              <a:t>artifactId</a:t>
-            </a:r>
-            <a:r>
-              <a:rPr lang="en-US" u="sng" dirty="0">
-                <a:solidFill>
-                  <a:srgbClr val="008080"/>
-                </a:solidFill>
-                <a:latin typeface="Consolas" panose="020B0609020204030204" pitchFamily="49" charset="0"/>
-              </a:rPr>
-              <a:t>&gt;</a:t>
-            </a:r>
-          </a:p>
-          <a:p>
-            <a:r>
-              <a:rPr lang="en-US" dirty="0">
-                <a:solidFill>
-                  <a:srgbClr val="008080"/>
-                </a:solidFill>
-                <a:latin typeface="Consolas" panose="020B0609020204030204" pitchFamily="49" charset="0"/>
-              </a:rPr>
-              <a:t>&lt;/</a:t>
-            </a:r>
-            <a:r>
-              <a:rPr lang="en-US" dirty="0">
-                <a:solidFill>
-                  <a:srgbClr val="3F7F7F"/>
-                </a:solidFill>
-                <a:latin typeface="Consolas" panose="020B0609020204030204" pitchFamily="49" charset="0"/>
-              </a:rPr>
-              <a:t>dependency</a:t>
-            </a:r>
-            <a:r>
-              <a:rPr lang="en-US" dirty="0">
-                <a:solidFill>
-                  <a:srgbClr val="008080"/>
-                </a:solidFill>
-                <a:latin typeface="Consolas" panose="020B0609020204030204" pitchFamily="49" charset="0"/>
-              </a:rPr>
-              <a:t>&gt;</a:t>
-            </a:r>
-          </a:p>
-        </p:txBody>
-      </p:sp>
-      <p:sp>
-        <p:nvSpPr>
-          <p:cNvPr id="6" name="Rectangle 5">
-            <a:extLst>
-              <a:ext uri="{FF2B5EF4-FFF2-40B4-BE49-F238E27FC236}">
-                <a16:creationId xmlns:a16="http://schemas.microsoft.com/office/drawing/2014/main" id="{FEF1AC31-F093-4B8C-B262-415D1866C072}"/>
-              </a:ext>
-            </a:extLst>
-          </p:cNvPr>
-          <p:cNvSpPr/>
-          <p:nvPr/>
-        </p:nvSpPr>
-        <p:spPr>
-          <a:xfrm>
-            <a:off x="1523998" y="2505670"/>
-            <a:ext cx="6096000" cy="923330"/>
-          </a:xfrm>
-          <a:prstGeom prst="rect">
-            <a:avLst/>
-          </a:prstGeom>
-        </p:spPr>
-        <p:txBody>
-          <a:bodyPr>
-            <a:spAutoFit/>
-          </a:bodyPr>
-          <a:lstStyle/>
-          <a:p>
-            <a:r>
-              <a:rPr lang="en-US" dirty="0">
-                <a:solidFill>
-                  <a:srgbClr val="646464"/>
-                </a:solidFill>
-                <a:latin typeface="Consolas" panose="020B0609020204030204" pitchFamily="49" charset="0"/>
-              </a:rPr>
-              <a:t>@</a:t>
-            </a:r>
-            <a:r>
-              <a:rPr lang="en-US" dirty="0" err="1">
-                <a:solidFill>
-                  <a:srgbClr val="646464"/>
-                </a:solidFill>
-                <a:latin typeface="Consolas" panose="020B0609020204030204" pitchFamily="49" charset="0"/>
-              </a:rPr>
-              <a:t>SpringBootApplication</a:t>
-            </a:r>
-            <a:endParaRPr lang="en-US" dirty="0">
-              <a:solidFill>
-                <a:srgbClr val="646464"/>
-              </a:solidFill>
-              <a:latin typeface="Consolas" panose="020B0609020204030204" pitchFamily="49" charset="0"/>
-            </a:endParaRPr>
-          </a:p>
-          <a:p>
-            <a:r>
-              <a:rPr lang="en-US" dirty="0">
-                <a:solidFill>
-                  <a:srgbClr val="646464"/>
-                </a:solidFill>
-                <a:latin typeface="Consolas" panose="020B0609020204030204" pitchFamily="49" charset="0"/>
-              </a:rPr>
-              <a:t>@</a:t>
-            </a:r>
-            <a:r>
-              <a:rPr lang="en-US" dirty="0" err="1">
-                <a:solidFill>
-                  <a:srgbClr val="646464"/>
-                </a:solidFill>
-                <a:latin typeface="Consolas" panose="020B0609020204030204" pitchFamily="49" charset="0"/>
-              </a:rPr>
-              <a:t>EnableConfigServer</a:t>
-            </a:r>
-            <a:endParaRPr lang="en-US" dirty="0">
-              <a:solidFill>
-                <a:srgbClr val="646464"/>
-              </a:solidFill>
-              <a:latin typeface="Consolas" panose="020B0609020204030204" pitchFamily="49" charset="0"/>
-            </a:endParaRPr>
-          </a:p>
-          <a:p>
-            <a:r>
-              <a:rPr lang="en-US" b="1" dirty="0">
-                <a:solidFill>
-                  <a:srgbClr val="7F0055"/>
-                </a:solidFill>
-                <a:latin typeface="Consolas" panose="020B0609020204030204" pitchFamily="49" charset="0"/>
-              </a:rPr>
-              <a:t>public</a:t>
-            </a:r>
-            <a:r>
-              <a:rPr lang="en-US" b="1" dirty="0">
-                <a:solidFill>
-                  <a:srgbClr val="000000"/>
-                </a:solidFill>
-                <a:latin typeface="Consolas" panose="020B0609020204030204" pitchFamily="49" charset="0"/>
-              </a:rPr>
-              <a:t> </a:t>
-            </a:r>
-            <a:r>
-              <a:rPr lang="en-US" b="1" dirty="0">
-                <a:solidFill>
-                  <a:srgbClr val="7F0055"/>
-                </a:solidFill>
-                <a:latin typeface="Consolas" panose="020B0609020204030204" pitchFamily="49" charset="0"/>
-              </a:rPr>
-              <a:t>class</a:t>
-            </a:r>
-            <a:r>
-              <a:rPr lang="en-US" b="1" dirty="0">
-                <a:solidFill>
-                  <a:srgbClr val="000000"/>
-                </a:solidFill>
-                <a:latin typeface="Consolas" panose="020B0609020204030204" pitchFamily="49" charset="0"/>
-              </a:rPr>
-              <a:t> </a:t>
-            </a:r>
-            <a:r>
-              <a:rPr lang="en-US" b="1" dirty="0" err="1">
-                <a:solidFill>
-                  <a:srgbClr val="000000"/>
-                </a:solidFill>
-                <a:latin typeface="Consolas" panose="020B0609020204030204" pitchFamily="49" charset="0"/>
-              </a:rPr>
-              <a:t>TrngConfigServerApplication</a:t>
-            </a:r>
-            <a:r>
-              <a:rPr lang="en-US" b="1" dirty="0">
-                <a:solidFill>
-                  <a:srgbClr val="000000"/>
-                </a:solidFill>
-                <a:latin typeface="Consolas" panose="020B0609020204030204" pitchFamily="49" charset="0"/>
-              </a:rPr>
-              <a:t> {</a:t>
-            </a:r>
-            <a:endParaRPr lang="en-US" dirty="0"/>
-          </a:p>
-        </p:txBody>
-      </p:sp>
-      <p:sp>
-        <p:nvSpPr>
-          <p:cNvPr id="7" name="Rectangle 6">
-            <a:extLst>
-              <a:ext uri="{FF2B5EF4-FFF2-40B4-BE49-F238E27FC236}">
-                <a16:creationId xmlns:a16="http://schemas.microsoft.com/office/drawing/2014/main" id="{12BF451B-3066-427A-BFCB-94B4DE65711C}"/>
-              </a:ext>
-            </a:extLst>
-          </p:cNvPr>
-          <p:cNvSpPr/>
-          <p:nvPr/>
-        </p:nvSpPr>
-        <p:spPr>
-          <a:xfrm>
-            <a:off x="1523998" y="3721594"/>
-            <a:ext cx="9593769" cy="2862322"/>
-          </a:xfrm>
-          <a:prstGeom prst="rect">
-            <a:avLst/>
-          </a:prstGeom>
-        </p:spPr>
-        <p:txBody>
-          <a:bodyPr wrap="square">
-            <a:spAutoFit/>
-          </a:bodyPr>
-          <a:lstStyle/>
-          <a:p>
-            <a:r>
-              <a:rPr lang="en-US" dirty="0">
-                <a:solidFill>
-                  <a:srgbClr val="00C832"/>
-                </a:solidFill>
-                <a:latin typeface="Consolas" panose="020B0609020204030204" pitchFamily="49" charset="0"/>
-              </a:rPr>
-              <a:t>server:</a:t>
-            </a:r>
-          </a:p>
-          <a:p>
-            <a:r>
-              <a:rPr lang="en-US" dirty="0">
-                <a:solidFill>
-                  <a:srgbClr val="000000"/>
-                </a:solidFill>
-                <a:latin typeface="Consolas" panose="020B0609020204030204" pitchFamily="49" charset="0"/>
-              </a:rPr>
-              <a:t>  </a:t>
-            </a:r>
-            <a:r>
-              <a:rPr lang="en-US" dirty="0">
-                <a:solidFill>
-                  <a:srgbClr val="00C832"/>
-                </a:solidFill>
-                <a:latin typeface="Consolas" panose="020B0609020204030204" pitchFamily="49" charset="0"/>
-              </a:rPr>
-              <a:t>port:</a:t>
-            </a:r>
-            <a:r>
-              <a:rPr lang="en-US" dirty="0">
-                <a:solidFill>
-                  <a:srgbClr val="000000"/>
-                </a:solidFill>
-                <a:latin typeface="Consolas" panose="020B0609020204030204" pitchFamily="49" charset="0"/>
-              </a:rPr>
-              <a:t> 8888</a:t>
-            </a:r>
-          </a:p>
-          <a:p>
-            <a:r>
-              <a:rPr lang="en-US" dirty="0">
-                <a:solidFill>
-                  <a:srgbClr val="000000"/>
-                </a:solidFill>
-                <a:latin typeface="Consolas" panose="020B0609020204030204" pitchFamily="49" charset="0"/>
-              </a:rPr>
-              <a:t>  </a:t>
-            </a:r>
-          </a:p>
-          <a:p>
-            <a:r>
-              <a:rPr lang="en-US" dirty="0">
-                <a:solidFill>
-                  <a:srgbClr val="00C832"/>
-                </a:solidFill>
-                <a:latin typeface="Consolas" panose="020B0609020204030204" pitchFamily="49" charset="0"/>
-              </a:rPr>
-              <a:t>spring:</a:t>
-            </a:r>
-          </a:p>
-          <a:p>
-            <a:r>
-              <a:rPr lang="en-US" dirty="0">
-                <a:solidFill>
-                  <a:srgbClr val="000000"/>
-                </a:solidFill>
-                <a:latin typeface="Consolas" panose="020B0609020204030204" pitchFamily="49" charset="0"/>
-              </a:rPr>
-              <a:t>  </a:t>
-            </a:r>
-            <a:r>
-              <a:rPr lang="en-US" dirty="0">
-                <a:solidFill>
-                  <a:srgbClr val="00C832"/>
-                </a:solidFill>
-                <a:latin typeface="Consolas" panose="020B0609020204030204" pitchFamily="49" charset="0"/>
-              </a:rPr>
-              <a:t>cloud:</a:t>
-            </a:r>
-          </a:p>
-          <a:p>
-            <a:r>
-              <a:rPr lang="en-US" dirty="0">
-                <a:solidFill>
-                  <a:srgbClr val="000000"/>
-                </a:solidFill>
-                <a:latin typeface="Consolas" panose="020B0609020204030204" pitchFamily="49" charset="0"/>
-              </a:rPr>
-              <a:t>    </a:t>
-            </a:r>
-            <a:r>
-              <a:rPr lang="en-US" dirty="0">
-                <a:solidFill>
-                  <a:srgbClr val="00C832"/>
-                </a:solidFill>
-                <a:latin typeface="Consolas" panose="020B0609020204030204" pitchFamily="49" charset="0"/>
-              </a:rPr>
-              <a:t>config:</a:t>
-            </a:r>
-          </a:p>
-          <a:p>
-            <a:r>
-              <a:rPr lang="en-US" dirty="0">
-                <a:solidFill>
-                  <a:srgbClr val="000000"/>
-                </a:solidFill>
-                <a:latin typeface="Consolas" panose="020B0609020204030204" pitchFamily="49" charset="0"/>
-              </a:rPr>
-              <a:t>      </a:t>
-            </a:r>
-            <a:r>
-              <a:rPr lang="en-US" dirty="0">
-                <a:solidFill>
-                  <a:srgbClr val="00C832"/>
-                </a:solidFill>
-                <a:latin typeface="Consolas" panose="020B0609020204030204" pitchFamily="49" charset="0"/>
-              </a:rPr>
-              <a:t>server:</a:t>
-            </a:r>
-          </a:p>
-          <a:p>
-            <a:r>
-              <a:rPr lang="en-US" dirty="0">
-                <a:solidFill>
-                  <a:srgbClr val="000000"/>
-                </a:solidFill>
-                <a:latin typeface="Consolas" panose="020B0609020204030204" pitchFamily="49" charset="0"/>
-              </a:rPr>
-              <a:t>        </a:t>
-            </a:r>
-            <a:r>
-              <a:rPr lang="en-US" dirty="0">
-                <a:solidFill>
-                  <a:srgbClr val="00C832"/>
-                </a:solidFill>
-                <a:latin typeface="Consolas" panose="020B0609020204030204" pitchFamily="49" charset="0"/>
-              </a:rPr>
-              <a:t>git:</a:t>
-            </a:r>
-          </a:p>
-          <a:p>
-            <a:r>
-              <a:rPr lang="fi-FI" dirty="0">
-                <a:solidFill>
-                  <a:srgbClr val="000000"/>
-                </a:solidFill>
-                <a:latin typeface="Consolas" panose="020B0609020204030204" pitchFamily="49" charset="0"/>
-              </a:rPr>
-              <a:t>          </a:t>
-            </a:r>
-            <a:r>
-              <a:rPr lang="fi-FI" dirty="0">
-                <a:solidFill>
-                  <a:srgbClr val="00C832"/>
-                </a:solidFill>
-                <a:latin typeface="Consolas" panose="020B0609020204030204" pitchFamily="49" charset="0"/>
-              </a:rPr>
-              <a:t>uri:</a:t>
-            </a:r>
-            <a:r>
-              <a:rPr lang="fi-FI" dirty="0">
-                <a:solidFill>
-                  <a:srgbClr val="000000"/>
-                </a:solidFill>
-                <a:latin typeface="Consolas" panose="020B0609020204030204" pitchFamily="49" charset="0"/>
-              </a:rPr>
-              <a:t> https://github.com/GouthamKoushik/CTLMicroTraining</a:t>
-            </a:r>
-          </a:p>
-          <a:p>
-            <a:r>
-              <a:rPr lang="fi-FI" dirty="0">
-                <a:solidFill>
-                  <a:srgbClr val="000000"/>
-                </a:solidFill>
-                <a:latin typeface="Consolas" panose="020B0609020204030204" pitchFamily="49" charset="0"/>
-              </a:rPr>
-              <a:t>          searchPaths: config</a:t>
-            </a:r>
-            <a:endParaRPr lang="en-US" dirty="0"/>
-          </a:p>
-        </p:txBody>
-      </p:sp>
+      </p:pic>
     </p:spTree>
     <p:extLst>
       <p:ext uri="{BB962C8B-B14F-4D97-AF65-F5344CB8AC3E}">
-        <p14:creationId xmlns:p14="http://schemas.microsoft.com/office/powerpoint/2010/main" val="1656741065"/>
+        <p14:creationId xmlns:p14="http://schemas.microsoft.com/office/powerpoint/2010/main" val="812669696"/>
       </p:ext>
     </p:extLst>
   </p:cSld>
@@ -10311,6 +10667,2907 @@
           <a:lstStyle/>
           <a:p>
             <a:r>
+              <a:rPr lang="en-US" sz="3600" dirty="0" err="1"/>
+              <a:t>Hystrix</a:t>
+            </a:r>
+            <a:r>
+              <a:rPr lang="en-US" sz="3600" dirty="0"/>
+              <a:t> (Circuit Breaker)</a:t>
+            </a:r>
+          </a:p>
+        </p:txBody>
+      </p:sp>
+      <p:sp>
+        <p:nvSpPr>
+          <p:cNvPr id="3" name="Rectangle 2">
+            <a:extLst>
+              <a:ext uri="{FF2B5EF4-FFF2-40B4-BE49-F238E27FC236}">
+                <a16:creationId xmlns:a16="http://schemas.microsoft.com/office/drawing/2014/main" id="{C9803123-27B5-4C86-99FB-3D994D72B4F5}"/>
+              </a:ext>
+            </a:extLst>
+          </p:cNvPr>
+          <p:cNvSpPr/>
+          <p:nvPr/>
+        </p:nvSpPr>
+        <p:spPr>
+          <a:xfrm>
+            <a:off x="1523999" y="1674674"/>
+            <a:ext cx="8456342" cy="2031325"/>
+          </a:xfrm>
+          <a:prstGeom prst="rect">
+            <a:avLst/>
+          </a:prstGeom>
+        </p:spPr>
+        <p:txBody>
+          <a:bodyPr wrap="square">
+            <a:spAutoFit/>
+          </a:bodyPr>
+          <a:lstStyle/>
+          <a:p>
+            <a:r>
+              <a:rPr lang="en-US" dirty="0">
+                <a:solidFill>
+                  <a:srgbClr val="008080"/>
+                </a:solidFill>
+                <a:latin typeface="Consolas" panose="020B0609020204030204" pitchFamily="49" charset="0"/>
+              </a:rPr>
+              <a:t>&lt;</a:t>
+            </a:r>
+            <a:r>
+              <a:rPr lang="en-US" dirty="0">
+                <a:solidFill>
+                  <a:srgbClr val="3F7F7F"/>
+                </a:solidFill>
+                <a:latin typeface="Consolas" panose="020B0609020204030204" pitchFamily="49" charset="0"/>
+              </a:rPr>
+              <a:t>dependency</a:t>
+            </a:r>
+            <a:r>
+              <a:rPr lang="en-US" dirty="0">
+                <a:solidFill>
+                  <a:srgbClr val="008080"/>
+                </a:solidFill>
+                <a:latin typeface="Consolas" panose="020B0609020204030204" pitchFamily="49" charset="0"/>
+              </a:rPr>
+              <a:t>&gt;</a:t>
+            </a:r>
+          </a:p>
+          <a:p>
+            <a:r>
+              <a:rPr lang="en-US" dirty="0">
+                <a:solidFill>
+                  <a:srgbClr val="008080"/>
+                </a:solidFill>
+                <a:latin typeface="Consolas" panose="020B0609020204030204" pitchFamily="49" charset="0"/>
+              </a:rPr>
+              <a:t>      &lt;</a:t>
+            </a:r>
+            <a:r>
+              <a:rPr lang="en-US" dirty="0" err="1">
+                <a:solidFill>
+                  <a:srgbClr val="3F7F7F"/>
+                </a:solidFill>
+                <a:latin typeface="Consolas" panose="020B0609020204030204" pitchFamily="49" charset="0"/>
+              </a:rPr>
+              <a:t>groupId</a:t>
+            </a:r>
+            <a:r>
+              <a:rPr lang="en-US" dirty="0">
+                <a:solidFill>
+                  <a:srgbClr val="008080"/>
+                </a:solidFill>
+                <a:latin typeface="Consolas" panose="020B0609020204030204" pitchFamily="49" charset="0"/>
+              </a:rPr>
+              <a:t>&gt;</a:t>
+            </a:r>
+            <a:r>
+              <a:rPr lang="en-US" dirty="0" err="1">
+                <a:solidFill>
+                  <a:srgbClr val="000000"/>
+                </a:solidFill>
+                <a:latin typeface="Consolas" panose="020B0609020204030204" pitchFamily="49" charset="0"/>
+              </a:rPr>
+              <a:t>org.springframework.cloud</a:t>
+            </a:r>
+            <a:r>
+              <a:rPr lang="en-US" dirty="0">
+                <a:solidFill>
+                  <a:srgbClr val="008080"/>
+                </a:solidFill>
+                <a:latin typeface="Consolas" panose="020B0609020204030204" pitchFamily="49" charset="0"/>
+              </a:rPr>
+              <a:t>&lt;/</a:t>
+            </a:r>
+            <a:r>
+              <a:rPr lang="en-US" dirty="0" err="1">
+                <a:solidFill>
+                  <a:srgbClr val="3F7F7F"/>
+                </a:solidFill>
+                <a:latin typeface="Consolas" panose="020B0609020204030204" pitchFamily="49" charset="0"/>
+              </a:rPr>
+              <a:t>groupId</a:t>
+            </a:r>
+            <a:r>
+              <a:rPr lang="en-US" dirty="0">
+                <a:solidFill>
+                  <a:srgbClr val="008080"/>
+                </a:solidFill>
+                <a:latin typeface="Consolas" panose="020B0609020204030204" pitchFamily="49" charset="0"/>
+              </a:rPr>
+              <a:t>&gt;</a:t>
+            </a:r>
+          </a:p>
+          <a:p>
+            <a:r>
+              <a:rPr lang="en-US" dirty="0">
+                <a:solidFill>
+                  <a:srgbClr val="008080"/>
+                </a:solidFill>
+                <a:latin typeface="Consolas" panose="020B0609020204030204" pitchFamily="49" charset="0"/>
+              </a:rPr>
+              <a:t>      &lt;</a:t>
+            </a:r>
+            <a:r>
+              <a:rPr lang="en-US" dirty="0" err="1">
+                <a:solidFill>
+                  <a:srgbClr val="3F7F7F"/>
+                </a:solidFill>
+                <a:latin typeface="Consolas" panose="020B0609020204030204" pitchFamily="49" charset="0"/>
+              </a:rPr>
+              <a:t>artifactId</a:t>
+            </a:r>
+            <a:r>
+              <a:rPr lang="en-US" dirty="0">
+                <a:solidFill>
+                  <a:srgbClr val="008080"/>
+                </a:solidFill>
+                <a:latin typeface="Consolas" panose="020B0609020204030204" pitchFamily="49" charset="0"/>
+              </a:rPr>
+              <a:t>&gt;</a:t>
+            </a:r>
+            <a:r>
+              <a:rPr lang="en-US" dirty="0">
+                <a:solidFill>
+                  <a:srgbClr val="000000"/>
+                </a:solidFill>
+                <a:latin typeface="Consolas" panose="020B0609020204030204" pitchFamily="49" charset="0"/>
+              </a:rPr>
+              <a:t>spring-cloud-starter-</a:t>
+            </a:r>
+            <a:r>
+              <a:rPr lang="en-US" u="sng" dirty="0" err="1">
+                <a:solidFill>
+                  <a:srgbClr val="000000"/>
+                </a:solidFill>
+                <a:latin typeface="Consolas" panose="020B0609020204030204" pitchFamily="49" charset="0"/>
+              </a:rPr>
+              <a:t>hystrix</a:t>
+            </a:r>
+            <a:r>
+              <a:rPr lang="en-US" u="sng" dirty="0">
+                <a:solidFill>
+                  <a:srgbClr val="008080"/>
+                </a:solidFill>
+                <a:latin typeface="Consolas" panose="020B0609020204030204" pitchFamily="49" charset="0"/>
+              </a:rPr>
+              <a:t>&lt;/</a:t>
+            </a:r>
+            <a:r>
+              <a:rPr lang="en-US" u="sng" dirty="0" err="1">
+                <a:solidFill>
+                  <a:srgbClr val="3F7F7F"/>
+                </a:solidFill>
+                <a:latin typeface="Consolas" panose="020B0609020204030204" pitchFamily="49" charset="0"/>
+              </a:rPr>
+              <a:t>artifactId</a:t>
+            </a:r>
+            <a:r>
+              <a:rPr lang="en-US" u="sng" dirty="0">
+                <a:solidFill>
+                  <a:srgbClr val="008080"/>
+                </a:solidFill>
+                <a:latin typeface="Consolas" panose="020B0609020204030204" pitchFamily="49" charset="0"/>
+              </a:rPr>
+              <a:t>&gt;</a:t>
+            </a:r>
+          </a:p>
+          <a:p>
+            <a:r>
+              <a:rPr lang="en-US" dirty="0">
+                <a:solidFill>
+                  <a:srgbClr val="008080"/>
+                </a:solidFill>
+                <a:latin typeface="Consolas" panose="020B0609020204030204" pitchFamily="49" charset="0"/>
+              </a:rPr>
+              <a:t>&lt;/</a:t>
+            </a:r>
+            <a:r>
+              <a:rPr lang="en-US" dirty="0">
+                <a:solidFill>
+                  <a:srgbClr val="3F7F7F"/>
+                </a:solidFill>
+                <a:latin typeface="Consolas" panose="020B0609020204030204" pitchFamily="49" charset="0"/>
+              </a:rPr>
+              <a:t>dependency</a:t>
+            </a:r>
+            <a:r>
+              <a:rPr lang="en-US" dirty="0">
+                <a:solidFill>
+                  <a:srgbClr val="008080"/>
+                </a:solidFill>
+                <a:latin typeface="Consolas" panose="020B0609020204030204" pitchFamily="49" charset="0"/>
+              </a:rPr>
+              <a:t>&gt;</a:t>
+            </a:r>
+          </a:p>
+          <a:p>
+            <a:endParaRPr lang="en-US" dirty="0">
+              <a:solidFill>
+                <a:srgbClr val="008080"/>
+              </a:solidFill>
+              <a:latin typeface="Consolas" panose="020B0609020204030204" pitchFamily="49" charset="0"/>
+            </a:endParaRPr>
+          </a:p>
+          <a:p>
+            <a:endParaRPr lang="en-US" dirty="0">
+              <a:solidFill>
+                <a:srgbClr val="008080"/>
+              </a:solidFill>
+              <a:latin typeface="Consolas" panose="020B0609020204030204" pitchFamily="49" charset="0"/>
+            </a:endParaRPr>
+          </a:p>
+          <a:p>
+            <a:r>
+              <a:rPr lang="en-US" dirty="0" err="1"/>
+              <a:t>feign.hystrix.enabled</a:t>
+            </a:r>
+            <a:r>
+              <a:rPr lang="en-US" dirty="0"/>
+              <a:t>=true</a:t>
+            </a:r>
+          </a:p>
+        </p:txBody>
+      </p:sp>
+      <p:sp>
+        <p:nvSpPr>
+          <p:cNvPr id="4" name="Rectangle 3">
+            <a:extLst>
+              <a:ext uri="{FF2B5EF4-FFF2-40B4-BE49-F238E27FC236}">
+                <a16:creationId xmlns:a16="http://schemas.microsoft.com/office/drawing/2014/main" id="{5B041080-8DCF-4612-A0BF-53732BE3E6BC}"/>
+              </a:ext>
+            </a:extLst>
+          </p:cNvPr>
+          <p:cNvSpPr/>
+          <p:nvPr/>
+        </p:nvSpPr>
+        <p:spPr>
+          <a:xfrm>
+            <a:off x="1379032" y="3934368"/>
+            <a:ext cx="9961757" cy="646331"/>
+          </a:xfrm>
+          <a:prstGeom prst="rect">
+            <a:avLst/>
+          </a:prstGeom>
+        </p:spPr>
+        <p:txBody>
+          <a:bodyPr wrap="square">
+            <a:spAutoFit/>
+          </a:bodyPr>
+          <a:lstStyle/>
+          <a:p>
+            <a:r>
+              <a:rPr lang="en-US" dirty="0">
+                <a:solidFill>
+                  <a:srgbClr val="646464"/>
+                </a:solidFill>
+                <a:latin typeface="Consolas" panose="020B0609020204030204" pitchFamily="49" charset="0"/>
+              </a:rPr>
+              <a:t>@</a:t>
+            </a:r>
+            <a:r>
+              <a:rPr lang="en-US" dirty="0" err="1">
+                <a:solidFill>
+                  <a:srgbClr val="646464"/>
+                </a:solidFill>
+                <a:latin typeface="Consolas" panose="020B0609020204030204" pitchFamily="49" charset="0"/>
+              </a:rPr>
+              <a:t>FeignClient</a:t>
+            </a:r>
+            <a:r>
+              <a:rPr lang="en-US" dirty="0">
+                <a:solidFill>
+                  <a:srgbClr val="000000"/>
+                </a:solidFill>
+                <a:latin typeface="Consolas" panose="020B0609020204030204" pitchFamily="49" charset="0"/>
+              </a:rPr>
+              <a:t>(name=</a:t>
+            </a:r>
+            <a:r>
+              <a:rPr lang="en-US" dirty="0">
+                <a:solidFill>
+                  <a:srgbClr val="2A00FF"/>
+                </a:solidFill>
+                <a:latin typeface="Consolas" panose="020B0609020204030204" pitchFamily="49" charset="0"/>
+              </a:rPr>
+              <a:t>"TRNG-ADMIN-SERVICE"</a:t>
+            </a:r>
+            <a:r>
+              <a:rPr lang="en-US" dirty="0">
+                <a:solidFill>
+                  <a:srgbClr val="000000"/>
+                </a:solidFill>
+                <a:latin typeface="Consolas" panose="020B0609020204030204" pitchFamily="49" charset="0"/>
+              </a:rPr>
+              <a:t>, fallback = </a:t>
+            </a:r>
+            <a:r>
+              <a:rPr lang="en-US" dirty="0" err="1">
+                <a:solidFill>
+                  <a:srgbClr val="000000"/>
+                </a:solidFill>
+                <a:latin typeface="Consolas" panose="020B0609020204030204" pitchFamily="49" charset="0"/>
+              </a:rPr>
+              <a:t>AdminClientFallback.</a:t>
+            </a:r>
+            <a:r>
+              <a:rPr lang="en-US" b="1" dirty="0" err="1">
+                <a:solidFill>
+                  <a:srgbClr val="7F0055"/>
+                </a:solidFill>
+                <a:latin typeface="Consolas" panose="020B0609020204030204" pitchFamily="49" charset="0"/>
+              </a:rPr>
+              <a:t>class</a:t>
+            </a:r>
+            <a:r>
+              <a:rPr lang="en-US" b="1" dirty="0">
+                <a:solidFill>
+                  <a:srgbClr val="000000"/>
+                </a:solidFill>
+                <a:latin typeface="Consolas" panose="020B0609020204030204" pitchFamily="49" charset="0"/>
+              </a:rPr>
+              <a:t>)</a:t>
+            </a:r>
+          </a:p>
+          <a:p>
+            <a:r>
+              <a:rPr lang="en-US" b="1" dirty="0">
+                <a:solidFill>
+                  <a:srgbClr val="7F0055"/>
+                </a:solidFill>
+                <a:latin typeface="Consolas" panose="020B0609020204030204" pitchFamily="49" charset="0"/>
+              </a:rPr>
+              <a:t>interface</a:t>
+            </a:r>
+            <a:r>
+              <a:rPr lang="en-US" b="1" dirty="0">
+                <a:solidFill>
+                  <a:srgbClr val="000000"/>
+                </a:solidFill>
+                <a:latin typeface="Consolas" panose="020B0609020204030204" pitchFamily="49" charset="0"/>
+              </a:rPr>
+              <a:t> </a:t>
+            </a:r>
+            <a:r>
+              <a:rPr lang="en-US" b="1" dirty="0" err="1">
+                <a:solidFill>
+                  <a:srgbClr val="000000"/>
+                </a:solidFill>
+                <a:latin typeface="Consolas" panose="020B0609020204030204" pitchFamily="49" charset="0"/>
+              </a:rPr>
+              <a:t>AdminClient</a:t>
+            </a:r>
+            <a:r>
+              <a:rPr lang="en-US" b="1" dirty="0">
+                <a:solidFill>
+                  <a:srgbClr val="000000"/>
+                </a:solidFill>
+                <a:latin typeface="Consolas" panose="020B0609020204030204" pitchFamily="49" charset="0"/>
+              </a:rPr>
+              <a:t> {</a:t>
+            </a:r>
+            <a:endParaRPr lang="en-US" dirty="0"/>
+          </a:p>
+        </p:txBody>
+      </p:sp>
+      <p:sp>
+        <p:nvSpPr>
+          <p:cNvPr id="15" name="Rectangle 14">
+            <a:extLst>
+              <a:ext uri="{FF2B5EF4-FFF2-40B4-BE49-F238E27FC236}">
+                <a16:creationId xmlns:a16="http://schemas.microsoft.com/office/drawing/2014/main" id="{7CB8AE79-CD6A-4D3A-940C-67BD27703664}"/>
+              </a:ext>
+            </a:extLst>
+          </p:cNvPr>
+          <p:cNvSpPr/>
+          <p:nvPr/>
+        </p:nvSpPr>
+        <p:spPr>
+          <a:xfrm>
+            <a:off x="1379032" y="5183326"/>
+            <a:ext cx="7311483" cy="369332"/>
+          </a:xfrm>
+          <a:prstGeom prst="rect">
+            <a:avLst/>
+          </a:prstGeom>
+        </p:spPr>
+        <p:txBody>
+          <a:bodyPr wrap="square">
+            <a:spAutoFit/>
+          </a:bodyPr>
+          <a:lstStyle/>
+          <a:p>
+            <a:r>
+              <a:rPr lang="en-US" dirty="0"/>
+              <a:t>http://localhost:8815/feign/detail?name=Goutham</a:t>
+            </a:r>
+          </a:p>
+        </p:txBody>
+      </p:sp>
+    </p:spTree>
+    <p:extLst>
+      <p:ext uri="{BB962C8B-B14F-4D97-AF65-F5344CB8AC3E}">
+        <p14:creationId xmlns:p14="http://schemas.microsoft.com/office/powerpoint/2010/main" val="1879074466"/>
+      </p:ext>
+    </p:extLst>
+  </p:cSld>
+  <p:clrMapOvr>
+    <a:masterClrMapping/>
+  </p:clrMapOvr>
+</p:sld>
+</file>
+
+<file path=ppt/slides/slide21.xml><?xml version="1.0" encoding="utf-8"?>
+<p:sld xmlns:a="http://schemas.openxmlformats.org/drawingml/2006/main" xmlns:r="http://schemas.openxmlformats.org/officeDocument/2006/relationships" xmlns:p="http://schemas.openxmlformats.org/presentationml/2006/main">
+  <p:cSld>
+    <p:spTree>
+      <p:nvGrpSpPr>
+        <p:cNvPr id="1" name=""/>
+        <p:cNvGrpSpPr/>
+        <p:nvPr/>
+      </p:nvGrpSpPr>
+      <p:grpSpPr>
+        <a:xfrm>
+          <a:off x="0" y="0"/>
+          <a:ext cx="0" cy="0"/>
+          <a:chOff x="0" y="0"/>
+          <a:chExt cx="0" cy="0"/>
+        </a:xfrm>
+      </p:grpSpPr>
+      <p:sp>
+        <p:nvSpPr>
+          <p:cNvPr id="2" name="Title 1">
+            <a:extLst>
+              <a:ext uri="{FF2B5EF4-FFF2-40B4-BE49-F238E27FC236}">
+                <a16:creationId xmlns:a16="http://schemas.microsoft.com/office/drawing/2014/main" id="{5BA3DBEF-E872-4C19-8FAA-DD3281BD7697}"/>
+              </a:ext>
+            </a:extLst>
+          </p:cNvPr>
+          <p:cNvSpPr>
+            <a:spLocks noGrp="1"/>
+          </p:cNvSpPr>
+          <p:nvPr>
+            <p:ph type="ctrTitle"/>
+          </p:nvPr>
+        </p:nvSpPr>
+        <p:spPr>
+          <a:xfrm>
+            <a:off x="1523999" y="0"/>
+            <a:ext cx="9144000" cy="833670"/>
+          </a:xfrm>
+        </p:spPr>
+        <p:txBody>
+          <a:bodyPr>
+            <a:normAutofit/>
+          </a:bodyPr>
+          <a:lstStyle/>
+          <a:p>
+            <a:r>
+              <a:rPr lang="en-US" sz="3600" dirty="0" err="1"/>
+              <a:t>Hystrix</a:t>
+            </a:r>
+            <a:r>
+              <a:rPr lang="en-US" sz="3600" dirty="0"/>
+              <a:t> Stream</a:t>
+            </a:r>
+          </a:p>
+        </p:txBody>
+      </p:sp>
+      <p:sp>
+        <p:nvSpPr>
+          <p:cNvPr id="15" name="Rectangle 14">
+            <a:extLst>
+              <a:ext uri="{FF2B5EF4-FFF2-40B4-BE49-F238E27FC236}">
+                <a16:creationId xmlns:a16="http://schemas.microsoft.com/office/drawing/2014/main" id="{7CB8AE79-CD6A-4D3A-940C-67BD27703664}"/>
+              </a:ext>
+            </a:extLst>
+          </p:cNvPr>
+          <p:cNvSpPr/>
+          <p:nvPr/>
+        </p:nvSpPr>
+        <p:spPr>
+          <a:xfrm>
+            <a:off x="1141139" y="5746509"/>
+            <a:ext cx="7311483" cy="369332"/>
+          </a:xfrm>
+          <a:prstGeom prst="rect">
+            <a:avLst/>
+          </a:prstGeom>
+        </p:spPr>
+        <p:txBody>
+          <a:bodyPr wrap="square">
+            <a:spAutoFit/>
+          </a:bodyPr>
+          <a:lstStyle/>
+          <a:p>
+            <a:r>
+              <a:rPr lang="en-US" dirty="0"/>
+              <a:t>http://localhost:8815/hystrix.stream</a:t>
+            </a:r>
+          </a:p>
+        </p:txBody>
+      </p:sp>
+      <p:sp>
+        <p:nvSpPr>
+          <p:cNvPr id="5" name="Rectangle 4">
+            <a:extLst>
+              <a:ext uri="{FF2B5EF4-FFF2-40B4-BE49-F238E27FC236}">
+                <a16:creationId xmlns:a16="http://schemas.microsoft.com/office/drawing/2014/main" id="{5362B26F-4E8C-46C3-B08B-3F95EE5DF466}"/>
+              </a:ext>
+            </a:extLst>
+          </p:cNvPr>
+          <p:cNvSpPr/>
+          <p:nvPr/>
+        </p:nvSpPr>
+        <p:spPr>
+          <a:xfrm>
+            <a:off x="1007326" y="834099"/>
+            <a:ext cx="9961757" cy="2308324"/>
+          </a:xfrm>
+          <a:prstGeom prst="rect">
+            <a:avLst/>
+          </a:prstGeom>
+        </p:spPr>
+        <p:txBody>
+          <a:bodyPr wrap="square">
+            <a:spAutoFit/>
+          </a:bodyPr>
+          <a:lstStyle/>
+          <a:p>
+            <a:r>
+              <a:rPr lang="en-US" dirty="0">
+                <a:solidFill>
+                  <a:srgbClr val="008080"/>
+                </a:solidFill>
+                <a:latin typeface="Consolas" panose="020B0609020204030204" pitchFamily="49" charset="0"/>
+              </a:rPr>
+              <a:t>&lt;</a:t>
+            </a:r>
+            <a:r>
+              <a:rPr lang="en-US" dirty="0">
+                <a:solidFill>
+                  <a:srgbClr val="3F7F7F"/>
+                </a:solidFill>
+                <a:latin typeface="Consolas" panose="020B0609020204030204" pitchFamily="49" charset="0"/>
+              </a:rPr>
+              <a:t>dependency</a:t>
+            </a:r>
+            <a:r>
+              <a:rPr lang="en-US" dirty="0">
+                <a:solidFill>
+                  <a:srgbClr val="008080"/>
+                </a:solidFill>
+                <a:latin typeface="Consolas" panose="020B0609020204030204" pitchFamily="49" charset="0"/>
+              </a:rPr>
+              <a:t>&gt;</a:t>
+            </a:r>
+          </a:p>
+          <a:p>
+            <a:r>
+              <a:rPr lang="en-US" dirty="0">
+                <a:solidFill>
+                  <a:srgbClr val="008080"/>
+                </a:solidFill>
+                <a:latin typeface="Consolas" panose="020B0609020204030204" pitchFamily="49" charset="0"/>
+              </a:rPr>
+              <a:t>    &lt;</a:t>
+            </a:r>
+            <a:r>
+              <a:rPr lang="en-US" dirty="0" err="1">
+                <a:solidFill>
+                  <a:srgbClr val="3F7F7F"/>
+                </a:solidFill>
+                <a:latin typeface="Consolas" panose="020B0609020204030204" pitchFamily="49" charset="0"/>
+              </a:rPr>
+              <a:t>groupId</a:t>
+            </a:r>
+            <a:r>
+              <a:rPr lang="en-US" dirty="0">
+                <a:solidFill>
+                  <a:srgbClr val="008080"/>
+                </a:solidFill>
+                <a:latin typeface="Consolas" panose="020B0609020204030204" pitchFamily="49" charset="0"/>
+              </a:rPr>
+              <a:t>&gt;</a:t>
+            </a:r>
+            <a:r>
+              <a:rPr lang="en-US" dirty="0" err="1">
+                <a:solidFill>
+                  <a:srgbClr val="000000"/>
+                </a:solidFill>
+                <a:latin typeface="Consolas" panose="020B0609020204030204" pitchFamily="49" charset="0"/>
+              </a:rPr>
+              <a:t>org.springframework.cloud</a:t>
+            </a:r>
+            <a:r>
+              <a:rPr lang="en-US" dirty="0">
+                <a:solidFill>
+                  <a:srgbClr val="008080"/>
+                </a:solidFill>
+                <a:latin typeface="Consolas" panose="020B0609020204030204" pitchFamily="49" charset="0"/>
+              </a:rPr>
+              <a:t>&lt;/</a:t>
+            </a:r>
+            <a:r>
+              <a:rPr lang="en-US" dirty="0" err="1">
+                <a:solidFill>
+                  <a:srgbClr val="3F7F7F"/>
+                </a:solidFill>
+                <a:latin typeface="Consolas" panose="020B0609020204030204" pitchFamily="49" charset="0"/>
+              </a:rPr>
+              <a:t>groupId</a:t>
+            </a:r>
+            <a:r>
+              <a:rPr lang="en-US" dirty="0">
+                <a:solidFill>
+                  <a:srgbClr val="008080"/>
+                </a:solidFill>
+                <a:latin typeface="Consolas" panose="020B0609020204030204" pitchFamily="49" charset="0"/>
+              </a:rPr>
+              <a:t>&gt;</a:t>
+            </a:r>
+          </a:p>
+          <a:p>
+            <a:r>
+              <a:rPr lang="en-US" dirty="0">
+                <a:solidFill>
+                  <a:srgbClr val="008080"/>
+                </a:solidFill>
+                <a:latin typeface="Consolas" panose="020B0609020204030204" pitchFamily="49" charset="0"/>
+              </a:rPr>
+              <a:t>    &lt;</a:t>
+            </a:r>
+            <a:r>
+              <a:rPr lang="en-US" dirty="0" err="1">
+                <a:solidFill>
+                  <a:srgbClr val="3F7F7F"/>
+                </a:solidFill>
+                <a:latin typeface="Consolas" panose="020B0609020204030204" pitchFamily="49" charset="0"/>
+              </a:rPr>
+              <a:t>artifactId</a:t>
+            </a:r>
+            <a:r>
+              <a:rPr lang="en-US" dirty="0">
+                <a:solidFill>
+                  <a:srgbClr val="008080"/>
+                </a:solidFill>
+                <a:latin typeface="Consolas" panose="020B0609020204030204" pitchFamily="49" charset="0"/>
+              </a:rPr>
+              <a:t>&gt;</a:t>
+            </a:r>
+            <a:r>
+              <a:rPr lang="en-US" dirty="0">
+                <a:solidFill>
+                  <a:srgbClr val="000000"/>
+                </a:solidFill>
+                <a:latin typeface="Consolas" panose="020B0609020204030204" pitchFamily="49" charset="0"/>
+              </a:rPr>
+              <a:t>spring-cloud-starter-</a:t>
+            </a:r>
+            <a:r>
+              <a:rPr lang="en-US" u="sng" dirty="0" err="1">
+                <a:solidFill>
+                  <a:srgbClr val="000000"/>
+                </a:solidFill>
+                <a:latin typeface="Consolas" panose="020B0609020204030204" pitchFamily="49" charset="0"/>
+              </a:rPr>
+              <a:t>hystrix</a:t>
+            </a:r>
+            <a:r>
+              <a:rPr lang="en-US" u="sng" dirty="0">
+                <a:solidFill>
+                  <a:srgbClr val="008080"/>
+                </a:solidFill>
+                <a:latin typeface="Consolas" panose="020B0609020204030204" pitchFamily="49" charset="0"/>
+              </a:rPr>
+              <a:t>&lt;/</a:t>
+            </a:r>
+            <a:r>
+              <a:rPr lang="en-US" u="sng" dirty="0" err="1">
+                <a:solidFill>
+                  <a:srgbClr val="3F7F7F"/>
+                </a:solidFill>
+                <a:latin typeface="Consolas" panose="020B0609020204030204" pitchFamily="49" charset="0"/>
+              </a:rPr>
+              <a:t>artifactId</a:t>
+            </a:r>
+            <a:r>
+              <a:rPr lang="en-US" u="sng" dirty="0">
+                <a:solidFill>
+                  <a:srgbClr val="008080"/>
+                </a:solidFill>
+                <a:latin typeface="Consolas" panose="020B0609020204030204" pitchFamily="49" charset="0"/>
+              </a:rPr>
+              <a:t>&gt;</a:t>
+            </a:r>
+          </a:p>
+          <a:p>
+            <a:r>
+              <a:rPr lang="en-US" dirty="0">
+                <a:solidFill>
+                  <a:srgbClr val="008080"/>
+                </a:solidFill>
+                <a:latin typeface="Consolas" panose="020B0609020204030204" pitchFamily="49" charset="0"/>
+              </a:rPr>
+              <a:t>&lt;/</a:t>
+            </a:r>
+            <a:r>
+              <a:rPr lang="en-US" dirty="0">
+                <a:solidFill>
+                  <a:srgbClr val="3F7F7F"/>
+                </a:solidFill>
+                <a:latin typeface="Consolas" panose="020B0609020204030204" pitchFamily="49" charset="0"/>
+              </a:rPr>
+              <a:t>dependency</a:t>
+            </a:r>
+            <a:r>
+              <a:rPr lang="en-US" dirty="0">
+                <a:solidFill>
+                  <a:srgbClr val="008080"/>
+                </a:solidFill>
+                <a:latin typeface="Consolas" panose="020B0609020204030204" pitchFamily="49" charset="0"/>
+              </a:rPr>
+              <a:t>&gt;</a:t>
+            </a:r>
+          </a:p>
+          <a:p>
+            <a:r>
+              <a:rPr lang="en-US" dirty="0">
+                <a:solidFill>
+                  <a:srgbClr val="008080"/>
+                </a:solidFill>
+                <a:latin typeface="Consolas" panose="020B0609020204030204" pitchFamily="49" charset="0"/>
+              </a:rPr>
+              <a:t>&lt;</a:t>
+            </a:r>
+            <a:r>
+              <a:rPr lang="en-US" dirty="0">
+                <a:solidFill>
+                  <a:srgbClr val="3F7F7F"/>
+                </a:solidFill>
+                <a:latin typeface="Consolas" panose="020B0609020204030204" pitchFamily="49" charset="0"/>
+              </a:rPr>
+              <a:t>dependency</a:t>
+            </a:r>
+            <a:r>
+              <a:rPr lang="en-US" dirty="0">
+                <a:solidFill>
+                  <a:srgbClr val="008080"/>
+                </a:solidFill>
+                <a:latin typeface="Consolas" panose="020B0609020204030204" pitchFamily="49" charset="0"/>
+              </a:rPr>
+              <a:t>&gt;</a:t>
+            </a:r>
+          </a:p>
+          <a:p>
+            <a:r>
+              <a:rPr lang="en-US" dirty="0">
+                <a:solidFill>
+                  <a:srgbClr val="008080"/>
+                </a:solidFill>
+                <a:latin typeface="Consolas" panose="020B0609020204030204" pitchFamily="49" charset="0"/>
+              </a:rPr>
+              <a:t>    &lt;</a:t>
+            </a:r>
+            <a:r>
+              <a:rPr lang="en-US" dirty="0" err="1">
+                <a:solidFill>
+                  <a:srgbClr val="3F7F7F"/>
+                </a:solidFill>
+                <a:latin typeface="Consolas" panose="020B0609020204030204" pitchFamily="49" charset="0"/>
+              </a:rPr>
+              <a:t>groupId</a:t>
+            </a:r>
+            <a:r>
+              <a:rPr lang="en-US" dirty="0">
+                <a:solidFill>
+                  <a:srgbClr val="008080"/>
+                </a:solidFill>
+                <a:latin typeface="Consolas" panose="020B0609020204030204" pitchFamily="49" charset="0"/>
+              </a:rPr>
+              <a:t>&gt;</a:t>
+            </a:r>
+            <a:r>
+              <a:rPr lang="en-US" dirty="0" err="1">
+                <a:solidFill>
+                  <a:srgbClr val="000000"/>
+                </a:solidFill>
+                <a:latin typeface="Consolas" panose="020B0609020204030204" pitchFamily="49" charset="0"/>
+              </a:rPr>
+              <a:t>org.springframework.cloud</a:t>
+            </a:r>
+            <a:r>
+              <a:rPr lang="en-US" dirty="0">
+                <a:solidFill>
+                  <a:srgbClr val="008080"/>
+                </a:solidFill>
+                <a:latin typeface="Consolas" panose="020B0609020204030204" pitchFamily="49" charset="0"/>
+              </a:rPr>
+              <a:t>&lt;/</a:t>
+            </a:r>
+            <a:r>
+              <a:rPr lang="en-US" dirty="0" err="1">
+                <a:solidFill>
+                  <a:srgbClr val="3F7F7F"/>
+                </a:solidFill>
+                <a:latin typeface="Consolas" panose="020B0609020204030204" pitchFamily="49" charset="0"/>
+              </a:rPr>
+              <a:t>groupId</a:t>
+            </a:r>
+            <a:r>
+              <a:rPr lang="en-US" dirty="0">
+                <a:solidFill>
+                  <a:srgbClr val="008080"/>
+                </a:solidFill>
+                <a:latin typeface="Consolas" panose="020B0609020204030204" pitchFamily="49" charset="0"/>
+              </a:rPr>
+              <a:t>&gt;</a:t>
+            </a:r>
+          </a:p>
+          <a:p>
+            <a:r>
+              <a:rPr lang="en-US" dirty="0">
+                <a:solidFill>
+                  <a:srgbClr val="008080"/>
+                </a:solidFill>
+                <a:latin typeface="Consolas" panose="020B0609020204030204" pitchFamily="49" charset="0"/>
+              </a:rPr>
+              <a:t>    &lt;</a:t>
+            </a:r>
+            <a:r>
+              <a:rPr lang="en-US" dirty="0" err="1">
+                <a:solidFill>
+                  <a:srgbClr val="3F7F7F"/>
+                </a:solidFill>
+                <a:latin typeface="Consolas" panose="020B0609020204030204" pitchFamily="49" charset="0"/>
+              </a:rPr>
+              <a:t>artifactId</a:t>
+            </a:r>
+            <a:r>
+              <a:rPr lang="en-US" dirty="0">
+                <a:solidFill>
+                  <a:srgbClr val="008080"/>
+                </a:solidFill>
+                <a:latin typeface="Consolas" panose="020B0609020204030204" pitchFamily="49" charset="0"/>
+              </a:rPr>
+              <a:t>&gt;</a:t>
+            </a:r>
+            <a:r>
+              <a:rPr lang="en-US" dirty="0">
+                <a:solidFill>
+                  <a:srgbClr val="000000"/>
+                </a:solidFill>
+                <a:latin typeface="Consolas" panose="020B0609020204030204" pitchFamily="49" charset="0"/>
+              </a:rPr>
+              <a:t>spring-cloud-starter-</a:t>
+            </a:r>
+            <a:r>
+              <a:rPr lang="en-US" u="sng" dirty="0" err="1">
+                <a:solidFill>
+                  <a:srgbClr val="000000"/>
+                </a:solidFill>
+                <a:latin typeface="Consolas" panose="020B0609020204030204" pitchFamily="49" charset="0"/>
+              </a:rPr>
+              <a:t>netflix</a:t>
+            </a:r>
+            <a:r>
+              <a:rPr lang="en-US" u="sng" dirty="0">
+                <a:solidFill>
+                  <a:srgbClr val="000000"/>
+                </a:solidFill>
+                <a:latin typeface="Consolas" panose="020B0609020204030204" pitchFamily="49" charset="0"/>
+              </a:rPr>
+              <a:t>-</a:t>
+            </a:r>
+            <a:r>
+              <a:rPr lang="en-US" u="sng" dirty="0" err="1">
+                <a:solidFill>
+                  <a:srgbClr val="000000"/>
+                </a:solidFill>
+                <a:latin typeface="Consolas" panose="020B0609020204030204" pitchFamily="49" charset="0"/>
+              </a:rPr>
+              <a:t>hystrix</a:t>
+            </a:r>
+            <a:r>
+              <a:rPr lang="en-US" u="sng" dirty="0">
+                <a:solidFill>
+                  <a:srgbClr val="000000"/>
+                </a:solidFill>
+                <a:latin typeface="Consolas" panose="020B0609020204030204" pitchFamily="49" charset="0"/>
+              </a:rPr>
+              <a:t>-dashboard</a:t>
+            </a:r>
+            <a:r>
+              <a:rPr lang="en-US" u="sng" dirty="0">
+                <a:solidFill>
+                  <a:srgbClr val="008080"/>
+                </a:solidFill>
+                <a:latin typeface="Consolas" panose="020B0609020204030204" pitchFamily="49" charset="0"/>
+              </a:rPr>
+              <a:t>&lt;/</a:t>
+            </a:r>
+            <a:r>
+              <a:rPr lang="en-US" u="sng" dirty="0" err="1">
+                <a:solidFill>
+                  <a:srgbClr val="3F7F7F"/>
+                </a:solidFill>
+                <a:latin typeface="Consolas" panose="020B0609020204030204" pitchFamily="49" charset="0"/>
+              </a:rPr>
+              <a:t>artifactId</a:t>
+            </a:r>
+            <a:r>
+              <a:rPr lang="en-US" u="sng" dirty="0">
+                <a:solidFill>
+                  <a:srgbClr val="008080"/>
+                </a:solidFill>
+                <a:latin typeface="Consolas" panose="020B0609020204030204" pitchFamily="49" charset="0"/>
+              </a:rPr>
+              <a:t>&gt;</a:t>
+            </a:r>
+          </a:p>
+          <a:p>
+            <a:r>
+              <a:rPr lang="en-US" dirty="0">
+                <a:solidFill>
+                  <a:srgbClr val="008080"/>
+                </a:solidFill>
+                <a:latin typeface="Consolas" panose="020B0609020204030204" pitchFamily="49" charset="0"/>
+              </a:rPr>
+              <a:t>&lt;/</a:t>
+            </a:r>
+            <a:r>
+              <a:rPr lang="en-US" dirty="0">
+                <a:solidFill>
+                  <a:srgbClr val="3F7F7F"/>
+                </a:solidFill>
+                <a:latin typeface="Consolas" panose="020B0609020204030204" pitchFamily="49" charset="0"/>
+              </a:rPr>
+              <a:t>dependency</a:t>
+            </a:r>
+            <a:r>
+              <a:rPr lang="en-US" dirty="0">
+                <a:solidFill>
+                  <a:srgbClr val="008080"/>
+                </a:solidFill>
+                <a:latin typeface="Consolas" panose="020B0609020204030204" pitchFamily="49" charset="0"/>
+              </a:rPr>
+              <a:t>&gt;</a:t>
+            </a:r>
+            <a:endParaRPr lang="en-US" dirty="0"/>
+          </a:p>
+        </p:txBody>
+      </p:sp>
+      <p:sp>
+        <p:nvSpPr>
+          <p:cNvPr id="6" name="Rectangle 5">
+            <a:extLst>
+              <a:ext uri="{FF2B5EF4-FFF2-40B4-BE49-F238E27FC236}">
+                <a16:creationId xmlns:a16="http://schemas.microsoft.com/office/drawing/2014/main" id="{3A018C51-09BE-4359-8671-367E50057204}"/>
+              </a:ext>
+            </a:extLst>
+          </p:cNvPr>
+          <p:cNvSpPr/>
+          <p:nvPr/>
+        </p:nvSpPr>
+        <p:spPr>
+          <a:xfrm>
+            <a:off x="1007326" y="4721465"/>
+            <a:ext cx="6096000" cy="646331"/>
+          </a:xfrm>
+          <a:prstGeom prst="rect">
+            <a:avLst/>
+          </a:prstGeom>
+        </p:spPr>
+        <p:txBody>
+          <a:bodyPr>
+            <a:spAutoFit/>
+          </a:bodyPr>
+          <a:lstStyle/>
+          <a:p>
+            <a:r>
+              <a:rPr lang="en-US" dirty="0">
+                <a:solidFill>
+                  <a:srgbClr val="646464"/>
+                </a:solidFill>
+                <a:latin typeface="Consolas" panose="020B0609020204030204" pitchFamily="49" charset="0"/>
+              </a:rPr>
+              <a:t>@</a:t>
+            </a:r>
+            <a:r>
+              <a:rPr lang="en-US" dirty="0" err="1">
+                <a:solidFill>
+                  <a:srgbClr val="646464"/>
+                </a:solidFill>
+                <a:latin typeface="Consolas" panose="020B0609020204030204" pitchFamily="49" charset="0"/>
+              </a:rPr>
+              <a:t>EnableHystrix</a:t>
+            </a:r>
+            <a:endParaRPr lang="en-US" dirty="0">
+              <a:solidFill>
+                <a:srgbClr val="646464"/>
+              </a:solidFill>
+              <a:latin typeface="Consolas" panose="020B0609020204030204" pitchFamily="49" charset="0"/>
+            </a:endParaRPr>
+          </a:p>
+          <a:p>
+            <a:r>
+              <a:rPr lang="en-US" b="1" dirty="0">
+                <a:solidFill>
+                  <a:srgbClr val="7F0055"/>
+                </a:solidFill>
+                <a:latin typeface="Consolas" panose="020B0609020204030204" pitchFamily="49" charset="0"/>
+              </a:rPr>
+              <a:t>public</a:t>
+            </a:r>
+            <a:r>
+              <a:rPr lang="en-US" b="1" dirty="0">
+                <a:solidFill>
+                  <a:srgbClr val="000000"/>
+                </a:solidFill>
+                <a:latin typeface="Consolas" panose="020B0609020204030204" pitchFamily="49" charset="0"/>
+              </a:rPr>
+              <a:t> </a:t>
+            </a:r>
+            <a:r>
+              <a:rPr lang="en-US" b="1" dirty="0">
+                <a:solidFill>
+                  <a:srgbClr val="7F0055"/>
+                </a:solidFill>
+                <a:latin typeface="Consolas" panose="020B0609020204030204" pitchFamily="49" charset="0"/>
+              </a:rPr>
+              <a:t>class</a:t>
+            </a:r>
+            <a:r>
+              <a:rPr lang="en-US" b="1" dirty="0">
+                <a:solidFill>
+                  <a:srgbClr val="000000"/>
+                </a:solidFill>
+                <a:latin typeface="Consolas" panose="020B0609020204030204" pitchFamily="49" charset="0"/>
+              </a:rPr>
+              <a:t> </a:t>
+            </a:r>
+            <a:r>
+              <a:rPr lang="en-US" b="1" dirty="0" err="1">
+                <a:solidFill>
+                  <a:srgbClr val="000000"/>
+                </a:solidFill>
+                <a:highlight>
+                  <a:srgbClr val="D4D4D4"/>
+                </a:highlight>
+                <a:latin typeface="Consolas" panose="020B0609020204030204" pitchFamily="49" charset="0"/>
+              </a:rPr>
+              <a:t>TrngHystrixCbApplication</a:t>
+            </a:r>
+            <a:r>
+              <a:rPr lang="en-US" b="1" dirty="0">
+                <a:solidFill>
+                  <a:srgbClr val="000000"/>
+                </a:solidFill>
+                <a:highlight>
+                  <a:srgbClr val="D4D4D4"/>
+                </a:highlight>
+                <a:latin typeface="Consolas" panose="020B0609020204030204" pitchFamily="49" charset="0"/>
+              </a:rPr>
+              <a:t> {</a:t>
+            </a:r>
+            <a:endParaRPr lang="en-US" dirty="0"/>
+          </a:p>
+        </p:txBody>
+      </p:sp>
+      <p:sp>
+        <p:nvSpPr>
+          <p:cNvPr id="7" name="Rectangle 6">
+            <a:extLst>
+              <a:ext uri="{FF2B5EF4-FFF2-40B4-BE49-F238E27FC236}">
+                <a16:creationId xmlns:a16="http://schemas.microsoft.com/office/drawing/2014/main" id="{6172134E-AF06-4E9B-A3BB-549010E763C4}"/>
+              </a:ext>
+            </a:extLst>
+          </p:cNvPr>
+          <p:cNvSpPr/>
+          <p:nvPr/>
+        </p:nvSpPr>
+        <p:spPr>
+          <a:xfrm>
+            <a:off x="1007326" y="3142423"/>
+            <a:ext cx="9987778" cy="1200329"/>
+          </a:xfrm>
+          <a:prstGeom prst="rect">
+            <a:avLst/>
+          </a:prstGeom>
+        </p:spPr>
+        <p:txBody>
+          <a:bodyPr wrap="square">
+            <a:spAutoFit/>
+          </a:bodyPr>
+          <a:lstStyle/>
+          <a:p>
+            <a:r>
+              <a:rPr lang="en-US" dirty="0">
+                <a:solidFill>
+                  <a:srgbClr val="008080"/>
+                </a:solidFill>
+                <a:latin typeface="Consolas" panose="020B0609020204030204" pitchFamily="49" charset="0"/>
+              </a:rPr>
+              <a:t>&lt;</a:t>
+            </a:r>
+            <a:r>
+              <a:rPr lang="en-US" dirty="0">
+                <a:solidFill>
+                  <a:srgbClr val="3F7F7F"/>
+                </a:solidFill>
+                <a:latin typeface="Consolas" panose="020B0609020204030204" pitchFamily="49" charset="0"/>
+              </a:rPr>
+              <a:t>dependency</a:t>
+            </a:r>
+            <a:r>
+              <a:rPr lang="en-US" dirty="0">
+                <a:solidFill>
+                  <a:srgbClr val="008080"/>
+                </a:solidFill>
+                <a:latin typeface="Consolas" panose="020B0609020204030204" pitchFamily="49" charset="0"/>
+              </a:rPr>
+              <a:t>&gt;</a:t>
+            </a:r>
+          </a:p>
+          <a:p>
+            <a:r>
+              <a:rPr lang="en-US" dirty="0">
+                <a:solidFill>
+                  <a:srgbClr val="008080"/>
+                </a:solidFill>
+                <a:latin typeface="Consolas" panose="020B0609020204030204" pitchFamily="49" charset="0"/>
+              </a:rPr>
+              <a:t>&lt;</a:t>
+            </a:r>
+            <a:r>
+              <a:rPr lang="en-US" dirty="0" err="1">
+                <a:solidFill>
+                  <a:srgbClr val="3F7F7F"/>
+                </a:solidFill>
+                <a:latin typeface="Consolas" panose="020B0609020204030204" pitchFamily="49" charset="0"/>
+              </a:rPr>
+              <a:t>groupId</a:t>
+            </a:r>
+            <a:r>
+              <a:rPr lang="en-US" dirty="0">
+                <a:solidFill>
+                  <a:srgbClr val="008080"/>
+                </a:solidFill>
+                <a:latin typeface="Consolas" panose="020B0609020204030204" pitchFamily="49" charset="0"/>
+              </a:rPr>
+              <a:t>&gt;</a:t>
+            </a:r>
+            <a:r>
+              <a:rPr lang="en-US" dirty="0" err="1">
+                <a:solidFill>
+                  <a:srgbClr val="000000"/>
+                </a:solidFill>
+                <a:latin typeface="Consolas" panose="020B0609020204030204" pitchFamily="49" charset="0"/>
+              </a:rPr>
+              <a:t>org.springframework.boot</a:t>
+            </a:r>
+            <a:r>
+              <a:rPr lang="en-US" dirty="0">
+                <a:solidFill>
+                  <a:srgbClr val="008080"/>
+                </a:solidFill>
+                <a:latin typeface="Consolas" panose="020B0609020204030204" pitchFamily="49" charset="0"/>
+              </a:rPr>
+              <a:t>&lt;/</a:t>
+            </a:r>
+            <a:r>
+              <a:rPr lang="en-US" dirty="0" err="1">
+                <a:solidFill>
+                  <a:srgbClr val="3F7F7F"/>
+                </a:solidFill>
+                <a:latin typeface="Consolas" panose="020B0609020204030204" pitchFamily="49" charset="0"/>
+              </a:rPr>
+              <a:t>groupId</a:t>
+            </a:r>
+            <a:r>
+              <a:rPr lang="en-US" dirty="0">
+                <a:solidFill>
+                  <a:srgbClr val="008080"/>
+                </a:solidFill>
+                <a:latin typeface="Consolas" panose="020B0609020204030204" pitchFamily="49" charset="0"/>
+              </a:rPr>
+              <a:t>&gt;</a:t>
+            </a:r>
+          </a:p>
+          <a:p>
+            <a:r>
+              <a:rPr lang="en-US" dirty="0">
+                <a:solidFill>
+                  <a:srgbClr val="008080"/>
+                </a:solidFill>
+                <a:latin typeface="Consolas" panose="020B0609020204030204" pitchFamily="49" charset="0"/>
+              </a:rPr>
+              <a:t>&lt;</a:t>
+            </a:r>
+            <a:r>
+              <a:rPr lang="en-US" dirty="0" err="1">
+                <a:solidFill>
+                  <a:srgbClr val="3F7F7F"/>
+                </a:solidFill>
+                <a:latin typeface="Consolas" panose="020B0609020204030204" pitchFamily="49" charset="0"/>
+              </a:rPr>
+              <a:t>artifactId</a:t>
+            </a:r>
+            <a:r>
+              <a:rPr lang="en-US" dirty="0">
+                <a:solidFill>
+                  <a:srgbClr val="008080"/>
+                </a:solidFill>
+                <a:latin typeface="Consolas" panose="020B0609020204030204" pitchFamily="49" charset="0"/>
+              </a:rPr>
+              <a:t>&gt;</a:t>
+            </a:r>
+            <a:r>
+              <a:rPr lang="en-US" dirty="0">
+                <a:solidFill>
+                  <a:srgbClr val="000000"/>
+                </a:solidFill>
+                <a:latin typeface="Consolas" panose="020B0609020204030204" pitchFamily="49" charset="0"/>
+              </a:rPr>
+              <a:t>spring-boot-starter-actuator</a:t>
+            </a:r>
+            <a:r>
+              <a:rPr lang="en-US" dirty="0">
+                <a:solidFill>
+                  <a:srgbClr val="008080"/>
+                </a:solidFill>
+                <a:latin typeface="Consolas" panose="020B0609020204030204" pitchFamily="49" charset="0"/>
+              </a:rPr>
+              <a:t>&lt;/</a:t>
+            </a:r>
+            <a:r>
+              <a:rPr lang="en-US" dirty="0" err="1">
+                <a:solidFill>
+                  <a:srgbClr val="3F7F7F"/>
+                </a:solidFill>
+                <a:latin typeface="Consolas" panose="020B0609020204030204" pitchFamily="49" charset="0"/>
+              </a:rPr>
+              <a:t>artifactId</a:t>
+            </a:r>
+            <a:r>
+              <a:rPr lang="en-US" dirty="0">
+                <a:solidFill>
+                  <a:srgbClr val="008080"/>
+                </a:solidFill>
+                <a:latin typeface="Consolas" panose="020B0609020204030204" pitchFamily="49" charset="0"/>
+              </a:rPr>
+              <a:t>&gt;</a:t>
+            </a:r>
+          </a:p>
+          <a:p>
+            <a:r>
+              <a:rPr lang="en-US" dirty="0">
+                <a:solidFill>
+                  <a:srgbClr val="008080"/>
+                </a:solidFill>
+                <a:latin typeface="Consolas" panose="020B0609020204030204" pitchFamily="49" charset="0"/>
+              </a:rPr>
+              <a:t>&lt;/</a:t>
+            </a:r>
+            <a:r>
+              <a:rPr lang="en-US" dirty="0">
+                <a:solidFill>
+                  <a:srgbClr val="3F7F7F"/>
+                </a:solidFill>
+                <a:latin typeface="Consolas" panose="020B0609020204030204" pitchFamily="49" charset="0"/>
+              </a:rPr>
+              <a:t>dependency</a:t>
+            </a:r>
+            <a:r>
+              <a:rPr lang="en-US" dirty="0">
+                <a:solidFill>
+                  <a:srgbClr val="008080"/>
+                </a:solidFill>
+                <a:latin typeface="Consolas" panose="020B0609020204030204" pitchFamily="49" charset="0"/>
+              </a:rPr>
+              <a:t>&gt;</a:t>
+            </a:r>
+            <a:endParaRPr lang="en-US" dirty="0"/>
+          </a:p>
+        </p:txBody>
+      </p:sp>
+    </p:spTree>
+    <p:extLst>
+      <p:ext uri="{BB962C8B-B14F-4D97-AF65-F5344CB8AC3E}">
+        <p14:creationId xmlns:p14="http://schemas.microsoft.com/office/powerpoint/2010/main" val="561735422"/>
+      </p:ext>
+    </p:extLst>
+  </p:cSld>
+  <p:clrMapOvr>
+    <a:masterClrMapping/>
+  </p:clrMapOvr>
+</p:sld>
+</file>
+
+<file path=ppt/slides/slide22.xml><?xml version="1.0" encoding="utf-8"?>
+<p:sld xmlns:a="http://schemas.openxmlformats.org/drawingml/2006/main" xmlns:r="http://schemas.openxmlformats.org/officeDocument/2006/relationships" xmlns:p="http://schemas.openxmlformats.org/presentationml/2006/main">
+  <p:cSld>
+    <p:spTree>
+      <p:nvGrpSpPr>
+        <p:cNvPr id="1" name=""/>
+        <p:cNvGrpSpPr/>
+        <p:nvPr/>
+      </p:nvGrpSpPr>
+      <p:grpSpPr>
+        <a:xfrm>
+          <a:off x="0" y="0"/>
+          <a:ext cx="0" cy="0"/>
+          <a:chOff x="0" y="0"/>
+          <a:chExt cx="0" cy="0"/>
+        </a:xfrm>
+      </p:grpSpPr>
+      <p:sp>
+        <p:nvSpPr>
+          <p:cNvPr id="2" name="Title 1">
+            <a:extLst>
+              <a:ext uri="{FF2B5EF4-FFF2-40B4-BE49-F238E27FC236}">
+                <a16:creationId xmlns:a16="http://schemas.microsoft.com/office/drawing/2014/main" id="{5BA3DBEF-E872-4C19-8FAA-DD3281BD7697}"/>
+              </a:ext>
+            </a:extLst>
+          </p:cNvPr>
+          <p:cNvSpPr>
+            <a:spLocks noGrp="1"/>
+          </p:cNvSpPr>
+          <p:nvPr>
+            <p:ph type="ctrTitle"/>
+          </p:nvPr>
+        </p:nvSpPr>
+        <p:spPr>
+          <a:xfrm>
+            <a:off x="1523999" y="0"/>
+            <a:ext cx="9144000" cy="833670"/>
+          </a:xfrm>
+        </p:spPr>
+        <p:txBody>
+          <a:bodyPr>
+            <a:normAutofit/>
+          </a:bodyPr>
+          <a:lstStyle/>
+          <a:p>
+            <a:r>
+              <a:rPr lang="en-US" sz="3600" dirty="0" err="1"/>
+              <a:t>Hystrix</a:t>
+            </a:r>
+            <a:r>
+              <a:rPr lang="en-US" sz="3600" dirty="0"/>
+              <a:t> Stream Dash Board</a:t>
+            </a:r>
+          </a:p>
+        </p:txBody>
+      </p:sp>
+      <p:sp>
+        <p:nvSpPr>
+          <p:cNvPr id="15" name="Rectangle 14">
+            <a:extLst>
+              <a:ext uri="{FF2B5EF4-FFF2-40B4-BE49-F238E27FC236}">
+                <a16:creationId xmlns:a16="http://schemas.microsoft.com/office/drawing/2014/main" id="{7CB8AE79-CD6A-4D3A-940C-67BD27703664}"/>
+              </a:ext>
+            </a:extLst>
+          </p:cNvPr>
+          <p:cNvSpPr/>
+          <p:nvPr/>
+        </p:nvSpPr>
+        <p:spPr>
+          <a:xfrm>
+            <a:off x="1141139" y="5746509"/>
+            <a:ext cx="8136676" cy="369332"/>
+          </a:xfrm>
+          <a:prstGeom prst="rect">
+            <a:avLst/>
+          </a:prstGeom>
+        </p:spPr>
+        <p:txBody>
+          <a:bodyPr wrap="square">
+            <a:spAutoFit/>
+          </a:bodyPr>
+          <a:lstStyle/>
+          <a:p>
+            <a:r>
+              <a:rPr lang="en-US" dirty="0"/>
+              <a:t>http://localhost:9098/hystrix/monitor?stream=http://localhost:8815/hystrix.stream</a:t>
+            </a:r>
+          </a:p>
+        </p:txBody>
+      </p:sp>
+      <p:sp>
+        <p:nvSpPr>
+          <p:cNvPr id="5" name="Rectangle 4">
+            <a:extLst>
+              <a:ext uri="{FF2B5EF4-FFF2-40B4-BE49-F238E27FC236}">
+                <a16:creationId xmlns:a16="http://schemas.microsoft.com/office/drawing/2014/main" id="{5362B26F-4E8C-46C3-B08B-3F95EE5DF466}"/>
+              </a:ext>
+            </a:extLst>
+          </p:cNvPr>
+          <p:cNvSpPr/>
+          <p:nvPr/>
+        </p:nvSpPr>
+        <p:spPr>
+          <a:xfrm>
+            <a:off x="1007326" y="834099"/>
+            <a:ext cx="9961757" cy="2308324"/>
+          </a:xfrm>
+          <a:prstGeom prst="rect">
+            <a:avLst/>
+          </a:prstGeom>
+        </p:spPr>
+        <p:txBody>
+          <a:bodyPr wrap="square">
+            <a:spAutoFit/>
+          </a:bodyPr>
+          <a:lstStyle/>
+          <a:p>
+            <a:r>
+              <a:rPr lang="en-US" dirty="0">
+                <a:solidFill>
+                  <a:srgbClr val="008080"/>
+                </a:solidFill>
+                <a:latin typeface="Consolas" panose="020B0609020204030204" pitchFamily="49" charset="0"/>
+              </a:rPr>
+              <a:t>&lt;</a:t>
+            </a:r>
+            <a:r>
+              <a:rPr lang="en-US" dirty="0">
+                <a:solidFill>
+                  <a:srgbClr val="3F7F7F"/>
+                </a:solidFill>
+                <a:latin typeface="Consolas" panose="020B0609020204030204" pitchFamily="49" charset="0"/>
+              </a:rPr>
+              <a:t>dependency</a:t>
+            </a:r>
+            <a:r>
+              <a:rPr lang="en-US" dirty="0">
+                <a:solidFill>
+                  <a:srgbClr val="008080"/>
+                </a:solidFill>
+                <a:latin typeface="Consolas" panose="020B0609020204030204" pitchFamily="49" charset="0"/>
+              </a:rPr>
+              <a:t>&gt;</a:t>
+            </a:r>
+          </a:p>
+          <a:p>
+            <a:r>
+              <a:rPr lang="en-US" dirty="0">
+                <a:solidFill>
+                  <a:srgbClr val="008080"/>
+                </a:solidFill>
+                <a:latin typeface="Consolas" panose="020B0609020204030204" pitchFamily="49" charset="0"/>
+              </a:rPr>
+              <a:t>    &lt;</a:t>
+            </a:r>
+            <a:r>
+              <a:rPr lang="en-US" dirty="0" err="1">
+                <a:solidFill>
+                  <a:srgbClr val="3F7F7F"/>
+                </a:solidFill>
+                <a:latin typeface="Consolas" panose="020B0609020204030204" pitchFamily="49" charset="0"/>
+              </a:rPr>
+              <a:t>groupId</a:t>
+            </a:r>
+            <a:r>
+              <a:rPr lang="en-US" dirty="0">
+                <a:solidFill>
+                  <a:srgbClr val="008080"/>
+                </a:solidFill>
+                <a:latin typeface="Consolas" panose="020B0609020204030204" pitchFamily="49" charset="0"/>
+              </a:rPr>
+              <a:t>&gt;</a:t>
+            </a:r>
+            <a:r>
+              <a:rPr lang="en-US" dirty="0" err="1">
+                <a:solidFill>
+                  <a:srgbClr val="000000"/>
+                </a:solidFill>
+                <a:latin typeface="Consolas" panose="020B0609020204030204" pitchFamily="49" charset="0"/>
+              </a:rPr>
+              <a:t>org.springframework.cloud</a:t>
+            </a:r>
+            <a:r>
+              <a:rPr lang="en-US" dirty="0">
+                <a:solidFill>
+                  <a:srgbClr val="008080"/>
+                </a:solidFill>
+                <a:latin typeface="Consolas" panose="020B0609020204030204" pitchFamily="49" charset="0"/>
+              </a:rPr>
+              <a:t>&lt;/</a:t>
+            </a:r>
+            <a:r>
+              <a:rPr lang="en-US" dirty="0" err="1">
+                <a:solidFill>
+                  <a:srgbClr val="3F7F7F"/>
+                </a:solidFill>
+                <a:latin typeface="Consolas" panose="020B0609020204030204" pitchFamily="49" charset="0"/>
+              </a:rPr>
+              <a:t>groupId</a:t>
+            </a:r>
+            <a:r>
+              <a:rPr lang="en-US" dirty="0">
+                <a:solidFill>
+                  <a:srgbClr val="008080"/>
+                </a:solidFill>
+                <a:latin typeface="Consolas" panose="020B0609020204030204" pitchFamily="49" charset="0"/>
+              </a:rPr>
+              <a:t>&gt;</a:t>
+            </a:r>
+          </a:p>
+          <a:p>
+            <a:r>
+              <a:rPr lang="en-US" dirty="0">
+                <a:solidFill>
+                  <a:srgbClr val="008080"/>
+                </a:solidFill>
+                <a:latin typeface="Consolas" panose="020B0609020204030204" pitchFamily="49" charset="0"/>
+              </a:rPr>
+              <a:t>    &lt;</a:t>
+            </a:r>
+            <a:r>
+              <a:rPr lang="en-US" dirty="0" err="1">
+                <a:solidFill>
+                  <a:srgbClr val="3F7F7F"/>
+                </a:solidFill>
+                <a:latin typeface="Consolas" panose="020B0609020204030204" pitchFamily="49" charset="0"/>
+              </a:rPr>
+              <a:t>artifactId</a:t>
+            </a:r>
+            <a:r>
+              <a:rPr lang="en-US" dirty="0">
+                <a:solidFill>
+                  <a:srgbClr val="008080"/>
+                </a:solidFill>
+                <a:latin typeface="Consolas" panose="020B0609020204030204" pitchFamily="49" charset="0"/>
+              </a:rPr>
+              <a:t>&gt;</a:t>
+            </a:r>
+            <a:r>
+              <a:rPr lang="en-US" dirty="0">
+                <a:solidFill>
+                  <a:srgbClr val="000000"/>
+                </a:solidFill>
+                <a:latin typeface="Consolas" panose="020B0609020204030204" pitchFamily="49" charset="0"/>
+              </a:rPr>
+              <a:t>spring-cloud-starter-</a:t>
+            </a:r>
+            <a:r>
+              <a:rPr lang="en-US" u="sng" dirty="0" err="1">
+                <a:solidFill>
+                  <a:srgbClr val="000000"/>
+                </a:solidFill>
+                <a:latin typeface="Consolas" panose="020B0609020204030204" pitchFamily="49" charset="0"/>
+              </a:rPr>
+              <a:t>hystrix</a:t>
+            </a:r>
+            <a:r>
+              <a:rPr lang="en-US" u="sng" dirty="0">
+                <a:solidFill>
+                  <a:srgbClr val="008080"/>
+                </a:solidFill>
+                <a:latin typeface="Consolas" panose="020B0609020204030204" pitchFamily="49" charset="0"/>
+              </a:rPr>
+              <a:t>&lt;/</a:t>
+            </a:r>
+            <a:r>
+              <a:rPr lang="en-US" u="sng" dirty="0" err="1">
+                <a:solidFill>
+                  <a:srgbClr val="3F7F7F"/>
+                </a:solidFill>
+                <a:latin typeface="Consolas" panose="020B0609020204030204" pitchFamily="49" charset="0"/>
+              </a:rPr>
+              <a:t>artifactId</a:t>
+            </a:r>
+            <a:r>
+              <a:rPr lang="en-US" u="sng" dirty="0">
+                <a:solidFill>
+                  <a:srgbClr val="008080"/>
+                </a:solidFill>
+                <a:latin typeface="Consolas" panose="020B0609020204030204" pitchFamily="49" charset="0"/>
+              </a:rPr>
+              <a:t>&gt;</a:t>
+            </a:r>
+          </a:p>
+          <a:p>
+            <a:r>
+              <a:rPr lang="en-US" dirty="0">
+                <a:solidFill>
+                  <a:srgbClr val="008080"/>
+                </a:solidFill>
+                <a:latin typeface="Consolas" panose="020B0609020204030204" pitchFamily="49" charset="0"/>
+              </a:rPr>
+              <a:t>&lt;/</a:t>
+            </a:r>
+            <a:r>
+              <a:rPr lang="en-US" dirty="0">
+                <a:solidFill>
+                  <a:srgbClr val="3F7F7F"/>
+                </a:solidFill>
+                <a:latin typeface="Consolas" panose="020B0609020204030204" pitchFamily="49" charset="0"/>
+              </a:rPr>
+              <a:t>dependency</a:t>
+            </a:r>
+            <a:r>
+              <a:rPr lang="en-US" dirty="0">
+                <a:solidFill>
+                  <a:srgbClr val="008080"/>
+                </a:solidFill>
+                <a:latin typeface="Consolas" panose="020B0609020204030204" pitchFamily="49" charset="0"/>
+              </a:rPr>
+              <a:t>&gt;</a:t>
+            </a:r>
+          </a:p>
+          <a:p>
+            <a:r>
+              <a:rPr lang="en-US" dirty="0">
+                <a:solidFill>
+                  <a:srgbClr val="008080"/>
+                </a:solidFill>
+                <a:latin typeface="Consolas" panose="020B0609020204030204" pitchFamily="49" charset="0"/>
+              </a:rPr>
+              <a:t>&lt;</a:t>
+            </a:r>
+            <a:r>
+              <a:rPr lang="en-US" dirty="0">
+                <a:solidFill>
+                  <a:srgbClr val="3F7F7F"/>
+                </a:solidFill>
+                <a:latin typeface="Consolas" panose="020B0609020204030204" pitchFamily="49" charset="0"/>
+              </a:rPr>
+              <a:t>dependency</a:t>
+            </a:r>
+            <a:r>
+              <a:rPr lang="en-US" dirty="0">
+                <a:solidFill>
+                  <a:srgbClr val="008080"/>
+                </a:solidFill>
+                <a:latin typeface="Consolas" panose="020B0609020204030204" pitchFamily="49" charset="0"/>
+              </a:rPr>
+              <a:t>&gt;</a:t>
+            </a:r>
+          </a:p>
+          <a:p>
+            <a:r>
+              <a:rPr lang="en-US" dirty="0">
+                <a:solidFill>
+                  <a:srgbClr val="008080"/>
+                </a:solidFill>
+                <a:latin typeface="Consolas" panose="020B0609020204030204" pitchFamily="49" charset="0"/>
+              </a:rPr>
+              <a:t>    &lt;</a:t>
+            </a:r>
+            <a:r>
+              <a:rPr lang="en-US" dirty="0" err="1">
+                <a:solidFill>
+                  <a:srgbClr val="3F7F7F"/>
+                </a:solidFill>
+                <a:latin typeface="Consolas" panose="020B0609020204030204" pitchFamily="49" charset="0"/>
+              </a:rPr>
+              <a:t>groupId</a:t>
+            </a:r>
+            <a:r>
+              <a:rPr lang="en-US" dirty="0">
+                <a:solidFill>
+                  <a:srgbClr val="008080"/>
+                </a:solidFill>
+                <a:latin typeface="Consolas" panose="020B0609020204030204" pitchFamily="49" charset="0"/>
+              </a:rPr>
+              <a:t>&gt;</a:t>
+            </a:r>
+            <a:r>
+              <a:rPr lang="en-US" dirty="0" err="1">
+                <a:solidFill>
+                  <a:srgbClr val="000000"/>
+                </a:solidFill>
+                <a:latin typeface="Consolas" panose="020B0609020204030204" pitchFamily="49" charset="0"/>
+              </a:rPr>
+              <a:t>org.springframework.cloud</a:t>
+            </a:r>
+            <a:r>
+              <a:rPr lang="en-US" dirty="0">
+                <a:solidFill>
+                  <a:srgbClr val="008080"/>
+                </a:solidFill>
+                <a:latin typeface="Consolas" panose="020B0609020204030204" pitchFamily="49" charset="0"/>
+              </a:rPr>
+              <a:t>&lt;/</a:t>
+            </a:r>
+            <a:r>
+              <a:rPr lang="en-US" dirty="0" err="1">
+                <a:solidFill>
+                  <a:srgbClr val="3F7F7F"/>
+                </a:solidFill>
+                <a:latin typeface="Consolas" panose="020B0609020204030204" pitchFamily="49" charset="0"/>
+              </a:rPr>
+              <a:t>groupId</a:t>
+            </a:r>
+            <a:r>
+              <a:rPr lang="en-US" dirty="0">
+                <a:solidFill>
+                  <a:srgbClr val="008080"/>
+                </a:solidFill>
+                <a:latin typeface="Consolas" panose="020B0609020204030204" pitchFamily="49" charset="0"/>
+              </a:rPr>
+              <a:t>&gt;</a:t>
+            </a:r>
+          </a:p>
+          <a:p>
+            <a:r>
+              <a:rPr lang="en-US" dirty="0">
+                <a:solidFill>
+                  <a:srgbClr val="008080"/>
+                </a:solidFill>
+                <a:latin typeface="Consolas" panose="020B0609020204030204" pitchFamily="49" charset="0"/>
+              </a:rPr>
+              <a:t>    &lt;</a:t>
+            </a:r>
+            <a:r>
+              <a:rPr lang="en-US" dirty="0" err="1">
+                <a:solidFill>
+                  <a:srgbClr val="3F7F7F"/>
+                </a:solidFill>
+                <a:latin typeface="Consolas" panose="020B0609020204030204" pitchFamily="49" charset="0"/>
+              </a:rPr>
+              <a:t>artifactId</a:t>
+            </a:r>
+            <a:r>
+              <a:rPr lang="en-US" dirty="0">
+                <a:solidFill>
+                  <a:srgbClr val="008080"/>
+                </a:solidFill>
+                <a:latin typeface="Consolas" panose="020B0609020204030204" pitchFamily="49" charset="0"/>
+              </a:rPr>
+              <a:t>&gt;</a:t>
+            </a:r>
+            <a:r>
+              <a:rPr lang="en-US" dirty="0">
+                <a:solidFill>
+                  <a:srgbClr val="000000"/>
+                </a:solidFill>
+                <a:latin typeface="Consolas" panose="020B0609020204030204" pitchFamily="49" charset="0"/>
+              </a:rPr>
+              <a:t>spring-cloud-starter-</a:t>
+            </a:r>
+            <a:r>
+              <a:rPr lang="en-US" u="sng" dirty="0" err="1">
+                <a:solidFill>
+                  <a:srgbClr val="000000"/>
+                </a:solidFill>
+                <a:latin typeface="Consolas" panose="020B0609020204030204" pitchFamily="49" charset="0"/>
+              </a:rPr>
+              <a:t>netflix</a:t>
+            </a:r>
+            <a:r>
+              <a:rPr lang="en-US" u="sng" dirty="0">
+                <a:solidFill>
+                  <a:srgbClr val="000000"/>
+                </a:solidFill>
+                <a:latin typeface="Consolas" panose="020B0609020204030204" pitchFamily="49" charset="0"/>
+              </a:rPr>
+              <a:t>-</a:t>
+            </a:r>
+            <a:r>
+              <a:rPr lang="en-US" u="sng" dirty="0" err="1">
+                <a:solidFill>
+                  <a:srgbClr val="000000"/>
+                </a:solidFill>
+                <a:latin typeface="Consolas" panose="020B0609020204030204" pitchFamily="49" charset="0"/>
+              </a:rPr>
+              <a:t>hystrix</a:t>
+            </a:r>
+            <a:r>
+              <a:rPr lang="en-US" u="sng" dirty="0">
+                <a:solidFill>
+                  <a:srgbClr val="000000"/>
+                </a:solidFill>
+                <a:latin typeface="Consolas" panose="020B0609020204030204" pitchFamily="49" charset="0"/>
+              </a:rPr>
+              <a:t>-dashboard</a:t>
+            </a:r>
+            <a:r>
+              <a:rPr lang="en-US" u="sng" dirty="0">
+                <a:solidFill>
+                  <a:srgbClr val="008080"/>
+                </a:solidFill>
+                <a:latin typeface="Consolas" panose="020B0609020204030204" pitchFamily="49" charset="0"/>
+              </a:rPr>
+              <a:t>&lt;/</a:t>
+            </a:r>
+            <a:r>
+              <a:rPr lang="en-US" u="sng" dirty="0" err="1">
+                <a:solidFill>
+                  <a:srgbClr val="3F7F7F"/>
+                </a:solidFill>
+                <a:latin typeface="Consolas" panose="020B0609020204030204" pitchFamily="49" charset="0"/>
+              </a:rPr>
+              <a:t>artifactId</a:t>
+            </a:r>
+            <a:r>
+              <a:rPr lang="en-US" u="sng" dirty="0">
+                <a:solidFill>
+                  <a:srgbClr val="008080"/>
+                </a:solidFill>
+                <a:latin typeface="Consolas" panose="020B0609020204030204" pitchFamily="49" charset="0"/>
+              </a:rPr>
+              <a:t>&gt;</a:t>
+            </a:r>
+          </a:p>
+          <a:p>
+            <a:r>
+              <a:rPr lang="en-US" dirty="0">
+                <a:solidFill>
+                  <a:srgbClr val="008080"/>
+                </a:solidFill>
+                <a:latin typeface="Consolas" panose="020B0609020204030204" pitchFamily="49" charset="0"/>
+              </a:rPr>
+              <a:t>&lt;/</a:t>
+            </a:r>
+            <a:r>
+              <a:rPr lang="en-US" dirty="0">
+                <a:solidFill>
+                  <a:srgbClr val="3F7F7F"/>
+                </a:solidFill>
+                <a:latin typeface="Consolas" panose="020B0609020204030204" pitchFamily="49" charset="0"/>
+              </a:rPr>
+              <a:t>dependency</a:t>
+            </a:r>
+            <a:r>
+              <a:rPr lang="en-US" dirty="0">
+                <a:solidFill>
+                  <a:srgbClr val="008080"/>
+                </a:solidFill>
+                <a:latin typeface="Consolas" panose="020B0609020204030204" pitchFamily="49" charset="0"/>
+              </a:rPr>
+              <a:t>&gt;</a:t>
+            </a:r>
+            <a:endParaRPr lang="en-US" dirty="0"/>
+          </a:p>
+        </p:txBody>
+      </p:sp>
+      <p:sp>
+        <p:nvSpPr>
+          <p:cNvPr id="7" name="Rectangle 6">
+            <a:extLst>
+              <a:ext uri="{FF2B5EF4-FFF2-40B4-BE49-F238E27FC236}">
+                <a16:creationId xmlns:a16="http://schemas.microsoft.com/office/drawing/2014/main" id="{6172134E-AF06-4E9B-A3BB-549010E763C4}"/>
+              </a:ext>
+            </a:extLst>
+          </p:cNvPr>
+          <p:cNvSpPr/>
+          <p:nvPr/>
+        </p:nvSpPr>
+        <p:spPr>
+          <a:xfrm>
+            <a:off x="1007326" y="3142423"/>
+            <a:ext cx="9987778" cy="1200329"/>
+          </a:xfrm>
+          <a:prstGeom prst="rect">
+            <a:avLst/>
+          </a:prstGeom>
+        </p:spPr>
+        <p:txBody>
+          <a:bodyPr wrap="square">
+            <a:spAutoFit/>
+          </a:bodyPr>
+          <a:lstStyle/>
+          <a:p>
+            <a:r>
+              <a:rPr lang="en-US" dirty="0">
+                <a:solidFill>
+                  <a:srgbClr val="008080"/>
+                </a:solidFill>
+                <a:latin typeface="Consolas" panose="020B0609020204030204" pitchFamily="49" charset="0"/>
+              </a:rPr>
+              <a:t>&lt;</a:t>
+            </a:r>
+            <a:r>
+              <a:rPr lang="en-US" dirty="0">
+                <a:solidFill>
+                  <a:srgbClr val="3F7F7F"/>
+                </a:solidFill>
+                <a:latin typeface="Consolas" panose="020B0609020204030204" pitchFamily="49" charset="0"/>
+              </a:rPr>
+              <a:t>dependency</a:t>
+            </a:r>
+            <a:r>
+              <a:rPr lang="en-US" dirty="0">
+                <a:solidFill>
+                  <a:srgbClr val="008080"/>
+                </a:solidFill>
+                <a:latin typeface="Consolas" panose="020B0609020204030204" pitchFamily="49" charset="0"/>
+              </a:rPr>
+              <a:t>&gt;</a:t>
+            </a:r>
+          </a:p>
+          <a:p>
+            <a:r>
+              <a:rPr lang="en-US" dirty="0">
+                <a:solidFill>
+                  <a:srgbClr val="008080"/>
+                </a:solidFill>
+                <a:latin typeface="Consolas" panose="020B0609020204030204" pitchFamily="49" charset="0"/>
+              </a:rPr>
+              <a:t>&lt;</a:t>
+            </a:r>
+            <a:r>
+              <a:rPr lang="en-US" dirty="0" err="1">
+                <a:solidFill>
+                  <a:srgbClr val="3F7F7F"/>
+                </a:solidFill>
+                <a:latin typeface="Consolas" panose="020B0609020204030204" pitchFamily="49" charset="0"/>
+              </a:rPr>
+              <a:t>groupId</a:t>
+            </a:r>
+            <a:r>
+              <a:rPr lang="en-US" dirty="0">
+                <a:solidFill>
+                  <a:srgbClr val="008080"/>
+                </a:solidFill>
+                <a:latin typeface="Consolas" panose="020B0609020204030204" pitchFamily="49" charset="0"/>
+              </a:rPr>
+              <a:t>&gt;</a:t>
+            </a:r>
+            <a:r>
+              <a:rPr lang="en-US" dirty="0" err="1">
+                <a:solidFill>
+                  <a:srgbClr val="000000"/>
+                </a:solidFill>
+                <a:latin typeface="Consolas" panose="020B0609020204030204" pitchFamily="49" charset="0"/>
+              </a:rPr>
+              <a:t>org.springframework.boot</a:t>
+            </a:r>
+            <a:r>
+              <a:rPr lang="en-US" dirty="0">
+                <a:solidFill>
+                  <a:srgbClr val="008080"/>
+                </a:solidFill>
+                <a:latin typeface="Consolas" panose="020B0609020204030204" pitchFamily="49" charset="0"/>
+              </a:rPr>
+              <a:t>&lt;/</a:t>
+            </a:r>
+            <a:r>
+              <a:rPr lang="en-US" dirty="0" err="1">
+                <a:solidFill>
+                  <a:srgbClr val="3F7F7F"/>
+                </a:solidFill>
+                <a:latin typeface="Consolas" panose="020B0609020204030204" pitchFamily="49" charset="0"/>
+              </a:rPr>
+              <a:t>groupId</a:t>
+            </a:r>
+            <a:r>
+              <a:rPr lang="en-US" dirty="0">
+                <a:solidFill>
+                  <a:srgbClr val="008080"/>
+                </a:solidFill>
+                <a:latin typeface="Consolas" panose="020B0609020204030204" pitchFamily="49" charset="0"/>
+              </a:rPr>
+              <a:t>&gt;</a:t>
+            </a:r>
+          </a:p>
+          <a:p>
+            <a:r>
+              <a:rPr lang="en-US" dirty="0">
+                <a:solidFill>
+                  <a:srgbClr val="008080"/>
+                </a:solidFill>
+                <a:latin typeface="Consolas" panose="020B0609020204030204" pitchFamily="49" charset="0"/>
+              </a:rPr>
+              <a:t>&lt;</a:t>
+            </a:r>
+            <a:r>
+              <a:rPr lang="en-US" dirty="0" err="1">
+                <a:solidFill>
+                  <a:srgbClr val="3F7F7F"/>
+                </a:solidFill>
+                <a:latin typeface="Consolas" panose="020B0609020204030204" pitchFamily="49" charset="0"/>
+              </a:rPr>
+              <a:t>artifactId</a:t>
+            </a:r>
+            <a:r>
+              <a:rPr lang="en-US" dirty="0">
+                <a:solidFill>
+                  <a:srgbClr val="008080"/>
+                </a:solidFill>
+                <a:latin typeface="Consolas" panose="020B0609020204030204" pitchFamily="49" charset="0"/>
+              </a:rPr>
+              <a:t>&gt;</a:t>
+            </a:r>
+            <a:r>
+              <a:rPr lang="en-US" dirty="0">
+                <a:solidFill>
+                  <a:srgbClr val="000000"/>
+                </a:solidFill>
+                <a:latin typeface="Consolas" panose="020B0609020204030204" pitchFamily="49" charset="0"/>
+              </a:rPr>
+              <a:t>spring-boot-starter-actuator</a:t>
+            </a:r>
+            <a:r>
+              <a:rPr lang="en-US" dirty="0">
+                <a:solidFill>
+                  <a:srgbClr val="008080"/>
+                </a:solidFill>
+                <a:latin typeface="Consolas" panose="020B0609020204030204" pitchFamily="49" charset="0"/>
+              </a:rPr>
+              <a:t>&lt;/</a:t>
+            </a:r>
+            <a:r>
+              <a:rPr lang="en-US" dirty="0" err="1">
+                <a:solidFill>
+                  <a:srgbClr val="3F7F7F"/>
+                </a:solidFill>
+                <a:latin typeface="Consolas" panose="020B0609020204030204" pitchFamily="49" charset="0"/>
+              </a:rPr>
+              <a:t>artifactId</a:t>
+            </a:r>
+            <a:r>
+              <a:rPr lang="en-US" dirty="0">
+                <a:solidFill>
+                  <a:srgbClr val="008080"/>
+                </a:solidFill>
+                <a:latin typeface="Consolas" panose="020B0609020204030204" pitchFamily="49" charset="0"/>
+              </a:rPr>
+              <a:t>&gt;</a:t>
+            </a:r>
+          </a:p>
+          <a:p>
+            <a:r>
+              <a:rPr lang="en-US" dirty="0">
+                <a:solidFill>
+                  <a:srgbClr val="008080"/>
+                </a:solidFill>
+                <a:latin typeface="Consolas" panose="020B0609020204030204" pitchFamily="49" charset="0"/>
+              </a:rPr>
+              <a:t>&lt;/</a:t>
+            </a:r>
+            <a:r>
+              <a:rPr lang="en-US" dirty="0">
+                <a:solidFill>
+                  <a:srgbClr val="3F7F7F"/>
+                </a:solidFill>
+                <a:latin typeface="Consolas" panose="020B0609020204030204" pitchFamily="49" charset="0"/>
+              </a:rPr>
+              <a:t>dependency</a:t>
+            </a:r>
+            <a:r>
+              <a:rPr lang="en-US" dirty="0">
+                <a:solidFill>
+                  <a:srgbClr val="008080"/>
+                </a:solidFill>
+                <a:latin typeface="Consolas" panose="020B0609020204030204" pitchFamily="49" charset="0"/>
+              </a:rPr>
+              <a:t>&gt;</a:t>
+            </a:r>
+            <a:endParaRPr lang="en-US" dirty="0"/>
+          </a:p>
+        </p:txBody>
+      </p:sp>
+      <p:sp>
+        <p:nvSpPr>
+          <p:cNvPr id="3" name="Rectangle 2">
+            <a:extLst>
+              <a:ext uri="{FF2B5EF4-FFF2-40B4-BE49-F238E27FC236}">
+                <a16:creationId xmlns:a16="http://schemas.microsoft.com/office/drawing/2014/main" id="{5D3A6A24-D3FE-4E42-8E64-6FCB69485705}"/>
+              </a:ext>
+            </a:extLst>
+          </p:cNvPr>
+          <p:cNvSpPr/>
+          <p:nvPr/>
+        </p:nvSpPr>
+        <p:spPr>
+          <a:xfrm>
+            <a:off x="1007326" y="4599715"/>
+            <a:ext cx="6096000" cy="646331"/>
+          </a:xfrm>
+          <a:prstGeom prst="rect">
+            <a:avLst/>
+          </a:prstGeom>
+        </p:spPr>
+        <p:txBody>
+          <a:bodyPr>
+            <a:spAutoFit/>
+          </a:bodyPr>
+          <a:lstStyle/>
+          <a:p>
+            <a:r>
+              <a:rPr lang="en-US" dirty="0">
+                <a:solidFill>
+                  <a:srgbClr val="646464"/>
+                </a:solidFill>
+                <a:latin typeface="Consolas" panose="020B0609020204030204" pitchFamily="49" charset="0"/>
+              </a:rPr>
+              <a:t>@</a:t>
+            </a:r>
+            <a:r>
+              <a:rPr lang="en-US" dirty="0" err="1">
+                <a:solidFill>
+                  <a:srgbClr val="646464"/>
+                </a:solidFill>
+                <a:latin typeface="Consolas" panose="020B0609020204030204" pitchFamily="49" charset="0"/>
+              </a:rPr>
+              <a:t>EnableHystrixDashboard</a:t>
+            </a:r>
+            <a:endParaRPr lang="en-US" dirty="0">
+              <a:solidFill>
+                <a:srgbClr val="646464"/>
+              </a:solidFill>
+              <a:latin typeface="Consolas" panose="020B0609020204030204" pitchFamily="49" charset="0"/>
+            </a:endParaRPr>
+          </a:p>
+          <a:p>
+            <a:r>
+              <a:rPr lang="en-US" b="1" dirty="0">
+                <a:solidFill>
+                  <a:srgbClr val="7F0055"/>
+                </a:solidFill>
+                <a:latin typeface="Consolas" panose="020B0609020204030204" pitchFamily="49" charset="0"/>
+              </a:rPr>
+              <a:t>public</a:t>
+            </a:r>
+            <a:r>
+              <a:rPr lang="en-US" b="1" dirty="0">
+                <a:solidFill>
+                  <a:srgbClr val="000000"/>
+                </a:solidFill>
+                <a:latin typeface="Consolas" panose="020B0609020204030204" pitchFamily="49" charset="0"/>
+              </a:rPr>
+              <a:t> </a:t>
+            </a:r>
+            <a:r>
+              <a:rPr lang="en-US" b="1" dirty="0">
+                <a:solidFill>
+                  <a:srgbClr val="7F0055"/>
+                </a:solidFill>
+                <a:latin typeface="Consolas" panose="020B0609020204030204" pitchFamily="49" charset="0"/>
+              </a:rPr>
+              <a:t>class</a:t>
+            </a:r>
+            <a:r>
+              <a:rPr lang="en-US" b="1" dirty="0">
+                <a:solidFill>
+                  <a:srgbClr val="000000"/>
+                </a:solidFill>
+                <a:latin typeface="Consolas" panose="020B0609020204030204" pitchFamily="49" charset="0"/>
+              </a:rPr>
+              <a:t> </a:t>
+            </a:r>
+            <a:r>
+              <a:rPr lang="en-US" b="1" dirty="0" err="1">
+                <a:solidFill>
+                  <a:srgbClr val="000000"/>
+                </a:solidFill>
+                <a:latin typeface="Consolas" panose="020B0609020204030204" pitchFamily="49" charset="0"/>
+              </a:rPr>
+              <a:t>TrngHystrixDashboardApplication</a:t>
+            </a:r>
+            <a:r>
+              <a:rPr lang="en-US" b="1" dirty="0">
+                <a:solidFill>
+                  <a:srgbClr val="000000"/>
+                </a:solidFill>
+                <a:latin typeface="Consolas" panose="020B0609020204030204" pitchFamily="49" charset="0"/>
+              </a:rPr>
+              <a:t> {</a:t>
+            </a:r>
+            <a:endParaRPr lang="en-US" dirty="0"/>
+          </a:p>
+        </p:txBody>
+      </p:sp>
+    </p:spTree>
+    <p:extLst>
+      <p:ext uri="{BB962C8B-B14F-4D97-AF65-F5344CB8AC3E}">
+        <p14:creationId xmlns:p14="http://schemas.microsoft.com/office/powerpoint/2010/main" val="1327759828"/>
+      </p:ext>
+    </p:extLst>
+  </p:cSld>
+  <p:clrMapOvr>
+    <a:masterClrMapping/>
+  </p:clrMapOvr>
+</p:sld>
+</file>
+
+<file path=ppt/slides/slide23.xml><?xml version="1.0" encoding="utf-8"?>
+<p:sld xmlns:a="http://schemas.openxmlformats.org/drawingml/2006/main" xmlns:r="http://schemas.openxmlformats.org/officeDocument/2006/relationships" xmlns:p="http://schemas.openxmlformats.org/presentationml/2006/main">
+  <p:cSld>
+    <p:spTree>
+      <p:nvGrpSpPr>
+        <p:cNvPr id="1" name=""/>
+        <p:cNvGrpSpPr/>
+        <p:nvPr/>
+      </p:nvGrpSpPr>
+      <p:grpSpPr>
+        <a:xfrm>
+          <a:off x="0" y="0"/>
+          <a:ext cx="0" cy="0"/>
+          <a:chOff x="0" y="0"/>
+          <a:chExt cx="0" cy="0"/>
+        </a:xfrm>
+      </p:grpSpPr>
+      <p:sp>
+        <p:nvSpPr>
+          <p:cNvPr id="2" name="Title 1">
+            <a:extLst>
+              <a:ext uri="{FF2B5EF4-FFF2-40B4-BE49-F238E27FC236}">
+                <a16:creationId xmlns:a16="http://schemas.microsoft.com/office/drawing/2014/main" id="{5BA3DBEF-E872-4C19-8FAA-DD3281BD7697}"/>
+              </a:ext>
+            </a:extLst>
+          </p:cNvPr>
+          <p:cNvSpPr>
+            <a:spLocks noGrp="1"/>
+          </p:cNvSpPr>
+          <p:nvPr>
+            <p:ph type="ctrTitle"/>
+          </p:nvPr>
+        </p:nvSpPr>
+        <p:spPr>
+          <a:xfrm>
+            <a:off x="1523999" y="0"/>
+            <a:ext cx="9144000" cy="833670"/>
+          </a:xfrm>
+        </p:spPr>
+        <p:txBody>
+          <a:bodyPr>
+            <a:normAutofit/>
+          </a:bodyPr>
+          <a:lstStyle/>
+          <a:p>
+            <a:r>
+              <a:rPr lang="en-US" sz="3600" dirty="0"/>
+              <a:t>Config Server</a:t>
+            </a:r>
+          </a:p>
+        </p:txBody>
+      </p:sp>
+      <p:sp>
+        <p:nvSpPr>
+          <p:cNvPr id="5" name="Rectangle 4">
+            <a:extLst>
+              <a:ext uri="{FF2B5EF4-FFF2-40B4-BE49-F238E27FC236}">
+                <a16:creationId xmlns:a16="http://schemas.microsoft.com/office/drawing/2014/main" id="{3DAEE585-6FD2-4CFA-8894-73469C8C8495}"/>
+              </a:ext>
+            </a:extLst>
+          </p:cNvPr>
+          <p:cNvSpPr/>
+          <p:nvPr/>
+        </p:nvSpPr>
+        <p:spPr>
+          <a:xfrm>
+            <a:off x="1523998" y="1208004"/>
+            <a:ext cx="8166411" cy="1200329"/>
+          </a:xfrm>
+          <a:prstGeom prst="rect">
+            <a:avLst/>
+          </a:prstGeom>
+        </p:spPr>
+        <p:txBody>
+          <a:bodyPr wrap="square">
+            <a:spAutoFit/>
+          </a:bodyPr>
+          <a:lstStyle/>
+          <a:p>
+            <a:r>
+              <a:rPr lang="en-US" dirty="0">
+                <a:solidFill>
+                  <a:srgbClr val="008080"/>
+                </a:solidFill>
+                <a:latin typeface="Consolas" panose="020B0609020204030204" pitchFamily="49" charset="0"/>
+              </a:rPr>
+              <a:t>&lt;</a:t>
+            </a:r>
+            <a:r>
+              <a:rPr lang="en-US" dirty="0">
+                <a:solidFill>
+                  <a:srgbClr val="3F7F7F"/>
+                </a:solidFill>
+                <a:latin typeface="Consolas" panose="020B0609020204030204" pitchFamily="49" charset="0"/>
+              </a:rPr>
+              <a:t>dependency</a:t>
+            </a:r>
+            <a:r>
+              <a:rPr lang="en-US" dirty="0">
+                <a:solidFill>
+                  <a:srgbClr val="008080"/>
+                </a:solidFill>
+                <a:latin typeface="Consolas" panose="020B0609020204030204" pitchFamily="49" charset="0"/>
+              </a:rPr>
+              <a:t>&gt;</a:t>
+            </a:r>
+          </a:p>
+          <a:p>
+            <a:r>
+              <a:rPr lang="en-US" dirty="0">
+                <a:solidFill>
+                  <a:srgbClr val="008080"/>
+                </a:solidFill>
+                <a:latin typeface="Consolas" panose="020B0609020204030204" pitchFamily="49" charset="0"/>
+              </a:rPr>
+              <a:t>&lt;</a:t>
+            </a:r>
+            <a:r>
+              <a:rPr lang="en-US" dirty="0" err="1">
+                <a:solidFill>
+                  <a:srgbClr val="3F7F7F"/>
+                </a:solidFill>
+                <a:latin typeface="Consolas" panose="020B0609020204030204" pitchFamily="49" charset="0"/>
+              </a:rPr>
+              <a:t>groupId</a:t>
+            </a:r>
+            <a:r>
+              <a:rPr lang="en-US" dirty="0">
+                <a:solidFill>
+                  <a:srgbClr val="008080"/>
+                </a:solidFill>
+                <a:latin typeface="Consolas" panose="020B0609020204030204" pitchFamily="49" charset="0"/>
+              </a:rPr>
+              <a:t>&gt;</a:t>
+            </a:r>
+            <a:r>
+              <a:rPr lang="en-US" dirty="0" err="1">
+                <a:solidFill>
+                  <a:srgbClr val="000000"/>
+                </a:solidFill>
+                <a:latin typeface="Consolas" panose="020B0609020204030204" pitchFamily="49" charset="0"/>
+              </a:rPr>
+              <a:t>org.springframework.cloud</a:t>
+            </a:r>
+            <a:r>
+              <a:rPr lang="en-US" dirty="0">
+                <a:solidFill>
+                  <a:srgbClr val="008080"/>
+                </a:solidFill>
+                <a:latin typeface="Consolas" panose="020B0609020204030204" pitchFamily="49" charset="0"/>
+              </a:rPr>
+              <a:t>&lt;/</a:t>
+            </a:r>
+            <a:r>
+              <a:rPr lang="en-US" dirty="0" err="1">
+                <a:solidFill>
+                  <a:srgbClr val="3F7F7F"/>
+                </a:solidFill>
+                <a:latin typeface="Consolas" panose="020B0609020204030204" pitchFamily="49" charset="0"/>
+              </a:rPr>
+              <a:t>groupId</a:t>
+            </a:r>
+            <a:r>
+              <a:rPr lang="en-US" dirty="0">
+                <a:solidFill>
+                  <a:srgbClr val="008080"/>
+                </a:solidFill>
+                <a:latin typeface="Consolas" panose="020B0609020204030204" pitchFamily="49" charset="0"/>
+              </a:rPr>
+              <a:t>&gt;</a:t>
+            </a:r>
+          </a:p>
+          <a:p>
+            <a:r>
+              <a:rPr lang="en-US" dirty="0">
+                <a:solidFill>
+                  <a:srgbClr val="008080"/>
+                </a:solidFill>
+                <a:latin typeface="Consolas" panose="020B0609020204030204" pitchFamily="49" charset="0"/>
+              </a:rPr>
+              <a:t>&lt;</a:t>
+            </a:r>
+            <a:r>
+              <a:rPr lang="en-US" dirty="0" err="1">
+                <a:solidFill>
+                  <a:srgbClr val="3F7F7F"/>
+                </a:solidFill>
+                <a:latin typeface="Consolas" panose="020B0609020204030204" pitchFamily="49" charset="0"/>
+              </a:rPr>
+              <a:t>artifactId</a:t>
+            </a:r>
+            <a:r>
+              <a:rPr lang="en-US" dirty="0">
+                <a:solidFill>
+                  <a:srgbClr val="008080"/>
+                </a:solidFill>
+                <a:latin typeface="Consolas" panose="020B0609020204030204" pitchFamily="49" charset="0"/>
+              </a:rPr>
+              <a:t>&gt;</a:t>
+            </a:r>
+            <a:r>
+              <a:rPr lang="en-US" dirty="0">
+                <a:solidFill>
+                  <a:srgbClr val="000000"/>
+                </a:solidFill>
+                <a:latin typeface="Consolas" panose="020B0609020204030204" pitchFamily="49" charset="0"/>
+              </a:rPr>
+              <a:t>spring-cloud-</a:t>
+            </a:r>
+            <a:r>
+              <a:rPr lang="en-US" u="sng" dirty="0">
+                <a:solidFill>
+                  <a:srgbClr val="000000"/>
+                </a:solidFill>
+                <a:latin typeface="Consolas" panose="020B0609020204030204" pitchFamily="49" charset="0"/>
+              </a:rPr>
+              <a:t>config-server</a:t>
+            </a:r>
+            <a:r>
+              <a:rPr lang="en-US" u="sng" dirty="0">
+                <a:solidFill>
+                  <a:srgbClr val="008080"/>
+                </a:solidFill>
+                <a:latin typeface="Consolas" panose="020B0609020204030204" pitchFamily="49" charset="0"/>
+              </a:rPr>
+              <a:t>&lt;/</a:t>
+            </a:r>
+            <a:r>
+              <a:rPr lang="en-US" u="sng" dirty="0" err="1">
+                <a:solidFill>
+                  <a:srgbClr val="3F7F7F"/>
+                </a:solidFill>
+                <a:latin typeface="Consolas" panose="020B0609020204030204" pitchFamily="49" charset="0"/>
+              </a:rPr>
+              <a:t>artifactId</a:t>
+            </a:r>
+            <a:r>
+              <a:rPr lang="en-US" u="sng" dirty="0">
+                <a:solidFill>
+                  <a:srgbClr val="008080"/>
+                </a:solidFill>
+                <a:latin typeface="Consolas" panose="020B0609020204030204" pitchFamily="49" charset="0"/>
+              </a:rPr>
+              <a:t>&gt;</a:t>
+            </a:r>
+          </a:p>
+          <a:p>
+            <a:r>
+              <a:rPr lang="en-US" dirty="0">
+                <a:solidFill>
+                  <a:srgbClr val="008080"/>
+                </a:solidFill>
+                <a:latin typeface="Consolas" panose="020B0609020204030204" pitchFamily="49" charset="0"/>
+              </a:rPr>
+              <a:t>&lt;/</a:t>
+            </a:r>
+            <a:r>
+              <a:rPr lang="en-US" dirty="0">
+                <a:solidFill>
+                  <a:srgbClr val="3F7F7F"/>
+                </a:solidFill>
+                <a:latin typeface="Consolas" panose="020B0609020204030204" pitchFamily="49" charset="0"/>
+              </a:rPr>
+              <a:t>dependency</a:t>
+            </a:r>
+            <a:r>
+              <a:rPr lang="en-US" dirty="0">
+                <a:solidFill>
+                  <a:srgbClr val="008080"/>
+                </a:solidFill>
+                <a:latin typeface="Consolas" panose="020B0609020204030204" pitchFamily="49" charset="0"/>
+              </a:rPr>
+              <a:t>&gt;</a:t>
+            </a:r>
+          </a:p>
+        </p:txBody>
+      </p:sp>
+      <p:sp>
+        <p:nvSpPr>
+          <p:cNvPr id="6" name="Rectangle 5">
+            <a:extLst>
+              <a:ext uri="{FF2B5EF4-FFF2-40B4-BE49-F238E27FC236}">
+                <a16:creationId xmlns:a16="http://schemas.microsoft.com/office/drawing/2014/main" id="{FEF1AC31-F093-4B8C-B262-415D1866C072}"/>
+              </a:ext>
+            </a:extLst>
+          </p:cNvPr>
+          <p:cNvSpPr/>
+          <p:nvPr/>
+        </p:nvSpPr>
+        <p:spPr>
+          <a:xfrm>
+            <a:off x="1523998" y="2505670"/>
+            <a:ext cx="6096000" cy="923330"/>
+          </a:xfrm>
+          <a:prstGeom prst="rect">
+            <a:avLst/>
+          </a:prstGeom>
+        </p:spPr>
+        <p:txBody>
+          <a:bodyPr>
+            <a:spAutoFit/>
+          </a:bodyPr>
+          <a:lstStyle/>
+          <a:p>
+            <a:r>
+              <a:rPr lang="en-US" dirty="0">
+                <a:solidFill>
+                  <a:srgbClr val="646464"/>
+                </a:solidFill>
+                <a:latin typeface="Consolas" panose="020B0609020204030204" pitchFamily="49" charset="0"/>
+              </a:rPr>
+              <a:t>@</a:t>
+            </a:r>
+            <a:r>
+              <a:rPr lang="en-US" dirty="0" err="1">
+                <a:solidFill>
+                  <a:srgbClr val="646464"/>
+                </a:solidFill>
+                <a:latin typeface="Consolas" panose="020B0609020204030204" pitchFamily="49" charset="0"/>
+              </a:rPr>
+              <a:t>SpringBootApplication</a:t>
+            </a:r>
+            <a:endParaRPr lang="en-US" dirty="0">
+              <a:solidFill>
+                <a:srgbClr val="646464"/>
+              </a:solidFill>
+              <a:latin typeface="Consolas" panose="020B0609020204030204" pitchFamily="49" charset="0"/>
+            </a:endParaRPr>
+          </a:p>
+          <a:p>
+            <a:r>
+              <a:rPr lang="en-US" dirty="0">
+                <a:solidFill>
+                  <a:srgbClr val="646464"/>
+                </a:solidFill>
+                <a:latin typeface="Consolas" panose="020B0609020204030204" pitchFamily="49" charset="0"/>
+              </a:rPr>
+              <a:t>@</a:t>
+            </a:r>
+            <a:r>
+              <a:rPr lang="en-US" dirty="0" err="1">
+                <a:solidFill>
+                  <a:srgbClr val="646464"/>
+                </a:solidFill>
+                <a:latin typeface="Consolas" panose="020B0609020204030204" pitchFamily="49" charset="0"/>
+              </a:rPr>
+              <a:t>EnableConfigServer</a:t>
+            </a:r>
+            <a:endParaRPr lang="en-US" dirty="0">
+              <a:solidFill>
+                <a:srgbClr val="646464"/>
+              </a:solidFill>
+              <a:latin typeface="Consolas" panose="020B0609020204030204" pitchFamily="49" charset="0"/>
+            </a:endParaRPr>
+          </a:p>
+          <a:p>
+            <a:r>
+              <a:rPr lang="en-US" b="1" dirty="0">
+                <a:solidFill>
+                  <a:srgbClr val="7F0055"/>
+                </a:solidFill>
+                <a:latin typeface="Consolas" panose="020B0609020204030204" pitchFamily="49" charset="0"/>
+              </a:rPr>
+              <a:t>public</a:t>
+            </a:r>
+            <a:r>
+              <a:rPr lang="en-US" b="1" dirty="0">
+                <a:solidFill>
+                  <a:srgbClr val="000000"/>
+                </a:solidFill>
+                <a:latin typeface="Consolas" panose="020B0609020204030204" pitchFamily="49" charset="0"/>
+              </a:rPr>
+              <a:t> </a:t>
+            </a:r>
+            <a:r>
+              <a:rPr lang="en-US" b="1" dirty="0">
+                <a:solidFill>
+                  <a:srgbClr val="7F0055"/>
+                </a:solidFill>
+                <a:latin typeface="Consolas" panose="020B0609020204030204" pitchFamily="49" charset="0"/>
+              </a:rPr>
+              <a:t>class</a:t>
+            </a:r>
+            <a:r>
+              <a:rPr lang="en-US" b="1" dirty="0">
+                <a:solidFill>
+                  <a:srgbClr val="000000"/>
+                </a:solidFill>
+                <a:latin typeface="Consolas" panose="020B0609020204030204" pitchFamily="49" charset="0"/>
+              </a:rPr>
+              <a:t> </a:t>
+            </a:r>
+            <a:r>
+              <a:rPr lang="en-US" b="1" dirty="0" err="1">
+                <a:solidFill>
+                  <a:srgbClr val="000000"/>
+                </a:solidFill>
+                <a:latin typeface="Consolas" panose="020B0609020204030204" pitchFamily="49" charset="0"/>
+              </a:rPr>
+              <a:t>TrngConfigServerApplication</a:t>
+            </a:r>
+            <a:r>
+              <a:rPr lang="en-US" b="1" dirty="0">
+                <a:solidFill>
+                  <a:srgbClr val="000000"/>
+                </a:solidFill>
+                <a:latin typeface="Consolas" panose="020B0609020204030204" pitchFamily="49" charset="0"/>
+              </a:rPr>
+              <a:t> {</a:t>
+            </a:r>
+            <a:endParaRPr lang="en-US" dirty="0"/>
+          </a:p>
+        </p:txBody>
+      </p:sp>
+      <p:sp>
+        <p:nvSpPr>
+          <p:cNvPr id="7" name="Rectangle 6">
+            <a:extLst>
+              <a:ext uri="{FF2B5EF4-FFF2-40B4-BE49-F238E27FC236}">
+                <a16:creationId xmlns:a16="http://schemas.microsoft.com/office/drawing/2014/main" id="{12BF451B-3066-427A-BFCB-94B4DE65711C}"/>
+              </a:ext>
+            </a:extLst>
+          </p:cNvPr>
+          <p:cNvSpPr/>
+          <p:nvPr/>
+        </p:nvSpPr>
+        <p:spPr>
+          <a:xfrm>
+            <a:off x="1523998" y="3721594"/>
+            <a:ext cx="9593769" cy="2862322"/>
+          </a:xfrm>
+          <a:prstGeom prst="rect">
+            <a:avLst/>
+          </a:prstGeom>
+        </p:spPr>
+        <p:txBody>
+          <a:bodyPr wrap="square">
+            <a:spAutoFit/>
+          </a:bodyPr>
+          <a:lstStyle/>
+          <a:p>
+            <a:r>
+              <a:rPr lang="en-US" dirty="0">
+                <a:solidFill>
+                  <a:srgbClr val="00C832"/>
+                </a:solidFill>
+                <a:latin typeface="Consolas" panose="020B0609020204030204" pitchFamily="49" charset="0"/>
+              </a:rPr>
+              <a:t>server:</a:t>
+            </a:r>
+          </a:p>
+          <a:p>
+            <a:r>
+              <a:rPr lang="en-US" dirty="0">
+                <a:solidFill>
+                  <a:srgbClr val="000000"/>
+                </a:solidFill>
+                <a:latin typeface="Consolas" panose="020B0609020204030204" pitchFamily="49" charset="0"/>
+              </a:rPr>
+              <a:t>  </a:t>
+            </a:r>
+            <a:r>
+              <a:rPr lang="en-US" dirty="0">
+                <a:solidFill>
+                  <a:srgbClr val="00C832"/>
+                </a:solidFill>
+                <a:latin typeface="Consolas" panose="020B0609020204030204" pitchFamily="49" charset="0"/>
+              </a:rPr>
+              <a:t>port:</a:t>
+            </a:r>
+            <a:r>
+              <a:rPr lang="en-US" dirty="0">
+                <a:solidFill>
+                  <a:srgbClr val="000000"/>
+                </a:solidFill>
+                <a:latin typeface="Consolas" panose="020B0609020204030204" pitchFamily="49" charset="0"/>
+              </a:rPr>
+              <a:t> 8888</a:t>
+            </a:r>
+          </a:p>
+          <a:p>
+            <a:r>
+              <a:rPr lang="en-US" dirty="0">
+                <a:solidFill>
+                  <a:srgbClr val="000000"/>
+                </a:solidFill>
+                <a:latin typeface="Consolas" panose="020B0609020204030204" pitchFamily="49" charset="0"/>
+              </a:rPr>
+              <a:t>  </a:t>
+            </a:r>
+          </a:p>
+          <a:p>
+            <a:r>
+              <a:rPr lang="en-US" dirty="0">
+                <a:solidFill>
+                  <a:srgbClr val="00C832"/>
+                </a:solidFill>
+                <a:latin typeface="Consolas" panose="020B0609020204030204" pitchFamily="49" charset="0"/>
+              </a:rPr>
+              <a:t>spring:</a:t>
+            </a:r>
+          </a:p>
+          <a:p>
+            <a:r>
+              <a:rPr lang="en-US" dirty="0">
+                <a:solidFill>
+                  <a:srgbClr val="000000"/>
+                </a:solidFill>
+                <a:latin typeface="Consolas" panose="020B0609020204030204" pitchFamily="49" charset="0"/>
+              </a:rPr>
+              <a:t>  </a:t>
+            </a:r>
+            <a:r>
+              <a:rPr lang="en-US" dirty="0">
+                <a:solidFill>
+                  <a:srgbClr val="00C832"/>
+                </a:solidFill>
+                <a:latin typeface="Consolas" panose="020B0609020204030204" pitchFamily="49" charset="0"/>
+              </a:rPr>
+              <a:t>cloud:</a:t>
+            </a:r>
+          </a:p>
+          <a:p>
+            <a:r>
+              <a:rPr lang="en-US" dirty="0">
+                <a:solidFill>
+                  <a:srgbClr val="000000"/>
+                </a:solidFill>
+                <a:latin typeface="Consolas" panose="020B0609020204030204" pitchFamily="49" charset="0"/>
+              </a:rPr>
+              <a:t>    </a:t>
+            </a:r>
+            <a:r>
+              <a:rPr lang="en-US" dirty="0">
+                <a:solidFill>
+                  <a:srgbClr val="00C832"/>
+                </a:solidFill>
+                <a:latin typeface="Consolas" panose="020B0609020204030204" pitchFamily="49" charset="0"/>
+              </a:rPr>
+              <a:t>config:</a:t>
+            </a:r>
+          </a:p>
+          <a:p>
+            <a:r>
+              <a:rPr lang="en-US" dirty="0">
+                <a:solidFill>
+                  <a:srgbClr val="000000"/>
+                </a:solidFill>
+                <a:latin typeface="Consolas" panose="020B0609020204030204" pitchFamily="49" charset="0"/>
+              </a:rPr>
+              <a:t>      </a:t>
+            </a:r>
+            <a:r>
+              <a:rPr lang="en-US" dirty="0">
+                <a:solidFill>
+                  <a:srgbClr val="00C832"/>
+                </a:solidFill>
+                <a:latin typeface="Consolas" panose="020B0609020204030204" pitchFamily="49" charset="0"/>
+              </a:rPr>
+              <a:t>server:</a:t>
+            </a:r>
+          </a:p>
+          <a:p>
+            <a:r>
+              <a:rPr lang="en-US" dirty="0">
+                <a:solidFill>
+                  <a:srgbClr val="000000"/>
+                </a:solidFill>
+                <a:latin typeface="Consolas" panose="020B0609020204030204" pitchFamily="49" charset="0"/>
+              </a:rPr>
+              <a:t>        </a:t>
+            </a:r>
+            <a:r>
+              <a:rPr lang="en-US" dirty="0">
+                <a:solidFill>
+                  <a:srgbClr val="00C832"/>
+                </a:solidFill>
+                <a:latin typeface="Consolas" panose="020B0609020204030204" pitchFamily="49" charset="0"/>
+              </a:rPr>
+              <a:t>git:</a:t>
+            </a:r>
+          </a:p>
+          <a:p>
+            <a:r>
+              <a:rPr lang="fi-FI" dirty="0">
+                <a:solidFill>
+                  <a:srgbClr val="000000"/>
+                </a:solidFill>
+                <a:latin typeface="Consolas" panose="020B0609020204030204" pitchFamily="49" charset="0"/>
+              </a:rPr>
+              <a:t>          </a:t>
+            </a:r>
+            <a:r>
+              <a:rPr lang="fi-FI" dirty="0">
+                <a:solidFill>
+                  <a:srgbClr val="00C832"/>
+                </a:solidFill>
+                <a:latin typeface="Consolas" panose="020B0609020204030204" pitchFamily="49" charset="0"/>
+              </a:rPr>
+              <a:t>uri:</a:t>
+            </a:r>
+            <a:r>
+              <a:rPr lang="fi-FI" dirty="0">
+                <a:solidFill>
+                  <a:srgbClr val="000000"/>
+                </a:solidFill>
+                <a:latin typeface="Consolas" panose="020B0609020204030204" pitchFamily="49" charset="0"/>
+              </a:rPr>
+              <a:t> https://github.com/GouthamKoushik/CTLMicroTraining</a:t>
+            </a:r>
+          </a:p>
+          <a:p>
+            <a:r>
+              <a:rPr lang="fi-FI" dirty="0">
+                <a:solidFill>
+                  <a:srgbClr val="000000"/>
+                </a:solidFill>
+                <a:latin typeface="Consolas" panose="020B0609020204030204" pitchFamily="49" charset="0"/>
+              </a:rPr>
+              <a:t>          searchPaths: config</a:t>
+            </a:r>
+            <a:endParaRPr lang="en-US" dirty="0"/>
+          </a:p>
+        </p:txBody>
+      </p:sp>
+    </p:spTree>
+    <p:extLst>
+      <p:ext uri="{BB962C8B-B14F-4D97-AF65-F5344CB8AC3E}">
+        <p14:creationId xmlns:p14="http://schemas.microsoft.com/office/powerpoint/2010/main" val="1656741065"/>
+      </p:ext>
+    </p:extLst>
+  </p:cSld>
+  <p:clrMapOvr>
+    <a:masterClrMapping/>
+  </p:clrMapOvr>
+</p:sld>
+</file>
+
+<file path=ppt/slides/slide24.xml><?xml version="1.0" encoding="utf-8"?>
+<p:sld xmlns:a="http://schemas.openxmlformats.org/drawingml/2006/main" xmlns:r="http://schemas.openxmlformats.org/officeDocument/2006/relationships" xmlns:p="http://schemas.openxmlformats.org/presentationml/2006/main">
+  <p:cSld>
+    <p:spTree>
+      <p:nvGrpSpPr>
+        <p:cNvPr id="1" name=""/>
+        <p:cNvGrpSpPr/>
+        <p:nvPr/>
+      </p:nvGrpSpPr>
+      <p:grpSpPr>
+        <a:xfrm>
+          <a:off x="0" y="0"/>
+          <a:ext cx="0" cy="0"/>
+          <a:chOff x="0" y="0"/>
+          <a:chExt cx="0" cy="0"/>
+        </a:xfrm>
+      </p:grpSpPr>
+      <p:sp>
+        <p:nvSpPr>
+          <p:cNvPr id="2" name="Title 1">
+            <a:extLst>
+              <a:ext uri="{FF2B5EF4-FFF2-40B4-BE49-F238E27FC236}">
+                <a16:creationId xmlns:a16="http://schemas.microsoft.com/office/drawing/2014/main" id="{5BA3DBEF-E872-4C19-8FAA-DD3281BD7697}"/>
+              </a:ext>
+            </a:extLst>
+          </p:cNvPr>
+          <p:cNvSpPr>
+            <a:spLocks noGrp="1"/>
+          </p:cNvSpPr>
+          <p:nvPr>
+            <p:ph type="ctrTitle"/>
+          </p:nvPr>
+        </p:nvSpPr>
+        <p:spPr>
+          <a:xfrm>
+            <a:off x="1523999" y="0"/>
+            <a:ext cx="9144000" cy="833670"/>
+          </a:xfrm>
+        </p:spPr>
+        <p:txBody>
+          <a:bodyPr>
+            <a:normAutofit/>
+          </a:bodyPr>
+          <a:lstStyle/>
+          <a:p>
+            <a:r>
               <a:rPr lang="en-US" sz="3600" dirty="0"/>
               <a:t>Config Client</a:t>
             </a:r>
@@ -10925,7 +14182,7 @@
 </p:sld>
 </file>
 
-<file path=ppt/slides/slide21.xml><?xml version="1.0" encoding="utf-8"?>
+<file path=ppt/slides/slide25.xml><?xml version="1.0" encoding="utf-8"?>
 <p:sld xmlns:a="http://schemas.openxmlformats.org/drawingml/2006/main" xmlns:r="http://schemas.openxmlformats.org/officeDocument/2006/relationships" xmlns:p="http://schemas.openxmlformats.org/presentationml/2006/main">
   <p:cSld>
     <p:spTree>
